--- a/dv-lec7-networkx.pptx
+++ b/dv-lec7-networkx.pptx
@@ -134,6 +134,22 @@
       </a:defRPr>
     </a:lvl9pPr>
   </p:defaultTextStyle>
+  <p:extLst>
+    <p:ext uri="{EFAFB233-063F-42B5-8137-9DF3F51BA10A}">
+      <p15:sldGuideLst xmlns:p15="http://schemas.microsoft.com/office/powerpoint/2012/main">
+        <p15:guide id="1" orient="horz" pos="2160">
+          <p15:clr>
+            <a:srgbClr val="A4A3A4"/>
+          </p15:clr>
+        </p15:guide>
+        <p15:guide id="2" pos="2880">
+          <p15:clr>
+            <a:srgbClr val="A4A3A4"/>
+          </p15:clr>
+        </p15:guide>
+      </p15:sldGuideLst>
+    </p:ext>
+  </p:extLst>
 </p:presentation>
 </file>
 
@@ -219,7 +235,7 @@
           <a:p>
             <a:fld id="{2E540D3C-F392-44D8-B928-DA25DF79A54A}" type="datetimeFigureOut">
               <a:rPr lang="ru-RU" smtClean="0"/>
-              <a:t>09.03.2018</a:t>
+              <a:t>21.04.2023</a:t>
             </a:fld>
             <a:endParaRPr lang="ru-RU"/>
           </a:p>
@@ -283,38 +299,37 @@
           <a:p>
             <a:pPr lvl="0"/>
             <a:r>
-              <a:rPr lang="ru-RU" smtClean="0"/>
+              <a:rPr lang="ru-RU"/>
               <a:t>Образец текста</a:t>
             </a:r>
           </a:p>
           <a:p>
             <a:pPr lvl="1"/>
             <a:r>
-              <a:rPr lang="ru-RU" smtClean="0"/>
+              <a:rPr lang="ru-RU"/>
               <a:t>Второй уровень</a:t>
             </a:r>
           </a:p>
           <a:p>
             <a:pPr lvl="2"/>
             <a:r>
-              <a:rPr lang="ru-RU" smtClean="0"/>
+              <a:rPr lang="ru-RU"/>
               <a:t>Третий уровень</a:t>
             </a:r>
           </a:p>
           <a:p>
             <a:pPr lvl="3"/>
             <a:r>
-              <a:rPr lang="ru-RU" smtClean="0"/>
+              <a:rPr lang="ru-RU"/>
               <a:t>Четвертый уровень</a:t>
             </a:r>
           </a:p>
           <a:p>
             <a:pPr lvl="4"/>
             <a:r>
-              <a:rPr lang="ru-RU" smtClean="0"/>
+              <a:rPr lang="ru-RU"/>
               <a:t>Пятый уровень</a:t>
             </a:r>
-            <a:endParaRPr lang="ru-RU"/>
           </a:p>
         </p:txBody>
       </p:sp>
@@ -378,7 +393,7 @@
           <a:p>
             <a:fld id="{00FA2814-39EB-4922-912D-25C8F49F8DD8}" type="slidenum">
               <a:rPr lang="ru-RU" smtClean="0"/>
-              <a:t>‹#›</a:t>
+              <a:t>‹№›</a:t>
             </a:fld>
             <a:endParaRPr lang="ru-RU"/>
           </a:p>
@@ -525,10 +540,9 @@
           <a:lstStyle/>
           <a:p>
             <a:r>
-              <a:rPr lang="ru-RU" smtClean="0"/>
+              <a:rPr lang="ru-RU"/>
               <a:t>Образец заголовка</a:t>
             </a:r>
-            <a:endParaRPr lang="ru-RU"/>
           </a:p>
         </p:txBody>
       </p:sp>
@@ -644,10 +658,9 @@
           </a:lstStyle>
           <a:p>
             <a:r>
-              <a:rPr lang="ru-RU" smtClean="0"/>
+              <a:rPr lang="ru-RU"/>
               <a:t>Образец подзаголовка</a:t>
             </a:r>
-            <a:endParaRPr lang="ru-RU"/>
           </a:p>
         </p:txBody>
       </p:sp>
@@ -668,7 +681,7 @@
           <a:p>
             <a:fld id="{DE1EF4C9-F4B7-43A4-B310-51E45864E80C}" type="datetime1">
               <a:rPr lang="ru-RU" smtClean="0"/>
-              <a:t>09.03.2018</a:t>
+              <a:t>21.04.2023</a:t>
             </a:fld>
             <a:endParaRPr lang="ru-RU"/>
           </a:p>
@@ -710,7 +723,7 @@
           <a:p>
             <a:fld id="{F29E71F4-764E-4B55-B4DF-8EF2746654EB}" type="slidenum">
               <a:rPr lang="ru-RU" smtClean="0"/>
-              <a:t>‹#›</a:t>
+              <a:t>‹№›</a:t>
             </a:fld>
             <a:endParaRPr lang="ru-RU"/>
           </a:p>
@@ -762,10 +775,9 @@
           <a:lstStyle/>
           <a:p>
             <a:r>
-              <a:rPr lang="ru-RU" smtClean="0"/>
+              <a:rPr lang="ru-RU"/>
               <a:t>Образец заголовка</a:t>
             </a:r>
-            <a:endParaRPr lang="ru-RU"/>
           </a:p>
         </p:txBody>
       </p:sp>
@@ -786,38 +798,37 @@
           <a:p>
             <a:pPr lvl="0"/>
             <a:r>
-              <a:rPr lang="ru-RU" smtClean="0"/>
+              <a:rPr lang="ru-RU"/>
               <a:t>Образец текста</a:t>
             </a:r>
           </a:p>
           <a:p>
             <a:pPr lvl="1"/>
             <a:r>
-              <a:rPr lang="ru-RU" smtClean="0"/>
+              <a:rPr lang="ru-RU"/>
               <a:t>Второй уровень</a:t>
             </a:r>
           </a:p>
           <a:p>
             <a:pPr lvl="2"/>
             <a:r>
-              <a:rPr lang="ru-RU" smtClean="0"/>
+              <a:rPr lang="ru-RU"/>
               <a:t>Третий уровень</a:t>
             </a:r>
           </a:p>
           <a:p>
             <a:pPr lvl="3"/>
             <a:r>
-              <a:rPr lang="ru-RU" smtClean="0"/>
+              <a:rPr lang="ru-RU"/>
               <a:t>Четвертый уровень</a:t>
             </a:r>
           </a:p>
           <a:p>
             <a:pPr lvl="4"/>
             <a:r>
-              <a:rPr lang="ru-RU" smtClean="0"/>
+              <a:rPr lang="ru-RU"/>
               <a:t>Пятый уровень</a:t>
             </a:r>
-            <a:endParaRPr lang="ru-RU"/>
           </a:p>
         </p:txBody>
       </p:sp>
@@ -838,7 +849,7 @@
           <a:p>
             <a:fld id="{B4C3CDE4-BC2F-402A-B10F-8267098E7949}" type="datetime1">
               <a:rPr lang="ru-RU" smtClean="0"/>
-              <a:t>09.03.2018</a:t>
+              <a:t>21.04.2023</a:t>
             </a:fld>
             <a:endParaRPr lang="ru-RU"/>
           </a:p>
@@ -880,7 +891,7 @@
           <a:p>
             <a:fld id="{F29E71F4-764E-4B55-B4DF-8EF2746654EB}" type="slidenum">
               <a:rPr lang="ru-RU" smtClean="0"/>
-              <a:t>‹#›</a:t>
+              <a:t>‹№›</a:t>
             </a:fld>
             <a:endParaRPr lang="ru-RU"/>
           </a:p>
@@ -937,10 +948,9 @@
           <a:lstStyle/>
           <a:p>
             <a:r>
-              <a:rPr lang="ru-RU" smtClean="0"/>
+              <a:rPr lang="ru-RU"/>
               <a:t>Образец заголовка</a:t>
             </a:r>
-            <a:endParaRPr lang="ru-RU"/>
           </a:p>
         </p:txBody>
       </p:sp>
@@ -966,38 +976,37 @@
           <a:p>
             <a:pPr lvl="0"/>
             <a:r>
-              <a:rPr lang="ru-RU" smtClean="0"/>
+              <a:rPr lang="ru-RU"/>
               <a:t>Образец текста</a:t>
             </a:r>
           </a:p>
           <a:p>
             <a:pPr lvl="1"/>
             <a:r>
-              <a:rPr lang="ru-RU" smtClean="0"/>
+              <a:rPr lang="ru-RU"/>
               <a:t>Второй уровень</a:t>
             </a:r>
           </a:p>
           <a:p>
             <a:pPr lvl="2"/>
             <a:r>
-              <a:rPr lang="ru-RU" smtClean="0"/>
+              <a:rPr lang="ru-RU"/>
               <a:t>Третий уровень</a:t>
             </a:r>
           </a:p>
           <a:p>
             <a:pPr lvl="3"/>
             <a:r>
-              <a:rPr lang="ru-RU" smtClean="0"/>
+              <a:rPr lang="ru-RU"/>
               <a:t>Четвертый уровень</a:t>
             </a:r>
           </a:p>
           <a:p>
             <a:pPr lvl="4"/>
             <a:r>
-              <a:rPr lang="ru-RU" smtClean="0"/>
+              <a:rPr lang="ru-RU"/>
               <a:t>Пятый уровень</a:t>
             </a:r>
-            <a:endParaRPr lang="ru-RU"/>
           </a:p>
         </p:txBody>
       </p:sp>
@@ -1018,7 +1027,7 @@
           <a:p>
             <a:fld id="{3946A858-99EB-459D-B42A-05BA2313351E}" type="datetime1">
               <a:rPr lang="ru-RU" smtClean="0"/>
-              <a:t>09.03.2018</a:t>
+              <a:t>21.04.2023</a:t>
             </a:fld>
             <a:endParaRPr lang="ru-RU"/>
           </a:p>
@@ -1060,7 +1069,7 @@
           <a:p>
             <a:fld id="{F29E71F4-764E-4B55-B4DF-8EF2746654EB}" type="slidenum">
               <a:rPr lang="ru-RU" smtClean="0"/>
-              <a:t>‹#›</a:t>
+              <a:t>‹№›</a:t>
             </a:fld>
             <a:endParaRPr lang="ru-RU"/>
           </a:p>
@@ -1112,10 +1121,9 @@
           <a:lstStyle/>
           <a:p>
             <a:r>
-              <a:rPr lang="ru-RU" smtClean="0"/>
+              <a:rPr lang="ru-RU"/>
               <a:t>Образец заголовка</a:t>
             </a:r>
-            <a:endParaRPr lang="ru-RU"/>
           </a:p>
         </p:txBody>
       </p:sp>
@@ -1136,38 +1144,37 @@
           <a:p>
             <a:pPr lvl="0"/>
             <a:r>
-              <a:rPr lang="ru-RU" smtClean="0"/>
+              <a:rPr lang="ru-RU"/>
               <a:t>Образец текста</a:t>
             </a:r>
           </a:p>
           <a:p>
             <a:pPr lvl="1"/>
             <a:r>
-              <a:rPr lang="ru-RU" smtClean="0"/>
+              <a:rPr lang="ru-RU"/>
               <a:t>Второй уровень</a:t>
             </a:r>
           </a:p>
           <a:p>
             <a:pPr lvl="2"/>
             <a:r>
-              <a:rPr lang="ru-RU" smtClean="0"/>
+              <a:rPr lang="ru-RU"/>
               <a:t>Третий уровень</a:t>
             </a:r>
           </a:p>
           <a:p>
             <a:pPr lvl="3"/>
             <a:r>
-              <a:rPr lang="ru-RU" smtClean="0"/>
+              <a:rPr lang="ru-RU"/>
               <a:t>Четвертый уровень</a:t>
             </a:r>
           </a:p>
           <a:p>
             <a:pPr lvl="4"/>
             <a:r>
-              <a:rPr lang="ru-RU" smtClean="0"/>
+              <a:rPr lang="ru-RU"/>
               <a:t>Пятый уровень</a:t>
             </a:r>
-            <a:endParaRPr lang="ru-RU"/>
           </a:p>
         </p:txBody>
       </p:sp>
@@ -1188,7 +1195,7 @@
           <a:p>
             <a:fld id="{37B40388-D89E-40B2-A8EF-780FAE5592A6}" type="datetime1">
               <a:rPr lang="ru-RU" smtClean="0"/>
-              <a:t>09.03.2018</a:t>
+              <a:t>21.04.2023</a:t>
             </a:fld>
             <a:endParaRPr lang="ru-RU"/>
           </a:p>
@@ -1230,7 +1237,7 @@
           <a:p>
             <a:fld id="{F29E71F4-764E-4B55-B4DF-8EF2746654EB}" type="slidenum">
               <a:rPr lang="ru-RU" smtClean="0"/>
-              <a:t>‹#›</a:t>
+              <a:t>‹№›</a:t>
             </a:fld>
             <a:endParaRPr lang="ru-RU"/>
           </a:p>
@@ -1291,10 +1298,9 @@
           </a:lstStyle>
           <a:p>
             <a:r>
-              <a:rPr lang="ru-RU" smtClean="0"/>
+              <a:rPr lang="ru-RU"/>
               <a:t>Образец заголовка</a:t>
             </a:r>
-            <a:endParaRPr lang="ru-RU"/>
           </a:p>
         </p:txBody>
       </p:sp>
@@ -1411,7 +1417,7 @@
           <a:p>
             <a:pPr lvl="0"/>
             <a:r>
-              <a:rPr lang="ru-RU" smtClean="0"/>
+              <a:rPr lang="ru-RU"/>
               <a:t>Образец текста</a:t>
             </a:r>
           </a:p>
@@ -1434,7 +1440,7 @@
           <a:p>
             <a:fld id="{0023D790-675F-41C3-B6E9-24A0A2A2B557}" type="datetime1">
               <a:rPr lang="ru-RU" smtClean="0"/>
-              <a:t>09.03.2018</a:t>
+              <a:t>21.04.2023</a:t>
             </a:fld>
             <a:endParaRPr lang="ru-RU"/>
           </a:p>
@@ -1476,7 +1482,7 @@
           <a:p>
             <a:fld id="{F29E71F4-764E-4B55-B4DF-8EF2746654EB}" type="slidenum">
               <a:rPr lang="ru-RU" smtClean="0"/>
-              <a:t>‹#›</a:t>
+              <a:t>‹№›</a:t>
             </a:fld>
             <a:endParaRPr lang="ru-RU"/>
           </a:p>
@@ -1528,10 +1534,9 @@
           <a:lstStyle/>
           <a:p>
             <a:r>
-              <a:rPr lang="ru-RU" smtClean="0"/>
+              <a:rPr lang="ru-RU"/>
               <a:t>Образец заголовка</a:t>
             </a:r>
-            <a:endParaRPr lang="ru-RU"/>
           </a:p>
         </p:txBody>
       </p:sp>
@@ -1585,38 +1590,37 @@
           <a:p>
             <a:pPr lvl="0"/>
             <a:r>
-              <a:rPr lang="ru-RU" smtClean="0"/>
+              <a:rPr lang="ru-RU"/>
               <a:t>Образец текста</a:t>
             </a:r>
           </a:p>
           <a:p>
             <a:pPr lvl="1"/>
             <a:r>
-              <a:rPr lang="ru-RU" smtClean="0"/>
+              <a:rPr lang="ru-RU"/>
               <a:t>Второй уровень</a:t>
             </a:r>
           </a:p>
           <a:p>
             <a:pPr lvl="2"/>
             <a:r>
-              <a:rPr lang="ru-RU" smtClean="0"/>
+              <a:rPr lang="ru-RU"/>
               <a:t>Третий уровень</a:t>
             </a:r>
           </a:p>
           <a:p>
             <a:pPr lvl="3"/>
             <a:r>
-              <a:rPr lang="ru-RU" smtClean="0"/>
+              <a:rPr lang="ru-RU"/>
               <a:t>Четвертый уровень</a:t>
             </a:r>
           </a:p>
           <a:p>
             <a:pPr lvl="4"/>
             <a:r>
-              <a:rPr lang="ru-RU" smtClean="0"/>
+              <a:rPr lang="ru-RU"/>
               <a:t>Пятый уровень</a:t>
             </a:r>
-            <a:endParaRPr lang="ru-RU"/>
           </a:p>
         </p:txBody>
       </p:sp>
@@ -1670,38 +1674,37 @@
           <a:p>
             <a:pPr lvl="0"/>
             <a:r>
-              <a:rPr lang="ru-RU" smtClean="0"/>
+              <a:rPr lang="ru-RU"/>
               <a:t>Образец текста</a:t>
             </a:r>
           </a:p>
           <a:p>
             <a:pPr lvl="1"/>
             <a:r>
-              <a:rPr lang="ru-RU" smtClean="0"/>
+              <a:rPr lang="ru-RU"/>
               <a:t>Второй уровень</a:t>
             </a:r>
           </a:p>
           <a:p>
             <a:pPr lvl="2"/>
             <a:r>
-              <a:rPr lang="ru-RU" smtClean="0"/>
+              <a:rPr lang="ru-RU"/>
               <a:t>Третий уровень</a:t>
             </a:r>
           </a:p>
           <a:p>
             <a:pPr lvl="3"/>
             <a:r>
-              <a:rPr lang="ru-RU" smtClean="0"/>
+              <a:rPr lang="ru-RU"/>
               <a:t>Четвертый уровень</a:t>
             </a:r>
           </a:p>
           <a:p>
             <a:pPr lvl="4"/>
             <a:r>
-              <a:rPr lang="ru-RU" smtClean="0"/>
+              <a:rPr lang="ru-RU"/>
               <a:t>Пятый уровень</a:t>
             </a:r>
-            <a:endParaRPr lang="ru-RU"/>
           </a:p>
         </p:txBody>
       </p:sp>
@@ -1722,7 +1725,7 @@
           <a:p>
             <a:fld id="{91D3164C-6939-4072-8144-2B2050C2D2F5}" type="datetime1">
               <a:rPr lang="ru-RU" smtClean="0"/>
-              <a:t>09.03.2018</a:t>
+              <a:t>21.04.2023</a:t>
             </a:fld>
             <a:endParaRPr lang="ru-RU"/>
           </a:p>
@@ -1764,7 +1767,7 @@
           <a:p>
             <a:fld id="{F29E71F4-764E-4B55-B4DF-8EF2746654EB}" type="slidenum">
               <a:rPr lang="ru-RU" smtClean="0"/>
-              <a:t>‹#›</a:t>
+              <a:t>‹№›</a:t>
             </a:fld>
             <a:endParaRPr lang="ru-RU"/>
           </a:p>
@@ -1820,10 +1823,9 @@
           </a:lstStyle>
           <a:p>
             <a:r>
-              <a:rPr lang="ru-RU" smtClean="0"/>
+              <a:rPr lang="ru-RU"/>
               <a:t>Образец заголовка</a:t>
             </a:r>
-            <a:endParaRPr lang="ru-RU"/>
           </a:p>
         </p:txBody>
       </p:sp>
@@ -1886,7 +1888,7 @@
           <a:p>
             <a:pPr lvl="0"/>
             <a:r>
-              <a:rPr lang="ru-RU" smtClean="0"/>
+              <a:rPr lang="ru-RU"/>
               <a:t>Образец текста</a:t>
             </a:r>
           </a:p>
@@ -1942,38 +1944,37 @@
           <a:p>
             <a:pPr lvl="0"/>
             <a:r>
-              <a:rPr lang="ru-RU" smtClean="0"/>
+              <a:rPr lang="ru-RU"/>
               <a:t>Образец текста</a:t>
             </a:r>
           </a:p>
           <a:p>
             <a:pPr lvl="1"/>
             <a:r>
-              <a:rPr lang="ru-RU" smtClean="0"/>
+              <a:rPr lang="ru-RU"/>
               <a:t>Второй уровень</a:t>
             </a:r>
           </a:p>
           <a:p>
             <a:pPr lvl="2"/>
             <a:r>
-              <a:rPr lang="ru-RU" smtClean="0"/>
+              <a:rPr lang="ru-RU"/>
               <a:t>Третий уровень</a:t>
             </a:r>
           </a:p>
           <a:p>
             <a:pPr lvl="3"/>
             <a:r>
-              <a:rPr lang="ru-RU" smtClean="0"/>
+              <a:rPr lang="ru-RU"/>
               <a:t>Четвертый уровень</a:t>
             </a:r>
           </a:p>
           <a:p>
             <a:pPr lvl="4"/>
             <a:r>
-              <a:rPr lang="ru-RU" smtClean="0"/>
+              <a:rPr lang="ru-RU"/>
               <a:t>Пятый уровень</a:t>
             </a:r>
-            <a:endParaRPr lang="ru-RU"/>
           </a:p>
         </p:txBody>
       </p:sp>
@@ -2036,7 +2037,7 @@
           <a:p>
             <a:pPr lvl="0"/>
             <a:r>
-              <a:rPr lang="ru-RU" smtClean="0"/>
+              <a:rPr lang="ru-RU"/>
               <a:t>Образец текста</a:t>
             </a:r>
           </a:p>
@@ -2092,38 +2093,37 @@
           <a:p>
             <a:pPr lvl="0"/>
             <a:r>
-              <a:rPr lang="ru-RU" smtClean="0"/>
+              <a:rPr lang="ru-RU"/>
               <a:t>Образец текста</a:t>
             </a:r>
           </a:p>
           <a:p>
             <a:pPr lvl="1"/>
             <a:r>
-              <a:rPr lang="ru-RU" smtClean="0"/>
+              <a:rPr lang="ru-RU"/>
               <a:t>Второй уровень</a:t>
             </a:r>
           </a:p>
           <a:p>
             <a:pPr lvl="2"/>
             <a:r>
-              <a:rPr lang="ru-RU" smtClean="0"/>
+              <a:rPr lang="ru-RU"/>
               <a:t>Третий уровень</a:t>
             </a:r>
           </a:p>
           <a:p>
             <a:pPr lvl="3"/>
             <a:r>
-              <a:rPr lang="ru-RU" smtClean="0"/>
+              <a:rPr lang="ru-RU"/>
               <a:t>Четвертый уровень</a:t>
             </a:r>
           </a:p>
           <a:p>
             <a:pPr lvl="4"/>
             <a:r>
-              <a:rPr lang="ru-RU" smtClean="0"/>
+              <a:rPr lang="ru-RU"/>
               <a:t>Пятый уровень</a:t>
             </a:r>
-            <a:endParaRPr lang="ru-RU"/>
           </a:p>
         </p:txBody>
       </p:sp>
@@ -2144,7 +2144,7 @@
           <a:p>
             <a:fld id="{AE17DA29-21D0-4220-BE8F-B1468D846737}" type="datetime1">
               <a:rPr lang="ru-RU" smtClean="0"/>
-              <a:t>09.03.2018</a:t>
+              <a:t>21.04.2023</a:t>
             </a:fld>
             <a:endParaRPr lang="ru-RU"/>
           </a:p>
@@ -2186,7 +2186,7 @@
           <a:p>
             <a:fld id="{F29E71F4-764E-4B55-B4DF-8EF2746654EB}" type="slidenum">
               <a:rPr lang="ru-RU" smtClean="0"/>
-              <a:t>‹#›</a:t>
+              <a:t>‹№›</a:t>
             </a:fld>
             <a:endParaRPr lang="ru-RU"/>
           </a:p>
@@ -2238,10 +2238,9 @@
           <a:lstStyle/>
           <a:p>
             <a:r>
-              <a:rPr lang="ru-RU" smtClean="0"/>
+              <a:rPr lang="ru-RU"/>
               <a:t>Образец заголовка</a:t>
             </a:r>
-            <a:endParaRPr lang="ru-RU"/>
           </a:p>
         </p:txBody>
       </p:sp>
@@ -2262,7 +2261,7 @@
           <a:p>
             <a:fld id="{05D580C7-D9DC-456A-BAA1-E75EFF37D441}" type="datetime1">
               <a:rPr lang="ru-RU" smtClean="0"/>
-              <a:t>09.03.2018</a:t>
+              <a:t>21.04.2023</a:t>
             </a:fld>
             <a:endParaRPr lang="ru-RU"/>
           </a:p>
@@ -2304,7 +2303,7 @@
           <a:p>
             <a:fld id="{F29E71F4-764E-4B55-B4DF-8EF2746654EB}" type="slidenum">
               <a:rPr lang="ru-RU" smtClean="0"/>
-              <a:t>‹#›</a:t>
+              <a:t>‹№›</a:t>
             </a:fld>
             <a:endParaRPr lang="ru-RU"/>
           </a:p>
@@ -2357,7 +2356,7 @@
           <a:p>
             <a:fld id="{F3B1D8C3-17A1-4C76-B194-DC960897ECE1}" type="datetime1">
               <a:rPr lang="ru-RU" smtClean="0"/>
-              <a:t>09.03.2018</a:t>
+              <a:t>21.04.2023</a:t>
             </a:fld>
             <a:endParaRPr lang="ru-RU"/>
           </a:p>
@@ -2399,7 +2398,7 @@
           <a:p>
             <a:fld id="{F29E71F4-764E-4B55-B4DF-8EF2746654EB}" type="slidenum">
               <a:rPr lang="ru-RU" smtClean="0"/>
-              <a:t>‹#›</a:t>
+              <a:t>‹№›</a:t>
             </a:fld>
             <a:endParaRPr lang="ru-RU"/>
           </a:p>
@@ -2460,10 +2459,9 @@
           </a:lstStyle>
           <a:p>
             <a:r>
-              <a:rPr lang="ru-RU" smtClean="0"/>
+              <a:rPr lang="ru-RU"/>
               <a:t>Образец заголовка</a:t>
             </a:r>
-            <a:endParaRPr lang="ru-RU"/>
           </a:p>
         </p:txBody>
       </p:sp>
@@ -2517,38 +2515,37 @@
           <a:p>
             <a:pPr lvl="0"/>
             <a:r>
-              <a:rPr lang="ru-RU" smtClean="0"/>
+              <a:rPr lang="ru-RU"/>
               <a:t>Образец текста</a:t>
             </a:r>
           </a:p>
           <a:p>
             <a:pPr lvl="1"/>
             <a:r>
-              <a:rPr lang="ru-RU" smtClean="0"/>
+              <a:rPr lang="ru-RU"/>
               <a:t>Второй уровень</a:t>
             </a:r>
           </a:p>
           <a:p>
             <a:pPr lvl="2"/>
             <a:r>
-              <a:rPr lang="ru-RU" smtClean="0"/>
+              <a:rPr lang="ru-RU"/>
               <a:t>Третий уровень</a:t>
             </a:r>
           </a:p>
           <a:p>
             <a:pPr lvl="3"/>
             <a:r>
-              <a:rPr lang="ru-RU" smtClean="0"/>
+              <a:rPr lang="ru-RU"/>
               <a:t>Четвертый уровень</a:t>
             </a:r>
           </a:p>
           <a:p>
             <a:pPr lvl="4"/>
             <a:r>
-              <a:rPr lang="ru-RU" smtClean="0"/>
+              <a:rPr lang="ru-RU"/>
               <a:t>Пятый уровень</a:t>
             </a:r>
-            <a:endParaRPr lang="ru-RU"/>
           </a:p>
         </p:txBody>
       </p:sp>
@@ -2611,7 +2608,7 @@
           <a:p>
             <a:pPr lvl="0"/>
             <a:r>
-              <a:rPr lang="ru-RU" smtClean="0"/>
+              <a:rPr lang="ru-RU"/>
               <a:t>Образец текста</a:t>
             </a:r>
           </a:p>
@@ -2634,7 +2631,7 @@
           <a:p>
             <a:fld id="{A6D2B2FC-B187-4F4B-8E6A-2A3DB1F6EE8D}" type="datetime1">
               <a:rPr lang="ru-RU" smtClean="0"/>
-              <a:t>09.03.2018</a:t>
+              <a:t>21.04.2023</a:t>
             </a:fld>
             <a:endParaRPr lang="ru-RU"/>
           </a:p>
@@ -2676,7 +2673,7 @@
           <a:p>
             <a:fld id="{F29E71F4-764E-4B55-B4DF-8EF2746654EB}" type="slidenum">
               <a:rPr lang="ru-RU" smtClean="0"/>
-              <a:t>‹#›</a:t>
+              <a:t>‹№›</a:t>
             </a:fld>
             <a:endParaRPr lang="ru-RU"/>
           </a:p>
@@ -2737,10 +2734,9 @@
           </a:lstStyle>
           <a:p>
             <a:r>
-              <a:rPr lang="ru-RU" smtClean="0"/>
+              <a:rPr lang="ru-RU"/>
               <a:t>Образец заголовка</a:t>
             </a:r>
-            <a:endParaRPr lang="ru-RU"/>
           </a:p>
         </p:txBody>
       </p:sp>
@@ -2864,7 +2860,7 @@
           <a:p>
             <a:pPr lvl="0"/>
             <a:r>
-              <a:rPr lang="ru-RU" smtClean="0"/>
+              <a:rPr lang="ru-RU"/>
               <a:t>Образец текста</a:t>
             </a:r>
           </a:p>
@@ -2887,7 +2883,7 @@
           <a:p>
             <a:fld id="{211B8D39-9C61-4F99-B29D-47796DBE0567}" type="datetime1">
               <a:rPr lang="ru-RU" smtClean="0"/>
-              <a:t>09.03.2018</a:t>
+              <a:t>21.04.2023</a:t>
             </a:fld>
             <a:endParaRPr lang="ru-RU"/>
           </a:p>
@@ -2929,7 +2925,7 @@
           <a:p>
             <a:fld id="{F29E71F4-764E-4B55-B4DF-8EF2746654EB}" type="slidenum">
               <a:rPr lang="ru-RU" smtClean="0"/>
-              <a:t>‹#›</a:t>
+              <a:t>‹№›</a:t>
             </a:fld>
             <a:endParaRPr lang="ru-RU"/>
           </a:p>
@@ -3005,10 +3001,9 @@
           <a:lstStyle/>
           <a:p>
             <a:r>
-              <a:rPr lang="ru-RU" smtClean="0"/>
+              <a:rPr lang="ru-RU"/>
               <a:t>Образец заголовка</a:t>
             </a:r>
-            <a:endParaRPr lang="ru-RU"/>
           </a:p>
         </p:txBody>
       </p:sp>
@@ -3039,38 +3034,37 @@
           <a:p>
             <a:pPr lvl="0"/>
             <a:r>
-              <a:rPr lang="ru-RU" smtClean="0"/>
+              <a:rPr lang="ru-RU"/>
               <a:t>Образец текста</a:t>
             </a:r>
           </a:p>
           <a:p>
             <a:pPr lvl="1"/>
             <a:r>
-              <a:rPr lang="ru-RU" smtClean="0"/>
+              <a:rPr lang="ru-RU"/>
               <a:t>Второй уровень</a:t>
             </a:r>
           </a:p>
           <a:p>
             <a:pPr lvl="2"/>
             <a:r>
-              <a:rPr lang="ru-RU" smtClean="0"/>
+              <a:rPr lang="ru-RU"/>
               <a:t>Третий уровень</a:t>
             </a:r>
           </a:p>
           <a:p>
             <a:pPr lvl="3"/>
             <a:r>
-              <a:rPr lang="ru-RU" smtClean="0"/>
+              <a:rPr lang="ru-RU"/>
               <a:t>Четвертый уровень</a:t>
             </a:r>
           </a:p>
           <a:p>
             <a:pPr lvl="4"/>
             <a:r>
-              <a:rPr lang="ru-RU" smtClean="0"/>
+              <a:rPr lang="ru-RU"/>
               <a:t>Пятый уровень</a:t>
             </a:r>
-            <a:endParaRPr lang="ru-RU"/>
           </a:p>
         </p:txBody>
       </p:sp>
@@ -3109,7 +3103,7 @@
           <a:p>
             <a:fld id="{228CB6D9-58B2-4691-BA21-D4DEEC2F2928}" type="datetime1">
               <a:rPr lang="ru-RU" smtClean="0"/>
-              <a:t>09.03.2018</a:t>
+              <a:t>21.04.2023</a:t>
             </a:fld>
             <a:endParaRPr lang="ru-RU"/>
           </a:p>
@@ -3187,7 +3181,7 @@
           <a:p>
             <a:fld id="{F29E71F4-764E-4B55-B4DF-8EF2746654EB}" type="slidenum">
               <a:rPr lang="ru-RU" smtClean="0"/>
-              <a:t>‹#›</a:t>
+              <a:t>‹№›</a:t>
             </a:fld>
             <a:endParaRPr lang="ru-RU"/>
           </a:p>
@@ -3501,10 +3495,9 @@
           <a:lstStyle/>
           <a:p>
             <a:r>
-              <a:rPr lang="ru-RU" dirty="0" smtClean="0"/>
+              <a:rPr lang="ru-RU" dirty="0"/>
               <a:t>Визуализация данных</a:t>
             </a:r>
-            <a:endParaRPr lang="ru-RU" dirty="0"/>
           </a:p>
         </p:txBody>
       </p:sp>
@@ -3524,14 +3517,14 @@
           <a:lstStyle/>
           <a:p>
             <a:r>
-              <a:rPr lang="ru-RU" dirty="0" smtClean="0"/>
+              <a:rPr lang="ru-RU" dirty="0"/>
               <a:t>Лекции доступны онлайн по адресу</a:t>
             </a:r>
-            <a:endParaRPr lang="en-US" dirty="0" smtClean="0"/>
-          </a:p>
-          <a:p>
-            <a:r>
-              <a:rPr lang="en-US" dirty="0" smtClean="0"/>
+            <a:endParaRPr lang="en-US" dirty="0"/>
+          </a:p>
+          <a:p>
+            <a:r>
+              <a:rPr lang="en-US" dirty="0"/>
               <a:t>http://github.com/a-vodka/dv</a:t>
             </a:r>
             <a:endParaRPr lang="ru-RU" dirty="0"/>
@@ -3571,13 +3564,6 @@
   <p:clrMapOvr>
     <a:masterClrMapping/>
   </p:clrMapOvr>
-  <p:timing>
-    <p:tnLst>
-      <p:par>
-        <p:cTn id="1" dur="indefinite" restart="never" nodeType="tmRoot"/>
-      </p:par>
-    </p:tnLst>
-  </p:timing>
 </p:sld>
 </file>
 
@@ -3619,10 +3605,10 @@
           <a:lstStyle/>
           <a:p>
             <a:r>
-              <a:rPr lang="en-US" altLang="ko-KR" sz="2900" smtClean="0"/>
+              <a:rPr lang="en-US" altLang="ko-KR" sz="2900"/>
               <a:t>Simple Graph Analysis</a:t>
             </a:r>
-            <a:endParaRPr lang="ko-KR" altLang="en-US" sz="2900" smtClean="0"/>
+            <a:endParaRPr lang="ko-KR" altLang="en-US" sz="2900"/>
           </a:p>
         </p:txBody>
       </p:sp>
@@ -3649,25 +3635,25 @@
           <a:lstStyle/>
           <a:p>
             <a:r>
-              <a:rPr lang="en-US" altLang="ko-KR" smtClean="0"/>
+              <a:rPr lang="en-US" altLang="ko-KR"/>
               <a:t>Simple Analysis of Graph</a:t>
             </a:r>
           </a:p>
           <a:p>
             <a:pPr lvl="1"/>
             <a:r>
-              <a:rPr lang="en-US" altLang="ko-KR" smtClean="0"/>
+              <a:rPr lang="en-US" altLang="ko-KR"/>
               <a:t>Connected Components</a:t>
             </a:r>
           </a:p>
           <a:p>
             <a:pPr lvl="2"/>
             <a:r>
-              <a:rPr lang="en-US" altLang="ko-KR" smtClean="0"/>
+              <a:rPr lang="en-US" altLang="ko-KR"/>
               <a:t>&gt;&gt;&gt; </a:t>
             </a:r>
             <a:r>
-              <a:rPr lang="en-US" altLang="ko-KR" smtClean="0">
+              <a:rPr lang="en-US" altLang="ko-KR">
                 <a:solidFill>
                   <a:srgbClr val="0070C0"/>
                 </a:solidFill>
@@ -3678,15 +3664,15 @@
           <a:p>
             <a:pPr lvl="2"/>
             <a:r>
-              <a:rPr lang="en-US" altLang="ko-KR" smtClean="0"/>
+              <a:rPr lang="en-US" altLang="ko-KR"/>
               <a:t>&gt;&gt;&gt;</a:t>
             </a:r>
             <a:r>
-              <a:rPr lang="en-US" altLang="ko-KR" b="1" smtClean="0"/>
+              <a:rPr lang="en-US" altLang="ko-KR" b="1"/>
               <a:t> </a:t>
             </a:r>
             <a:r>
-              <a:rPr lang="en-US" altLang="ko-KR" smtClean="0">
+              <a:rPr lang="en-US" altLang="ko-KR">
                 <a:solidFill>
                   <a:srgbClr val="0070C0"/>
                 </a:solidFill>
@@ -3697,18 +3683,18 @@
           <a:p>
             <a:pPr lvl="3"/>
             <a:r>
-              <a:rPr lang="it-IT" altLang="ko-KR" sz="1400" smtClean="0"/>
+              <a:rPr lang="it-IT" altLang="ko-KR" sz="1400"/>
               <a:t>[[1, 2, 3, 4, 5, 6, 7, 8, 9], ['spam']]</a:t>
             </a:r>
           </a:p>
           <a:p>
             <a:pPr lvl="2"/>
             <a:r>
-              <a:rPr lang="it-IT" altLang="ko-KR" smtClean="0"/>
+              <a:rPr lang="it-IT" altLang="ko-KR"/>
               <a:t>&gt;&gt;&gt; </a:t>
             </a:r>
             <a:r>
-              <a:rPr lang="it-IT" altLang="ko-KR" smtClean="0">
+              <a:rPr lang="it-IT" altLang="ko-KR">
                 <a:solidFill>
                   <a:srgbClr val="0070C0"/>
                 </a:solidFill>
@@ -3716,7 +3702,7 @@
               <a:t>g.remove_node(</a:t>
             </a:r>
             <a:r>
-              <a:rPr lang="en-US" altLang="ko-KR" smtClean="0">
+              <a:rPr lang="en-US" altLang="ko-KR">
                 <a:solidFill>
                   <a:srgbClr val="0070C0"/>
                 </a:solidFill>
@@ -3727,15 +3713,15 @@
           <a:p>
             <a:pPr lvl="2"/>
             <a:r>
-              <a:rPr lang="en-US" altLang="ko-KR" smtClean="0"/>
+              <a:rPr lang="en-US" altLang="ko-KR"/>
               <a:t>&gt;&gt;&gt;</a:t>
             </a:r>
             <a:r>
-              <a:rPr lang="en-US" altLang="ko-KR" b="1" smtClean="0"/>
+              <a:rPr lang="en-US" altLang="ko-KR" b="1"/>
               <a:t> </a:t>
             </a:r>
             <a:r>
-              <a:rPr lang="en-US" altLang="ko-KR" smtClean="0">
+              <a:rPr lang="en-US" altLang="ko-KR">
                 <a:solidFill>
                   <a:srgbClr val="0070C0"/>
                 </a:solidFill>
@@ -3746,29 +3732,29 @@
           <a:p>
             <a:pPr lvl="3"/>
             <a:r>
-              <a:rPr lang="it-IT" altLang="ko-KR" sz="1400" smtClean="0"/>
+              <a:rPr lang="it-IT" altLang="ko-KR" sz="1400"/>
               <a:t>[[1, 2, 3, 4, 5, 6, 7, 8, 9]]</a:t>
             </a:r>
           </a:p>
           <a:p>
             <a:pPr lvl="3"/>
-            <a:endParaRPr lang="it-IT" altLang="ko-KR" sz="1400" smtClean="0"/>
+            <a:endParaRPr lang="it-IT" altLang="ko-KR" sz="1400"/>
           </a:p>
           <a:p>
             <a:pPr lvl="1"/>
             <a:r>
-              <a:rPr lang="it-IT" altLang="ko-KR" smtClean="0"/>
+              <a:rPr lang="it-IT" altLang="ko-KR"/>
               <a:t>Clustering Coefficiency </a:t>
             </a:r>
           </a:p>
           <a:p>
             <a:pPr lvl="2"/>
             <a:r>
-              <a:rPr lang="en-US" altLang="ko-KR" smtClean="0"/>
+              <a:rPr lang="en-US" altLang="ko-KR"/>
               <a:t>&gt;&gt;&gt; </a:t>
             </a:r>
             <a:r>
-              <a:rPr lang="en-US" altLang="ko-KR" smtClean="0">
+              <a:rPr lang="en-US" altLang="ko-KR">
                 <a:solidFill>
                   <a:srgbClr val="0070C0"/>
                 </a:solidFill>
@@ -3779,17 +3765,17 @@
           <a:p>
             <a:pPr lvl="3"/>
             <a:r>
-              <a:rPr lang="it-IT" altLang="ko-KR" smtClean="0"/>
+              <a:rPr lang="it-IT" altLang="ko-KR"/>
               <a:t>{1: 0.6666666666666666, 2: 1.0, 3: 0.6666666666666666, 4: 0.3333333333333333, 5: 0.6666666666666666, 6: 0.6666666666666666, 7: 0.5, 8: 1.0, 9: 0.0}</a:t>
             </a:r>
           </a:p>
           <a:p>
             <a:pPr lvl="3"/>
-            <a:endParaRPr lang="it-IT" altLang="ko-KR" smtClean="0"/>
+            <a:endParaRPr lang="it-IT" altLang="ko-KR"/>
           </a:p>
           <a:p>
             <a:pPr lvl="2"/>
-            <a:endParaRPr lang="en-US" altLang="ko-KR" smtClean="0">
+            <a:endParaRPr lang="en-US" altLang="ko-KR">
               <a:solidFill>
                 <a:srgbClr val="0070C0"/>
               </a:solidFill>
@@ -3971,13 +3957,6 @@
   <p:clrMapOvr>
     <a:masterClrMapping/>
   </p:clrMapOvr>
-  <p:timing>
-    <p:tnLst>
-      <p:par>
-        <p:cTn id="1" dur="indefinite" restart="never" nodeType="tmRoot"/>
-      </p:par>
-    </p:tnLst>
-  </p:timing>
 </p:sld>
 </file>
 
@@ -4019,7 +3998,7 @@
           <a:lstStyle/>
           <a:p>
             <a:r>
-              <a:rPr lang="en-US" altLang="ko-KR" sz="2800" smtClean="0"/>
+              <a:rPr lang="en-US" altLang="ko-KR" sz="2800"/>
               <a:t>Shortest Path vs. Dijkstra Path</a:t>
             </a:r>
           </a:p>
@@ -4048,140 +4027,212 @@
           <a:lstStyle/>
           <a:p>
             <a:r>
-              <a:rPr lang="en-US" altLang="ko-KR" smtClean="0"/>
+              <a:rPr lang="en-US" altLang="ko-KR" dirty="0"/>
               <a:t>Get the shortest path between two nodes</a:t>
             </a:r>
           </a:p>
           <a:p>
             <a:pPr lvl="1"/>
             <a:r>
-              <a:rPr lang="en-US" altLang="ko-KR" smtClean="0"/>
+              <a:rPr lang="en-US" altLang="ko-KR" dirty="0"/>
               <a:t>&gt;&gt;&gt; </a:t>
             </a:r>
             <a:r>
-              <a:rPr lang="en-US" altLang="ko-KR" smtClean="0">
+              <a:rPr lang="en-US" altLang="ko-KR" dirty="0">
                 <a:solidFill>
                   <a:srgbClr val="0070C0"/>
                 </a:solidFill>
               </a:rPr>
-              <a:t>import networkx.algorithms as algo</a:t>
+              <a:t>import </a:t>
+            </a:r>
+            <a:r>
+              <a:rPr lang="en-US" altLang="ko-KR" dirty="0" err="1">
+                <a:solidFill>
+                  <a:srgbClr val="0070C0"/>
+                </a:solidFill>
+              </a:rPr>
+              <a:t>networkx.algorithms</a:t>
+            </a:r>
+            <a:r>
+              <a:rPr lang="en-US" altLang="ko-KR" dirty="0">
+                <a:solidFill>
+                  <a:srgbClr val="0070C0"/>
+                </a:solidFill>
+              </a:rPr>
+              <a:t> as algo</a:t>
             </a:r>
           </a:p>
           <a:p>
             <a:pPr lvl="1"/>
             <a:r>
-              <a:rPr lang="en-US" altLang="ko-KR" smtClean="0"/>
+              <a:rPr lang="en-US" altLang="ko-KR" dirty="0"/>
               <a:t>&gt;&gt;&gt; </a:t>
             </a:r>
             <a:r>
-              <a:rPr lang="en-US" altLang="ko-KR" smtClean="0">
+              <a:rPr lang="en-US" altLang="ko-KR" dirty="0" err="1">
                 <a:solidFill>
                   <a:srgbClr val="0070C0"/>
                 </a:solidFill>
               </a:rPr>
-              <a:t>algo.shortest_path(g,1,9)</a:t>
+              <a:t>algo.shortest_path</a:t>
+            </a:r>
+            <a:r>
+              <a:rPr lang="en-US" altLang="ko-KR" dirty="0">
+                <a:solidFill>
+                  <a:srgbClr val="0070C0"/>
+                </a:solidFill>
+              </a:rPr>
+              <a:t>(g,1,9)</a:t>
             </a:r>
           </a:p>
           <a:p>
             <a:pPr lvl="2"/>
             <a:r>
-              <a:rPr lang="en-US" altLang="ko-KR" smtClean="0"/>
+              <a:rPr lang="en-US" altLang="ko-KR" dirty="0"/>
               <a:t>[1, 4, 5, 7, 9]</a:t>
             </a:r>
           </a:p>
           <a:p>
             <a:pPr lvl="1"/>
             <a:r>
-              <a:rPr lang="en-US" altLang="ko-KR" smtClean="0"/>
+              <a:rPr lang="en-US" altLang="ko-KR" dirty="0"/>
               <a:t>&gt;&gt;&gt; </a:t>
             </a:r>
             <a:r>
-              <a:rPr lang="en-US" altLang="ko-KR" smtClean="0">
+              <a:rPr lang="en-US" altLang="ko-KR" dirty="0">
                 <a:solidFill>
                   <a:srgbClr val="0070C0"/>
                 </a:solidFill>
               </a:rPr>
-              <a:t>print ([p for p in algo.all_shortest_paths(g,1,9)])</a:t>
+              <a:t>print ([p for p in </a:t>
+            </a:r>
+            <a:r>
+              <a:rPr lang="en-US" altLang="ko-KR" dirty="0" err="1">
+                <a:solidFill>
+                  <a:srgbClr val="0070C0"/>
+                </a:solidFill>
+              </a:rPr>
+              <a:t>algo.all_shortest_paths</a:t>
+            </a:r>
+            <a:r>
+              <a:rPr lang="en-US" altLang="ko-KR" dirty="0">
+                <a:solidFill>
+                  <a:srgbClr val="0070C0"/>
+                </a:solidFill>
+              </a:rPr>
+              <a:t>(g,1,9)])</a:t>
             </a:r>
           </a:p>
           <a:p>
             <a:pPr lvl="2"/>
             <a:r>
-              <a:rPr lang="en-US" altLang="ko-KR" smtClean="0"/>
+              <a:rPr lang="en-US" altLang="ko-KR" dirty="0"/>
               <a:t>[[1, 4, 5, 7, 9], [1, 4, 6, 7, 9]]</a:t>
             </a:r>
           </a:p>
           <a:p>
             <a:pPr lvl="1"/>
             <a:r>
-              <a:rPr lang="en-US" altLang="ko-KR" smtClean="0"/>
+              <a:rPr lang="en-US" altLang="ko-KR" dirty="0"/>
               <a:t>&gt;&gt;&gt; </a:t>
             </a:r>
             <a:r>
-              <a:rPr lang="en-US" altLang="ko-KR" smtClean="0">
+              <a:rPr lang="en-US" altLang="ko-KR" dirty="0" err="1">
                 <a:solidFill>
                   <a:srgbClr val="0070C0"/>
                 </a:solidFill>
               </a:rPr>
-              <a:t>algo.average_shortest_path_length(g)</a:t>
+              <a:t>algo.average_shortest_path_length</a:t>
+            </a:r>
+            <a:r>
+              <a:rPr lang="en-US" altLang="ko-KR" dirty="0">
+                <a:solidFill>
+                  <a:srgbClr val="0070C0"/>
+                </a:solidFill>
+              </a:rPr>
+              <a:t>(g)</a:t>
             </a:r>
           </a:p>
           <a:p>
             <a:pPr lvl="2"/>
             <a:r>
-              <a:rPr lang="en-US" altLang="ko-KR" smtClean="0"/>
+              <a:rPr lang="en-US" altLang="ko-KR" dirty="0"/>
               <a:t>2.111111111111111</a:t>
             </a:r>
           </a:p>
           <a:p>
             <a:pPr lvl="1"/>
             <a:r>
-              <a:rPr lang="en-US" altLang="ko-KR" smtClean="0"/>
+              <a:rPr lang="en-US" altLang="ko-KR" dirty="0"/>
               <a:t>&gt;&gt;&gt; </a:t>
             </a:r>
             <a:r>
-              <a:rPr lang="en-US" altLang="ko-KR" smtClean="0">
+              <a:rPr lang="en-US" altLang="ko-KR" dirty="0" err="1">
                 <a:solidFill>
                   <a:srgbClr val="0070C0"/>
                 </a:solidFill>
               </a:rPr>
-              <a:t>algo.all_pairs_shortest_path(g)</a:t>
+              <a:t>algo.all_pairs_shortest_path</a:t>
+            </a:r>
+            <a:r>
+              <a:rPr lang="en-US" altLang="ko-KR" dirty="0">
+                <a:solidFill>
+                  <a:srgbClr val="0070C0"/>
+                </a:solidFill>
+              </a:rPr>
+              <a:t>(g)</a:t>
             </a:r>
           </a:p>
           <a:p>
             <a:pPr lvl="1"/>
             <a:r>
-              <a:rPr lang="en-US" altLang="ko-KR" smtClean="0"/>
+              <a:rPr lang="en-US" altLang="ko-KR" dirty="0"/>
               <a:t>&gt;&gt;&gt; </a:t>
             </a:r>
             <a:r>
-              <a:rPr lang="en-US" altLang="ko-KR" smtClean="0">
+              <a:rPr lang="en-US" altLang="ko-KR" dirty="0" err="1">
                 <a:solidFill>
                   <a:srgbClr val="0070C0"/>
                 </a:solidFill>
               </a:rPr>
-              <a:t>algo.all_pairs_shortest_path_length(g)</a:t>
+              <a:t>algo.all_pairs_shortest_path_length</a:t>
+            </a:r>
+            <a:r>
+              <a:rPr lang="en-US" altLang="ko-KR" dirty="0">
+                <a:solidFill>
+                  <a:srgbClr val="0070C0"/>
+                </a:solidFill>
+              </a:rPr>
+              <a:t>(g)</a:t>
             </a:r>
           </a:p>
           <a:p>
             <a:pPr lvl="1"/>
             <a:r>
-              <a:rPr lang="en-US" altLang="ko-KR" smtClean="0"/>
+              <a:rPr lang="en-US" altLang="ko-KR" dirty="0"/>
               <a:t>&gt;&gt;&gt; </a:t>
             </a:r>
             <a:r>
-              <a:rPr lang="en-US" altLang="ko-KR" smtClean="0">
+              <a:rPr lang="en-US" altLang="ko-KR" dirty="0" err="1">
                 <a:solidFill>
                   <a:srgbClr val="0070C0"/>
                 </a:solidFill>
               </a:rPr>
-              <a:t>algo.all_pairs_shortest_path_length(g)[2]</a:t>
+              <a:t>algo.all_pairs_shortest_path_length</a:t>
+            </a:r>
+            <a:r>
+              <a:rPr lang="en-US" altLang="ko-KR" dirty="0">
+                <a:solidFill>
+                  <a:srgbClr val="0070C0"/>
+                </a:solidFill>
+              </a:rPr>
+              <a:t>(g)[2]</a:t>
             </a:r>
           </a:p>
           <a:p>
             <a:pPr lvl="2"/>
             <a:r>
-              <a:rPr lang="en-US" altLang="ko-KR" smtClean="0"/>
+              <a:rPr lang="en-US" altLang="ko-KR" dirty="0"/>
               <a:t>{1: 1, 2: 0, 3: 1, 4: 2, 5: 3, 6: 3, 7: 4, 8: 4, 9: 5}</a:t>
             </a:r>
           </a:p>
@@ -4559,13 +4610,6 @@
   <p:clrMapOvr>
     <a:masterClrMapping/>
   </p:clrMapOvr>
-  <p:timing>
-    <p:tnLst>
-      <p:par>
-        <p:cTn id="1" dur="indefinite" restart="never" nodeType="tmRoot"/>
-      </p:par>
-    </p:tnLst>
-  </p:timing>
 </p:sld>
 </file>
 
@@ -4607,7 +4651,7 @@
           <a:lstStyle/>
           <a:p>
             <a:r>
-              <a:rPr lang="en-US" altLang="ko-KR" sz="2800" smtClean="0"/>
+              <a:rPr lang="en-US" altLang="ko-KR" sz="2800"/>
               <a:t>Shortest Path vs. Dijkstra Path</a:t>
             </a:r>
           </a:p>
@@ -4636,71 +4680,71 @@
           <a:lstStyle/>
           <a:p>
             <a:r>
-              <a:rPr lang="en-US" altLang="ko-KR" smtClean="0"/>
+              <a:rPr lang="en-US" altLang="ko-KR"/>
               <a:t>Dijkstra’s Algorithm</a:t>
             </a:r>
           </a:p>
           <a:p>
             <a:pPr lvl="1"/>
             <a:r>
-              <a:rPr lang="en-US" altLang="ko-KR" smtClean="0"/>
+              <a:rPr lang="en-US" altLang="ko-KR"/>
               <a:t>It can determine the lowest “cost” path between two given nodes</a:t>
             </a:r>
           </a:p>
           <a:p>
             <a:pPr lvl="2"/>
             <a:r>
-              <a:rPr lang="en-US" altLang="ko-KR" smtClean="0"/>
+              <a:rPr lang="en-US" altLang="ko-KR"/>
               <a:t>“cost” is determined by summing edge weights.</a:t>
             </a:r>
           </a:p>
           <a:p>
             <a:pPr lvl="2"/>
             <a:r>
-              <a:rPr lang="en-US" altLang="ko-KR" smtClean="0"/>
+              <a:rPr lang="en-US" altLang="ko-KR"/>
               <a:t>In unweighted graphs, an edge weight is assumed to be one.</a:t>
             </a:r>
           </a:p>
           <a:p>
             <a:pPr lvl="2"/>
-            <a:endParaRPr lang="en-US" altLang="ko-KR" smtClean="0"/>
+            <a:endParaRPr lang="en-US" altLang="ko-KR"/>
           </a:p>
           <a:p>
             <a:pPr lvl="2"/>
-            <a:endParaRPr lang="en-US" altLang="ko-KR" smtClean="0"/>
+            <a:endParaRPr lang="en-US" altLang="ko-KR"/>
           </a:p>
           <a:p>
             <a:pPr lvl="2"/>
-            <a:endParaRPr lang="en-US" altLang="ko-KR" smtClean="0"/>
+            <a:endParaRPr lang="en-US" altLang="ko-KR"/>
           </a:p>
           <a:p>
             <a:pPr lvl="2"/>
-            <a:endParaRPr lang="en-US" altLang="ko-KR" smtClean="0"/>
+            <a:endParaRPr lang="en-US" altLang="ko-KR"/>
           </a:p>
           <a:p>
             <a:pPr lvl="2"/>
-            <a:endParaRPr lang="en-US" altLang="ko-KR" smtClean="0"/>
+            <a:endParaRPr lang="en-US" altLang="ko-KR"/>
           </a:p>
           <a:p>
             <a:pPr lvl="2"/>
-            <a:endParaRPr lang="en-US" altLang="ko-KR" smtClean="0"/>
+            <a:endParaRPr lang="en-US" altLang="ko-KR"/>
           </a:p>
           <a:p>
             <a:pPr lvl="2"/>
-            <a:endParaRPr lang="en-US" altLang="ko-KR" smtClean="0"/>
+            <a:endParaRPr lang="en-US" altLang="ko-KR"/>
           </a:p>
           <a:p>
             <a:pPr lvl="2"/>
-            <a:endParaRPr lang="en-US" altLang="ko-KR" smtClean="0"/>
+            <a:endParaRPr lang="en-US" altLang="ko-KR"/>
           </a:p>
           <a:p>
             <a:pPr lvl="1"/>
             <a:r>
-              <a:rPr lang="en-US" altLang="ko-KR" smtClean="0"/>
+              <a:rPr lang="en-US" altLang="ko-KR"/>
               <a:t>&gt;&gt;&gt; </a:t>
             </a:r>
             <a:r>
-              <a:rPr lang="en-US" altLang="ko-KR" smtClean="0">
+              <a:rPr lang="en-US" altLang="ko-KR">
                 <a:solidFill>
                   <a:srgbClr val="0070C0"/>
                 </a:solidFill>
@@ -4711,18 +4755,18 @@
           <a:p>
             <a:pPr lvl="2"/>
             <a:r>
-              <a:rPr lang="en-US" altLang="ko-KR" smtClean="0"/>
+              <a:rPr lang="en-US" altLang="ko-KR"/>
               <a:t>[1, 4, 5, 7, 9]</a:t>
             </a:r>
           </a:p>
           <a:p>
             <a:pPr lvl="1"/>
             <a:r>
-              <a:rPr lang="en-US" altLang="ko-KR" smtClean="0"/>
+              <a:rPr lang="en-US" altLang="ko-KR"/>
               <a:t>&gt;&gt;&gt; </a:t>
             </a:r>
             <a:r>
-              <a:rPr lang="en-US" altLang="ko-KR" smtClean="0">
+              <a:rPr lang="en-US" altLang="ko-KR">
                 <a:solidFill>
                   <a:srgbClr val="0070C0"/>
                 </a:solidFill>
@@ -4733,7 +4777,7 @@
           <a:p>
             <a:pPr lvl="2"/>
             <a:r>
-              <a:rPr lang="en-US" altLang="ko-KR" smtClean="0"/>
+              <a:rPr lang="en-US" altLang="ko-KR"/>
               <a:t>({1: [], 2: [1], 3: [1], 4: [1], 5: [4], 6: [4], 7: [5, 6], 8: [5, 6], 9: [7]},</a:t>
             </a:r>
           </a:p>
@@ -4743,13 +4787,13 @@
               <a:buNone/>
             </a:pPr>
             <a:r>
-              <a:rPr lang="en-US" altLang="ko-KR" smtClean="0"/>
+              <a:rPr lang="en-US" altLang="ko-KR"/>
               <a:t>    {1: 0, 2: 1, 3: 1, 4: 1, 5: 2, 6: 2, 7: 3, 8: 3, 9: 4})</a:t>
             </a:r>
           </a:p>
           <a:p>
             <a:pPr lvl="2"/>
-            <a:endParaRPr lang="en-US" altLang="ko-KR" smtClean="0"/>
+            <a:endParaRPr lang="en-US" altLang="ko-KR"/>
           </a:p>
         </p:txBody>
       </p:sp>
@@ -4993,13 +5037,6 @@
   <p:clrMapOvr>
     <a:masterClrMapping/>
   </p:clrMapOvr>
-  <p:timing>
-    <p:tnLst>
-      <p:par>
-        <p:cTn id="1" dur="indefinite" restart="never" nodeType="tmRoot"/>
-      </p:par>
-    </p:tnLst>
-  </p:timing>
 </p:sld>
 </file>
 
@@ -5041,7 +5078,7 @@
           <a:lstStyle/>
           <a:p>
             <a:r>
-              <a:rPr lang="en-US" altLang="ko-KR" sz="2800" smtClean="0"/>
+              <a:rPr lang="en-US" altLang="ko-KR" sz="2800"/>
               <a:t>Shortest Path vs. Dijkstra Path</a:t>
             </a:r>
           </a:p>
@@ -5070,25 +5107,25 @@
           <a:lstStyle/>
           <a:p>
             <a:r>
-              <a:rPr lang="en-US" altLang="ko-KR" smtClean="0"/>
+              <a:rPr lang="en-US" altLang="ko-KR"/>
               <a:t>Shortest Path vs. Dijkstra Path</a:t>
             </a:r>
           </a:p>
           <a:p>
             <a:pPr lvl="1"/>
             <a:r>
-              <a:rPr lang="en-US" altLang="ko-KR" smtClean="0"/>
+              <a:rPr lang="en-US" altLang="ko-KR"/>
               <a:t>Get node pairs</a:t>
             </a:r>
           </a:p>
           <a:p>
             <a:pPr lvl="2"/>
             <a:r>
-              <a:rPr lang="en-US" altLang="ko-KR" smtClean="0"/>
+              <a:rPr lang="en-US" altLang="ko-KR"/>
               <a:t>&gt;&gt;&gt; </a:t>
             </a:r>
             <a:r>
-              <a:rPr lang="en-US" altLang="ko-KR" smtClean="0">
+              <a:rPr lang="en-US" altLang="ko-KR">
                 <a:solidFill>
                   <a:srgbClr val="0070C0"/>
                 </a:solidFill>
@@ -5099,11 +5136,11 @@
           <a:p>
             <a:pPr lvl="2"/>
             <a:r>
-              <a:rPr lang="en-US" altLang="ko-KR" smtClean="0"/>
+              <a:rPr lang="en-US" altLang="ko-KR"/>
               <a:t>&gt;&gt;&gt; </a:t>
             </a:r>
             <a:r>
-              <a:rPr lang="en-US" altLang="ko-KR" smtClean="0">
+              <a:rPr lang="en-US" altLang="ko-KR">
                 <a:solidFill>
                   <a:srgbClr val="0070C0"/>
                 </a:solidFill>
@@ -5114,18 +5151,18 @@
           <a:p>
             <a:pPr lvl="3"/>
             <a:r>
-              <a:rPr lang="en-US" altLang="ko-KR" sz="1400" smtClean="0"/>
+              <a:rPr lang="en-US" altLang="ko-KR" sz="1400"/>
               <a:t>[(1, 2), (1, 3), (1, 4), (1, 5), (1, 6), (1, 7), (1, 8), (1, 9), (2, 3), (2, 4), (2, 5), (2, 6), (2, 7), (2, 8), (2, 9), (3, 4), (3, 5), (3, 6), (3, 7), (3, 8), (3, 9), (4, 5), (4, 6), (4, 7), (4, 8), (4, 9), (5, 6), (5, 7), (5, 8), (5, 9), (6, 7), (6, 8), (6, 9), (7, 8), (7, 9), (8, 9)]</a:t>
             </a:r>
           </a:p>
           <a:p>
             <a:pPr lvl="2"/>
             <a:r>
-              <a:rPr lang="en-US" altLang="ko-KR" smtClean="0"/>
+              <a:rPr lang="en-US" altLang="ko-KR"/>
               <a:t>&gt;&gt;&gt; </a:t>
             </a:r>
             <a:r>
-              <a:rPr lang="en-US" altLang="ko-KR" smtClean="0">
+              <a:rPr lang="en-US" altLang="ko-KR">
                 <a:solidFill>
                   <a:srgbClr val="0070C0"/>
                 </a:solidFill>
@@ -5136,11 +5173,11 @@
           <a:p>
             <a:pPr lvl="2"/>
             <a:r>
-              <a:rPr lang="en-US" altLang="ko-KR" smtClean="0"/>
+              <a:rPr lang="en-US" altLang="ko-KR"/>
               <a:t>&gt;&gt;&gt; </a:t>
             </a:r>
             <a:r>
-              <a:rPr lang="en-US" altLang="ko-KR" smtClean="0">
+              <a:rPr lang="en-US" altLang="ko-KR">
                 <a:solidFill>
                   <a:srgbClr val="0070C0"/>
                 </a:solidFill>
@@ -5151,25 +5188,25 @@
           <a:p>
             <a:pPr lvl="3"/>
             <a:r>
-              <a:rPr lang="en-US" altLang="ko-KR" sz="1400" smtClean="0"/>
+              <a:rPr lang="en-US" altLang="ko-KR" sz="1400"/>
               <a:t>[1, 2, 3, 4, 5]</a:t>
             </a:r>
           </a:p>
           <a:p>
             <a:pPr lvl="1"/>
             <a:r>
-              <a:rPr lang="en-US" altLang="ko-KR" smtClean="0"/>
+              <a:rPr lang="en-US" altLang="ko-KR"/>
               <a:t>Compare the two paths</a:t>
             </a:r>
           </a:p>
           <a:p>
             <a:pPr lvl="2"/>
             <a:r>
-              <a:rPr lang="en-US" altLang="ko-KR" sz="1400" smtClean="0"/>
+              <a:rPr lang="en-US" altLang="ko-KR" sz="1400"/>
               <a:t>&gt;&gt;&gt; </a:t>
             </a:r>
             <a:r>
-              <a:rPr lang="en-US" altLang="ko-KR" smtClean="0">
+              <a:rPr lang="en-US" altLang="ko-KR">
                 <a:solidFill>
                   <a:srgbClr val="0070C0"/>
                 </a:solidFill>
@@ -5183,7 +5220,7 @@
               <a:buNone/>
             </a:pPr>
             <a:r>
-              <a:rPr lang="en-US" altLang="ko-KR" smtClean="0">
+              <a:rPr lang="en-US" altLang="ko-KR">
                 <a:solidFill>
                   <a:srgbClr val="0070C0"/>
                 </a:solidFill>
@@ -5191,24 +5228,24 @@
               <a:t>              print algo.shortest_path(g, *pair), algo.dijkstra_path(g, *pair</a:t>
             </a:r>
             <a:r>
-              <a:rPr lang="en-US" altLang="ko-KR" smtClean="0"/>
+              <a:rPr lang="en-US" altLang="ko-KR"/>
               <a:t>)</a:t>
             </a:r>
           </a:p>
           <a:p>
             <a:pPr lvl="3"/>
             <a:r>
-              <a:rPr lang="en-US" altLang="ko-KR" sz="1400" smtClean="0"/>
+              <a:rPr lang="en-US" altLang="ko-KR" sz="1400"/>
               <a:t> </a:t>
             </a:r>
           </a:p>
           <a:p>
             <a:pPr lvl="1"/>
-            <a:endParaRPr lang="en-US" altLang="ko-KR" smtClean="0"/>
+            <a:endParaRPr lang="en-US" altLang="ko-KR"/>
           </a:p>
           <a:p>
             <a:pPr lvl="1"/>
-            <a:endParaRPr lang="en-US" altLang="ko-KR" smtClean="0"/>
+            <a:endParaRPr lang="en-US" altLang="ko-KR"/>
           </a:p>
         </p:txBody>
       </p:sp>
@@ -5518,13 +5555,6 @@
   <p:clrMapOvr>
     <a:masterClrMapping/>
   </p:clrMapOvr>
-  <p:timing>
-    <p:tnLst>
-      <p:par>
-        <p:cTn id="1" dur="indefinite" restart="never" nodeType="tmRoot"/>
-      </p:par>
-    </p:tnLst>
-  </p:timing>
 </p:sld>
 </file>
 
@@ -5566,7 +5596,7 @@
           <a:lstStyle/>
           <a:p>
             <a:r>
-              <a:rPr lang="en-US" altLang="ko-KR" sz="2800" smtClean="0"/>
+              <a:rPr lang="en-US" altLang="ko-KR" sz="2800"/>
               <a:t>Shortest Path vs. Dijkstra Path</a:t>
             </a:r>
           </a:p>
@@ -5595,41 +5625,41 @@
           <a:lstStyle/>
           <a:p>
             <a:r>
-              <a:rPr lang="en-US" altLang="ko-KR" smtClean="0"/>
+              <a:rPr lang="en-US" altLang="ko-KR"/>
               <a:t>Shortest Path vs. Dijkstra Path</a:t>
             </a:r>
           </a:p>
           <a:p>
             <a:pPr lvl="1"/>
             <a:r>
-              <a:rPr lang="en-US" altLang="ko-KR" smtClean="0"/>
+              <a:rPr lang="en-US" altLang="ko-KR"/>
               <a:t>Get weighted graph</a:t>
             </a:r>
           </a:p>
           <a:p>
             <a:pPr lvl="2"/>
             <a:r>
-              <a:rPr lang="en-US" altLang="ko-KR" smtClean="0"/>
+              <a:rPr lang="en-US" altLang="ko-KR"/>
               <a:t>&gt;&gt;&gt; </a:t>
             </a:r>
             <a:r>
-              <a:rPr lang="en-US" altLang="ko-KR" smtClean="0">
+              <a:rPr lang="en-US" altLang="ko-KR">
                 <a:solidFill>
                   <a:srgbClr val="0070C0"/>
                 </a:solidFill>
               </a:rPr>
               <a:t>from random import choice</a:t>
             </a:r>
-            <a:endParaRPr lang="en-US" altLang="ko-KR" smtClean="0"/>
+            <a:endParaRPr lang="en-US" altLang="ko-KR"/>
           </a:p>
           <a:p>
             <a:pPr lvl="2"/>
             <a:r>
-              <a:rPr lang="en-US" altLang="ko-KR" smtClean="0"/>
+              <a:rPr lang="en-US" altLang="ko-KR"/>
               <a:t>&gt;&gt;&gt; </a:t>
             </a:r>
             <a:r>
-              <a:rPr lang="en-US" altLang="ko-KR" smtClean="0">
+              <a:rPr lang="en-US" altLang="ko-KR">
                 <a:solidFill>
                   <a:srgbClr val="0070C0"/>
                 </a:solidFill>
@@ -5640,11 +5670,11 @@
           <a:p>
             <a:pPr lvl="2"/>
             <a:r>
-              <a:rPr lang="en-US" altLang="ko-KR" smtClean="0"/>
+              <a:rPr lang="en-US" altLang="ko-KR"/>
               <a:t>&gt;&gt;&gt; </a:t>
             </a:r>
             <a:r>
-              <a:rPr lang="en-US" altLang="ko-KR" smtClean="0">
+              <a:rPr lang="en-US" altLang="ko-KR">
                 <a:solidFill>
                   <a:srgbClr val="0070C0"/>
                 </a:solidFill>
@@ -5655,11 +5685,11 @@
           <a:p>
             <a:pPr lvl="2"/>
             <a:r>
-              <a:rPr lang="en-US" altLang="ko-KR" smtClean="0"/>
+              <a:rPr lang="en-US" altLang="ko-KR"/>
               <a:t>&gt;&gt;&gt; </a:t>
             </a:r>
             <a:r>
-              <a:rPr lang="en-US" altLang="ko-KR" smtClean="0">
+              <a:rPr lang="en-US" altLang="ko-KR">
                 <a:solidFill>
                   <a:srgbClr val="0070C0"/>
                 </a:solidFill>
@@ -5670,18 +5700,18 @@
           <a:p>
             <a:pPr lvl="3"/>
             <a:r>
-              <a:rPr lang="en-US" altLang="ko-KR" sz="1400" smtClean="0"/>
+              <a:rPr lang="en-US" altLang="ko-KR" sz="1400"/>
               <a:t>[(1, 2, 37), (1, 3, 85), (1, 4, 62), (2, 3, 63), (3, 4, 16), (4, 5, 26), (4, 6, 84), (5, 8, 86), (5, 6, 26), (5, 7, 48), (6, 8, 99), (6, 7, 44), (7, 8, 91), (7, 9, 0)]</a:t>
             </a:r>
           </a:p>
           <a:p>
             <a:pPr lvl="2"/>
             <a:r>
-              <a:rPr lang="en-US" altLang="ko-KR" smtClean="0"/>
+              <a:rPr lang="en-US" altLang="ko-KR"/>
               <a:t>&gt;&gt;&gt; </a:t>
             </a:r>
             <a:r>
-              <a:rPr lang="en-US" altLang="ko-KR" smtClean="0">
+              <a:rPr lang="en-US" altLang="ko-KR">
                 <a:solidFill>
                   <a:srgbClr val="0070C0"/>
                 </a:solidFill>
@@ -5692,11 +5722,11 @@
           <a:p>
             <a:pPr lvl="2"/>
             <a:r>
-              <a:rPr lang="en-US" altLang="ko-KR" smtClean="0"/>
+              <a:rPr lang="en-US" altLang="ko-KR"/>
               <a:t>&gt;&gt;&gt; </a:t>
             </a:r>
             <a:r>
-              <a:rPr lang="en-US" altLang="ko-KR" smtClean="0">
+              <a:rPr lang="en-US" altLang="ko-KR">
                 <a:solidFill>
                   <a:srgbClr val="0070C0"/>
                 </a:solidFill>
@@ -5707,18 +5737,18 @@
           <a:p>
             <a:pPr lvl="1"/>
             <a:r>
-              <a:rPr lang="en-US" altLang="ko-KR" smtClean="0"/>
+              <a:rPr lang="en-US" altLang="ko-KR"/>
               <a:t>Compare the two paths</a:t>
             </a:r>
           </a:p>
           <a:p>
             <a:pPr lvl="2"/>
             <a:r>
-              <a:rPr lang="en-US" altLang="ko-KR" sz="1400" smtClean="0"/>
+              <a:rPr lang="en-US" altLang="ko-KR" sz="1400"/>
               <a:t>&gt;&gt;&gt; </a:t>
             </a:r>
             <a:r>
-              <a:rPr lang="en-US" altLang="ko-KR" smtClean="0">
+              <a:rPr lang="en-US" altLang="ko-KR">
                 <a:solidFill>
                   <a:srgbClr val="0070C0"/>
                 </a:solidFill>
@@ -5732,7 +5762,7 @@
               <a:buNone/>
             </a:pPr>
             <a:r>
-              <a:rPr lang="en-US" altLang="ko-KR" smtClean="0">
+              <a:rPr lang="en-US" altLang="ko-KR">
                 <a:solidFill>
                   <a:srgbClr val="0070C0"/>
                 </a:solidFill>
@@ -5740,24 +5770,24 @@
               <a:t>              print algo.shortest_path(g, *pair), algo.dijkstra_path(g, *pair</a:t>
             </a:r>
             <a:r>
-              <a:rPr lang="en-US" altLang="ko-KR" smtClean="0"/>
+              <a:rPr lang="en-US" altLang="ko-KR"/>
               <a:t>)</a:t>
             </a:r>
           </a:p>
           <a:p>
             <a:pPr lvl="3"/>
             <a:r>
-              <a:rPr lang="en-US" altLang="ko-KR" sz="1400" smtClean="0"/>
+              <a:rPr lang="en-US" altLang="ko-KR" sz="1400"/>
               <a:t> </a:t>
             </a:r>
           </a:p>
           <a:p>
             <a:pPr lvl="1"/>
-            <a:endParaRPr lang="en-US" altLang="ko-KR" smtClean="0"/>
+            <a:endParaRPr lang="en-US" altLang="ko-KR"/>
           </a:p>
           <a:p>
             <a:pPr lvl="1"/>
-            <a:endParaRPr lang="en-US" altLang="ko-KR" smtClean="0"/>
+            <a:endParaRPr lang="en-US" altLang="ko-KR"/>
           </a:p>
         </p:txBody>
       </p:sp>
@@ -6067,13 +6097,6 @@
   <p:clrMapOvr>
     <a:masterClrMapping/>
   </p:clrMapOvr>
-  <p:timing>
-    <p:tnLst>
-      <p:par>
-        <p:cTn id="1" dur="indefinite" restart="never" nodeType="tmRoot"/>
-      </p:par>
-    </p:tnLst>
-  </p:timing>
 </p:sld>
 </file>
 
@@ -6115,10 +6138,10 @@
           <a:lstStyle/>
           <a:p>
             <a:r>
-              <a:rPr lang="en-US" altLang="ko-KR" sz="2900" smtClean="0"/>
+              <a:rPr lang="en-US" altLang="ko-KR" sz="2900"/>
               <a:t>Graph Features</a:t>
             </a:r>
-            <a:endParaRPr lang="ko-KR" altLang="en-US" sz="2900" smtClean="0"/>
+            <a:endParaRPr lang="ko-KR" altLang="en-US" sz="2900"/>
           </a:p>
         </p:txBody>
       </p:sp>
@@ -6145,18 +6168,18 @@
           <a:lstStyle/>
           <a:p>
             <a:r>
-              <a:rPr lang="en-US" altLang="ko-KR" smtClean="0"/>
+              <a:rPr lang="en-US" altLang="ko-KR"/>
               <a:t>Get the information of a graph</a:t>
             </a:r>
           </a:p>
           <a:p>
             <a:pPr lvl="1"/>
             <a:r>
-              <a:rPr lang="en-US" altLang="ko-KR" smtClean="0"/>
+              <a:rPr lang="en-US" altLang="ko-KR"/>
               <a:t>&gt;&gt;&gt; </a:t>
             </a:r>
             <a:r>
-              <a:rPr lang="en-US" altLang="ko-KR" smtClean="0">
+              <a:rPr lang="en-US" altLang="ko-KR">
                 <a:solidFill>
                   <a:srgbClr val="0070C0"/>
                 </a:solidFill>
@@ -6167,18 +6190,18 @@
           <a:p>
             <a:pPr lvl="2"/>
             <a:r>
-              <a:rPr lang="en-US" altLang="ko-KR" smtClean="0"/>
+              <a:rPr lang="en-US" altLang="ko-KR"/>
               <a:t>3</a:t>
             </a:r>
           </a:p>
           <a:p>
             <a:pPr lvl="1"/>
             <a:r>
-              <a:rPr lang="en-US" altLang="ko-KR" smtClean="0"/>
+              <a:rPr lang="en-US" altLang="ko-KR"/>
               <a:t>&gt;&gt;&gt; </a:t>
             </a:r>
             <a:r>
-              <a:rPr lang="en-US" altLang="ko-KR" smtClean="0">
+              <a:rPr lang="en-US" altLang="ko-KR">
                 <a:solidFill>
                   <a:srgbClr val="0070C0"/>
                 </a:solidFill>
@@ -6189,18 +6212,18 @@
           <a:p>
             <a:pPr lvl="2"/>
             <a:r>
-              <a:rPr lang="en-US" altLang="ko-KR" smtClean="0"/>
+              <a:rPr lang="en-US" altLang="ko-KR"/>
               <a:t>3</a:t>
             </a:r>
           </a:p>
           <a:p>
             <a:pPr lvl="1"/>
             <a:r>
-              <a:rPr lang="en-US" altLang="ko-KR" smtClean="0"/>
+              <a:rPr lang="en-US" altLang="ko-KR"/>
               <a:t>&gt;&gt;&gt; </a:t>
             </a:r>
             <a:r>
-              <a:rPr lang="en-US" altLang="ko-KR" smtClean="0">
+              <a:rPr lang="en-US" altLang="ko-KR">
                 <a:solidFill>
                   <a:srgbClr val="0070C0"/>
                 </a:solidFill>
@@ -6211,18 +6234,18 @@
           <a:p>
             <a:pPr lvl="2"/>
             <a:r>
-              <a:rPr lang="en-US" altLang="ko-KR" smtClean="0"/>
+              <a:rPr lang="en-US" altLang="ko-KR"/>
               <a:t>5</a:t>
             </a:r>
           </a:p>
           <a:p>
             <a:pPr lvl="1"/>
             <a:r>
-              <a:rPr lang="en-US" altLang="ko-KR" smtClean="0"/>
+              <a:rPr lang="en-US" altLang="ko-KR"/>
               <a:t>&gt;&gt;&gt; </a:t>
             </a:r>
             <a:r>
-              <a:rPr lang="en-US" altLang="ko-KR" smtClean="0">
+              <a:rPr lang="en-US" altLang="ko-KR">
                 <a:solidFill>
                   <a:srgbClr val="0070C0"/>
                 </a:solidFill>
@@ -6233,18 +6256,18 @@
           <a:p>
             <a:pPr lvl="2"/>
             <a:r>
-              <a:rPr lang="en-US" altLang="ko-KR" smtClean="0"/>
+              <a:rPr lang="en-US" altLang="ko-KR"/>
               <a:t>[4, 5, 6]</a:t>
             </a:r>
           </a:p>
           <a:p>
             <a:pPr lvl="1"/>
             <a:r>
-              <a:rPr lang="en-US" altLang="ko-KR" smtClean="0"/>
+              <a:rPr lang="en-US" altLang="ko-KR"/>
               <a:t>&gt;&gt;&gt; </a:t>
             </a:r>
             <a:r>
-              <a:rPr lang="en-US" altLang="ko-KR" smtClean="0">
+              <a:rPr lang="en-US" altLang="ko-KR">
                 <a:solidFill>
                   <a:srgbClr val="0070C0"/>
                 </a:solidFill>
@@ -6255,13 +6278,13 @@
           <a:p>
             <a:pPr lvl="2"/>
             <a:r>
-              <a:rPr lang="en-US" altLang="ko-KR" smtClean="0"/>
+              <a:rPr lang="en-US" altLang="ko-KR"/>
               <a:t>[2, 9]</a:t>
             </a:r>
           </a:p>
           <a:p>
             <a:pPr lvl="1"/>
-            <a:endParaRPr lang="en-US" altLang="ko-KR" smtClean="0"/>
+            <a:endParaRPr lang="en-US" altLang="ko-KR"/>
           </a:p>
         </p:txBody>
       </p:sp>
@@ -6816,13 +6839,6 @@
   <p:clrMapOvr>
     <a:masterClrMapping/>
   </p:clrMapOvr>
-  <p:timing>
-    <p:tnLst>
-      <p:par>
-        <p:cTn id="1" dur="indefinite" restart="never" nodeType="tmRoot"/>
-      </p:par>
-    </p:tnLst>
-  </p:timing>
 </p:sld>
 </file>
 
@@ -6864,10 +6880,10 @@
           <a:lstStyle/>
           <a:p>
             <a:r>
-              <a:rPr lang="en-US" altLang="ko-KR" sz="2900" smtClean="0"/>
+              <a:rPr lang="en-US" altLang="ko-KR" sz="2900"/>
               <a:t>Simple Graph Analysis</a:t>
             </a:r>
-            <a:endParaRPr lang="ko-KR" altLang="en-US" sz="2900" smtClean="0"/>
+            <a:endParaRPr lang="ko-KR" altLang="en-US" sz="2900"/>
           </a:p>
         </p:txBody>
       </p:sp>
@@ -6894,111 +6910,199 @@
           <a:lstStyle/>
           <a:p>
             <a:r>
-              <a:rPr lang="en-US" altLang="ko-KR" smtClean="0"/>
+              <a:rPr lang="en-US" altLang="ko-KR" dirty="0"/>
               <a:t>Graph generators and graph operations</a:t>
             </a:r>
           </a:p>
           <a:p>
             <a:pPr lvl="1"/>
             <a:r>
-              <a:rPr lang="en-US" altLang="ko-KR" smtClean="0"/>
+              <a:rPr lang="en-US" altLang="ko-KR" dirty="0"/>
               <a:t>Using a call to one of the classic small graphs</a:t>
             </a:r>
           </a:p>
           <a:p>
             <a:pPr lvl="2"/>
             <a:r>
-              <a:rPr lang="en-US" altLang="ko-KR" smtClean="0"/>
+              <a:rPr lang="en-US" altLang="ko-KR" dirty="0"/>
               <a:t>&gt;&gt;&gt; </a:t>
             </a:r>
             <a:r>
-              <a:rPr lang="en-US" altLang="ko-KR" smtClean="0">
+              <a:rPr lang="en-US" altLang="ko-KR" dirty="0" err="1">
                 <a:solidFill>
                   <a:srgbClr val="0070C0"/>
                 </a:solidFill>
               </a:rPr>
-              <a:t>petersen=net.petersen_graph() </a:t>
+              <a:t>petersen</a:t>
+            </a:r>
+            <a:r>
+              <a:rPr lang="en-US" altLang="ko-KR" dirty="0">
+                <a:solidFill>
+                  <a:srgbClr val="0070C0"/>
+                </a:solidFill>
+              </a:rPr>
+              <a:t>=</a:t>
+            </a:r>
+            <a:r>
+              <a:rPr lang="en-US" altLang="ko-KR" dirty="0" err="1">
+                <a:solidFill>
+                  <a:srgbClr val="0070C0"/>
+                </a:solidFill>
+              </a:rPr>
+              <a:t>net.petersen_graph</a:t>
+            </a:r>
+            <a:r>
+              <a:rPr lang="en-US" altLang="ko-KR" dirty="0">
+                <a:solidFill>
+                  <a:srgbClr val="0070C0"/>
+                </a:solidFill>
+              </a:rPr>
+              <a:t>() </a:t>
             </a:r>
           </a:p>
           <a:p>
             <a:pPr lvl="2"/>
-            <a:endParaRPr lang="en-US" altLang="ko-KR" smtClean="0"/>
+            <a:endParaRPr lang="en-US" altLang="ko-KR" dirty="0"/>
           </a:p>
           <a:p>
             <a:pPr lvl="2"/>
-            <a:endParaRPr lang="en-US" altLang="ko-KR" smtClean="0"/>
+            <a:endParaRPr lang="en-US" altLang="ko-KR" dirty="0"/>
           </a:p>
           <a:p>
             <a:pPr lvl="2"/>
-            <a:endParaRPr lang="en-US" altLang="ko-KR" smtClean="0"/>
+            <a:endParaRPr lang="en-US" altLang="ko-KR" dirty="0"/>
           </a:p>
           <a:p>
             <a:pPr lvl="2"/>
             <a:r>
-              <a:rPr lang="en-US" altLang="ko-KR" smtClean="0"/>
+              <a:rPr lang="en-US" altLang="ko-KR" dirty="0"/>
               <a:t>&gt;&gt;&gt; </a:t>
             </a:r>
             <a:r>
-              <a:rPr lang="en-US" altLang="ko-KR" smtClean="0">
+              <a:rPr lang="en-US" altLang="ko-KR" dirty="0" err="1">
                 <a:solidFill>
                   <a:srgbClr val="0070C0"/>
                 </a:solidFill>
               </a:rPr>
-              <a:t>tutte=net.tutte_graph() </a:t>
+              <a:t>tutte</a:t>
+            </a:r>
+            <a:r>
+              <a:rPr lang="en-US" altLang="ko-KR" dirty="0">
+                <a:solidFill>
+                  <a:srgbClr val="0070C0"/>
+                </a:solidFill>
+              </a:rPr>
+              <a:t>=</a:t>
+            </a:r>
+            <a:r>
+              <a:rPr lang="en-US" altLang="ko-KR" dirty="0" err="1">
+                <a:solidFill>
+                  <a:srgbClr val="0070C0"/>
+                </a:solidFill>
+              </a:rPr>
+              <a:t>net.tutte_graph</a:t>
+            </a:r>
+            <a:r>
+              <a:rPr lang="en-US" altLang="ko-KR" dirty="0">
+                <a:solidFill>
+                  <a:srgbClr val="0070C0"/>
+                </a:solidFill>
+              </a:rPr>
+              <a:t>() </a:t>
             </a:r>
           </a:p>
           <a:p>
             <a:pPr lvl="2"/>
-            <a:endParaRPr lang="en-US" altLang="ko-KR" smtClean="0"/>
+            <a:endParaRPr lang="en-US" altLang="ko-KR" dirty="0"/>
           </a:p>
           <a:p>
             <a:pPr lvl="2"/>
-            <a:endParaRPr lang="en-US" altLang="ko-KR" smtClean="0"/>
+            <a:endParaRPr lang="en-US" altLang="ko-KR" dirty="0"/>
           </a:p>
           <a:p>
             <a:pPr lvl="2"/>
-            <a:endParaRPr lang="en-US" altLang="ko-KR" smtClean="0"/>
+            <a:endParaRPr lang="en-US" altLang="ko-KR" dirty="0"/>
           </a:p>
           <a:p>
             <a:pPr lvl="2"/>
             <a:r>
-              <a:rPr lang="en-US" altLang="ko-KR" smtClean="0"/>
+              <a:rPr lang="en-US" altLang="ko-KR" dirty="0"/>
               <a:t>&gt;&gt;&gt; </a:t>
             </a:r>
             <a:r>
-              <a:rPr lang="en-US" altLang="ko-KR" smtClean="0">
+              <a:rPr lang="en-US" altLang="ko-KR" dirty="0">
                 <a:solidFill>
                   <a:srgbClr val="0070C0"/>
                 </a:solidFill>
               </a:rPr>
-              <a:t>maze=net.sedgewick_maze_graph() </a:t>
+              <a:t>maze=</a:t>
+            </a:r>
+            <a:r>
+              <a:rPr lang="en-US" altLang="ko-KR" dirty="0" err="1">
+                <a:solidFill>
+                  <a:srgbClr val="0070C0"/>
+                </a:solidFill>
+              </a:rPr>
+              <a:t>net.sedgewick_maze_graph</a:t>
+            </a:r>
+            <a:r>
+              <a:rPr lang="en-US" altLang="ko-KR" dirty="0">
+                <a:solidFill>
+                  <a:srgbClr val="0070C0"/>
+                </a:solidFill>
+              </a:rPr>
+              <a:t>() </a:t>
             </a:r>
           </a:p>
           <a:p>
             <a:pPr lvl="2"/>
-            <a:endParaRPr lang="en-US" altLang="ko-KR" smtClean="0"/>
+            <a:endParaRPr lang="en-US" altLang="ko-KR" dirty="0"/>
           </a:p>
           <a:p>
             <a:pPr lvl="2"/>
-            <a:endParaRPr lang="en-US" altLang="ko-KR" smtClean="0"/>
+            <a:endParaRPr lang="en-US" altLang="ko-KR" dirty="0"/>
           </a:p>
           <a:p>
             <a:pPr lvl="2"/>
-            <a:endParaRPr lang="en-US" altLang="ko-KR" smtClean="0"/>
+            <a:endParaRPr lang="en-US" altLang="ko-KR" dirty="0"/>
           </a:p>
           <a:p>
             <a:pPr lvl="2"/>
             <a:r>
-              <a:rPr lang="en-US" altLang="ko-KR" smtClean="0"/>
+              <a:rPr lang="en-US" altLang="ko-KR" dirty="0"/>
               <a:t>&gt;&gt;&gt; </a:t>
             </a:r>
             <a:r>
-              <a:rPr lang="en-US" altLang="ko-KR" smtClean="0">
+              <a:rPr lang="en-US" altLang="ko-KR" dirty="0" err="1">
                 <a:solidFill>
                   <a:srgbClr val="0070C0"/>
                 </a:solidFill>
               </a:rPr>
-              <a:t>tet=net.tetrahedral_graph()</a:t>
+              <a:t>tet</a:t>
+            </a:r>
+            <a:r>
+              <a:rPr lang="en-US" altLang="ko-KR" dirty="0">
+                <a:solidFill>
+                  <a:srgbClr val="0070C0"/>
+                </a:solidFill>
+              </a:rPr>
+              <a:t>=</a:t>
+            </a:r>
+            <a:r>
+              <a:rPr lang="en-US" altLang="ko-KR" dirty="0" err="1">
+                <a:solidFill>
+                  <a:srgbClr val="0070C0"/>
+                </a:solidFill>
+              </a:rPr>
+              <a:t>net.tetrahedral_graph</a:t>
+            </a:r>
+            <a:r>
+              <a:rPr lang="en-US" altLang="ko-KR" dirty="0">
+                <a:solidFill>
+                  <a:srgbClr val="0070C0"/>
+                </a:solidFill>
+              </a:rPr>
+              <a:t>()</a:t>
             </a:r>
           </a:p>
         </p:txBody>
@@ -7441,13 +7545,6 @@
   <p:clrMapOvr>
     <a:masterClrMapping/>
   </p:clrMapOvr>
-  <p:timing>
-    <p:tnLst>
-      <p:par>
-        <p:cTn id="1" dur="indefinite" restart="never" nodeType="tmRoot"/>
-      </p:par>
-    </p:tnLst>
-  </p:timing>
 </p:sld>
 </file>
 
@@ -7489,10 +7586,10 @@
           <a:lstStyle/>
           <a:p>
             <a:r>
-              <a:rPr lang="en-US" altLang="ko-KR" sz="2900" smtClean="0"/>
+              <a:rPr lang="en-US" altLang="ko-KR" sz="2900"/>
               <a:t>Simple Graph Analysis</a:t>
             </a:r>
-            <a:endParaRPr lang="ko-KR" altLang="en-US" sz="2900" smtClean="0"/>
+            <a:endParaRPr lang="ko-KR" altLang="en-US" sz="2900"/>
           </a:p>
         </p:txBody>
       </p:sp>
@@ -7519,25 +7616,25 @@
           <a:lstStyle/>
           <a:p>
             <a:r>
-              <a:rPr lang="en-US" altLang="ko-KR" smtClean="0"/>
+              <a:rPr lang="en-US" altLang="ko-KR"/>
               <a:t>Graph generators and graph operations</a:t>
             </a:r>
           </a:p>
           <a:p>
             <a:pPr lvl="1"/>
             <a:r>
-              <a:rPr lang="en-US" altLang="ko-KR" smtClean="0"/>
+              <a:rPr lang="en-US" altLang="ko-KR"/>
               <a:t>Using a (constructive) generator for a classic graph</a:t>
             </a:r>
           </a:p>
           <a:p>
             <a:pPr lvl="2"/>
             <a:r>
-              <a:rPr lang="en-US" altLang="ko-KR" smtClean="0"/>
+              <a:rPr lang="en-US" altLang="ko-KR"/>
               <a:t>&gt;&gt;&gt; </a:t>
             </a:r>
             <a:r>
-              <a:rPr lang="en-US" altLang="ko-KR" smtClean="0">
+              <a:rPr lang="en-US" altLang="ko-KR">
                 <a:solidFill>
                   <a:srgbClr val="0070C0"/>
                 </a:solidFill>
@@ -7547,24 +7644,24 @@
           </a:p>
           <a:p>
             <a:pPr lvl="2"/>
-            <a:endParaRPr lang="en-US" altLang="ko-KR" smtClean="0"/>
+            <a:endParaRPr lang="en-US" altLang="ko-KR"/>
           </a:p>
           <a:p>
             <a:pPr lvl="2"/>
-            <a:endParaRPr lang="en-US" altLang="ko-KR" smtClean="0"/>
+            <a:endParaRPr lang="en-US" altLang="ko-KR"/>
           </a:p>
           <a:p>
             <a:pPr lvl="2"/>
-            <a:endParaRPr lang="en-US" altLang="ko-KR" smtClean="0"/>
+            <a:endParaRPr lang="en-US" altLang="ko-KR"/>
           </a:p>
           <a:p>
             <a:pPr lvl="2"/>
             <a:r>
-              <a:rPr lang="en-US" altLang="ko-KR" smtClean="0"/>
+              <a:rPr lang="en-US" altLang="ko-KR"/>
               <a:t>&gt;&gt;&gt; </a:t>
             </a:r>
             <a:r>
-              <a:rPr lang="en-US" altLang="ko-KR" smtClean="0">
+              <a:rPr lang="en-US" altLang="ko-KR">
                 <a:solidFill>
                   <a:srgbClr val="0070C0"/>
                 </a:solidFill>
@@ -7574,24 +7671,24 @@
           </a:p>
           <a:p>
             <a:pPr lvl="2"/>
-            <a:endParaRPr lang="en-US" altLang="ko-KR" smtClean="0"/>
+            <a:endParaRPr lang="en-US" altLang="ko-KR"/>
           </a:p>
           <a:p>
             <a:pPr lvl="2"/>
-            <a:endParaRPr lang="en-US" altLang="ko-KR" smtClean="0"/>
+            <a:endParaRPr lang="en-US" altLang="ko-KR"/>
           </a:p>
           <a:p>
             <a:pPr lvl="2"/>
-            <a:endParaRPr lang="en-US" altLang="ko-KR" smtClean="0"/>
+            <a:endParaRPr lang="en-US" altLang="ko-KR"/>
           </a:p>
           <a:p>
             <a:pPr lvl="2"/>
             <a:r>
-              <a:rPr lang="en-US" altLang="ko-KR" smtClean="0"/>
+              <a:rPr lang="en-US" altLang="ko-KR"/>
               <a:t>&gt;&gt;&gt; </a:t>
             </a:r>
             <a:r>
-              <a:rPr lang="en-US" altLang="ko-KR" smtClean="0">
+              <a:rPr lang="en-US" altLang="ko-KR">
                 <a:solidFill>
                   <a:srgbClr val="0070C0"/>
                 </a:solidFill>
@@ -7599,30 +7696,30 @@
               <a:t>barbell=net.barbell_graph(10,10)</a:t>
             </a:r>
             <a:r>
-              <a:rPr lang="en-US" altLang="ko-KR" smtClean="0"/>
+              <a:rPr lang="en-US" altLang="ko-KR"/>
               <a:t> </a:t>
             </a:r>
           </a:p>
           <a:p>
             <a:pPr lvl="2"/>
-            <a:endParaRPr lang="en-US" altLang="ko-KR" smtClean="0"/>
+            <a:endParaRPr lang="en-US" altLang="ko-KR"/>
           </a:p>
           <a:p>
             <a:pPr lvl="2"/>
-            <a:endParaRPr lang="en-US" altLang="ko-KR" smtClean="0"/>
+            <a:endParaRPr lang="en-US" altLang="ko-KR"/>
           </a:p>
           <a:p>
             <a:pPr lvl="2"/>
-            <a:endParaRPr lang="en-US" altLang="ko-KR" smtClean="0"/>
+            <a:endParaRPr lang="en-US" altLang="ko-KR"/>
           </a:p>
           <a:p>
             <a:pPr lvl="2"/>
             <a:r>
-              <a:rPr lang="en-US" altLang="ko-KR" smtClean="0"/>
+              <a:rPr lang="en-US" altLang="ko-KR"/>
               <a:t>&gt;&gt;&gt; </a:t>
             </a:r>
             <a:r>
-              <a:rPr lang="en-US" altLang="ko-KR" smtClean="0">
+              <a:rPr lang="en-US" altLang="ko-KR">
                 <a:solidFill>
                   <a:srgbClr val="0070C0"/>
                 </a:solidFill>
@@ -8070,13 +8167,6 @@
   <p:clrMapOvr>
     <a:masterClrMapping/>
   </p:clrMapOvr>
-  <p:timing>
-    <p:tnLst>
-      <p:par>
-        <p:cTn id="1" dur="indefinite" restart="never" nodeType="tmRoot"/>
-      </p:par>
-    </p:tnLst>
-  </p:timing>
 </p:sld>
 </file>
 
@@ -8118,10 +8208,10 @@
           <a:lstStyle/>
           <a:p>
             <a:r>
-              <a:rPr lang="en-US" altLang="ko-KR" sz="2900" smtClean="0"/>
+              <a:rPr lang="en-US" altLang="ko-KR" sz="2900"/>
               <a:t>Simple Graph Analysis</a:t>
             </a:r>
-            <a:endParaRPr lang="ko-KR" altLang="en-US" sz="2900" smtClean="0"/>
+            <a:endParaRPr lang="ko-KR" altLang="en-US" sz="2900"/>
           </a:p>
         </p:txBody>
       </p:sp>
@@ -8137,7 +8227,7 @@
         </p:nvSpPr>
         <p:spPr>
           <a:xfrm>
-            <a:off x="457200" y="1052513"/>
+            <a:off x="539552" y="1014412"/>
             <a:ext cx="8229600" cy="5073650"/>
           </a:xfrm>
         </p:spPr>
@@ -8148,25 +8238,25 @@
           <a:lstStyle/>
           <a:p>
             <a:r>
-              <a:rPr lang="en-US" altLang="ko-KR" dirty="0" smtClean="0"/>
+              <a:rPr lang="en-US" altLang="ko-KR" dirty="0"/>
               <a:t>Graph generators and graph operations</a:t>
             </a:r>
           </a:p>
           <a:p>
             <a:pPr lvl="1"/>
             <a:r>
-              <a:rPr lang="en-US" altLang="ko-KR" dirty="0" smtClean="0"/>
+              <a:rPr lang="en-US" altLang="ko-KR" dirty="0"/>
               <a:t>Using a stochastic graph generator</a:t>
             </a:r>
           </a:p>
           <a:p>
             <a:pPr lvl="2"/>
             <a:r>
-              <a:rPr lang="en-US" altLang="ko-KR" dirty="0" smtClean="0"/>
+              <a:rPr lang="en-US" altLang="ko-KR" dirty="0"/>
               <a:t>&gt;&gt;&gt; </a:t>
             </a:r>
             <a:r>
-              <a:rPr lang="en-US" altLang="ko-KR" dirty="0" err="1" smtClean="0">
+              <a:rPr lang="en-US" altLang="ko-KR" dirty="0" err="1">
                 <a:solidFill>
                   <a:srgbClr val="0070C0"/>
                 </a:solidFill>
@@ -8174,7 +8264,7 @@
               <a:t>er</a:t>
             </a:r>
             <a:r>
-              <a:rPr lang="en-US" altLang="ko-KR" dirty="0" smtClean="0">
+              <a:rPr lang="en-US" altLang="ko-KR" dirty="0">
                 <a:solidFill>
                   <a:srgbClr val="0070C0"/>
                 </a:solidFill>
@@ -8182,7 +8272,7 @@
               <a:t>=</a:t>
             </a:r>
             <a:r>
-              <a:rPr lang="en-US" altLang="ko-KR" dirty="0" err="1" smtClean="0">
+              <a:rPr lang="en-US" altLang="ko-KR" dirty="0" err="1">
                 <a:solidFill>
                   <a:srgbClr val="0070C0"/>
                 </a:solidFill>
@@ -8190,7 +8280,7 @@
               <a:t>net.erdos_renyi_graph</a:t>
             </a:r>
             <a:r>
-              <a:rPr lang="en-US" altLang="ko-KR" dirty="0" smtClean="0">
+              <a:rPr lang="en-US" altLang="ko-KR" dirty="0">
                 <a:solidFill>
                   <a:srgbClr val="0070C0"/>
                 </a:solidFill>
@@ -8200,24 +8290,24 @@
           </a:p>
           <a:p>
             <a:pPr lvl="2"/>
-            <a:endParaRPr lang="en-US" altLang="ko-KR" dirty="0" smtClean="0"/>
+            <a:endParaRPr lang="en-US" altLang="ko-KR" dirty="0"/>
           </a:p>
           <a:p>
             <a:pPr lvl="2"/>
-            <a:endParaRPr lang="en-US" altLang="ko-KR" dirty="0" smtClean="0"/>
+            <a:endParaRPr lang="en-US" altLang="ko-KR" dirty="0"/>
           </a:p>
           <a:p>
             <a:pPr lvl="2"/>
-            <a:endParaRPr lang="en-US" altLang="ko-KR" dirty="0" smtClean="0"/>
+            <a:endParaRPr lang="en-US" altLang="ko-KR" dirty="0"/>
           </a:p>
           <a:p>
             <a:pPr lvl="2"/>
             <a:r>
-              <a:rPr lang="en-US" altLang="ko-KR" dirty="0" smtClean="0"/>
+              <a:rPr lang="en-US" altLang="ko-KR" dirty="0"/>
               <a:t>&gt;&gt;&gt; </a:t>
             </a:r>
             <a:r>
-              <a:rPr lang="en-US" altLang="ko-KR" dirty="0" err="1" smtClean="0">
+              <a:rPr lang="en-US" altLang="ko-KR" dirty="0" err="1">
                 <a:solidFill>
                   <a:srgbClr val="0070C0"/>
                 </a:solidFill>
@@ -8225,7 +8315,7 @@
               <a:t>ws</a:t>
             </a:r>
             <a:r>
-              <a:rPr lang="en-US" altLang="ko-KR" dirty="0" smtClean="0">
+              <a:rPr lang="en-US" altLang="ko-KR" dirty="0">
                 <a:solidFill>
                   <a:srgbClr val="0070C0"/>
                 </a:solidFill>
@@ -8233,7 +8323,7 @@
               <a:t>=</a:t>
             </a:r>
             <a:r>
-              <a:rPr lang="en-US" altLang="ko-KR" dirty="0" err="1" smtClean="0">
+              <a:rPr lang="en-US" altLang="ko-KR" dirty="0" err="1">
                 <a:solidFill>
                   <a:srgbClr val="0070C0"/>
                 </a:solidFill>
@@ -8241,7 +8331,7 @@
               <a:t>net.watts_strogatz_graph</a:t>
             </a:r>
             <a:r>
-              <a:rPr lang="en-US" altLang="ko-KR" dirty="0" smtClean="0">
+              <a:rPr lang="en-US" altLang="ko-KR" dirty="0">
                 <a:solidFill>
                   <a:srgbClr val="0070C0"/>
                 </a:solidFill>
@@ -8254,30 +8344,26 @@
               <a:buFont typeface="Arial" pitchFamily="34" charset="0"/>
               <a:buNone/>
             </a:pPr>
-            <a:endParaRPr lang="en-US" altLang="ko-KR" dirty="0" smtClean="0"/>
+            <a:endParaRPr lang="en-US" altLang="ko-KR" dirty="0"/>
           </a:p>
           <a:p>
             <a:pPr lvl="2">
               <a:buFont typeface="Arial" pitchFamily="34" charset="0"/>
               <a:buNone/>
             </a:pPr>
-            <a:r>
-              <a:rPr lang="en-US" altLang="ko-KR" dirty="0" smtClean="0"/>
-              <a:t/>
-            </a:r>
             <a:br>
-              <a:rPr lang="en-US" altLang="ko-KR" dirty="0" smtClean="0"/>
+              <a:rPr lang="en-US" altLang="ko-KR" dirty="0"/>
             </a:br>
-            <a:endParaRPr lang="en-US" altLang="ko-KR" dirty="0" smtClean="0"/>
+            <a:endParaRPr lang="en-US" altLang="ko-KR" dirty="0"/>
           </a:p>
           <a:p>
             <a:pPr lvl="2"/>
             <a:r>
-              <a:rPr lang="en-US" altLang="ko-KR" dirty="0" smtClean="0"/>
+              <a:rPr lang="en-US" altLang="ko-KR" dirty="0"/>
               <a:t>&gt;&gt;&gt; </a:t>
             </a:r>
             <a:r>
-              <a:rPr lang="en-US" altLang="ko-KR" dirty="0" err="1" smtClean="0">
+              <a:rPr lang="en-US" altLang="ko-KR" dirty="0" err="1">
                 <a:solidFill>
                   <a:srgbClr val="0070C0"/>
                 </a:solidFill>
@@ -8285,7 +8371,7 @@
               <a:t>ba</a:t>
             </a:r>
             <a:r>
-              <a:rPr lang="en-US" altLang="ko-KR" dirty="0" smtClean="0">
+              <a:rPr lang="en-US" altLang="ko-KR" dirty="0">
                 <a:solidFill>
                   <a:srgbClr val="0070C0"/>
                 </a:solidFill>
@@ -8293,7 +8379,7 @@
               <a:t>=</a:t>
             </a:r>
             <a:r>
-              <a:rPr lang="en-US" altLang="ko-KR" dirty="0" err="1" smtClean="0">
+              <a:rPr lang="en-US" altLang="ko-KR" dirty="0" err="1">
                 <a:solidFill>
                   <a:srgbClr val="0070C0"/>
                 </a:solidFill>
@@ -8301,7 +8387,7 @@
               <a:t>net.barabasi_albert_graph</a:t>
             </a:r>
             <a:r>
-              <a:rPr lang="en-US" altLang="ko-KR" dirty="0" smtClean="0">
+              <a:rPr lang="en-US" altLang="ko-KR" dirty="0">
                 <a:solidFill>
                   <a:srgbClr val="0070C0"/>
                 </a:solidFill>
@@ -8311,24 +8397,24 @@
           </a:p>
           <a:p>
             <a:pPr lvl="2"/>
-            <a:endParaRPr lang="en-US" altLang="ko-KR" dirty="0" smtClean="0"/>
+            <a:endParaRPr lang="en-US" altLang="ko-KR" dirty="0"/>
           </a:p>
           <a:p>
             <a:pPr lvl="2"/>
-            <a:endParaRPr lang="en-US" altLang="ko-KR" dirty="0" smtClean="0"/>
+            <a:endParaRPr lang="en-US" altLang="ko-KR" dirty="0"/>
           </a:p>
           <a:p>
             <a:pPr lvl="2"/>
-            <a:endParaRPr lang="en-US" altLang="ko-KR" dirty="0" smtClean="0"/>
+            <a:endParaRPr lang="en-US" altLang="ko-KR" dirty="0"/>
           </a:p>
           <a:p>
             <a:pPr lvl="2"/>
             <a:r>
-              <a:rPr lang="en-US" altLang="ko-KR" dirty="0" smtClean="0"/>
+              <a:rPr lang="en-US" altLang="ko-KR" dirty="0"/>
               <a:t>&gt;&gt;&gt; </a:t>
             </a:r>
             <a:r>
-              <a:rPr lang="en-US" altLang="ko-KR" dirty="0" smtClean="0">
+              <a:rPr lang="en-US" altLang="ko-KR" dirty="0">
                 <a:solidFill>
                   <a:srgbClr val="0070C0"/>
                 </a:solidFill>
@@ -8336,7 +8422,7 @@
               <a:t>red=</a:t>
             </a:r>
             <a:r>
-              <a:rPr lang="en-US" altLang="ko-KR" dirty="0" err="1" smtClean="0">
+              <a:rPr lang="en-US" altLang="ko-KR" dirty="0" err="1">
                 <a:solidFill>
                   <a:srgbClr val="0070C0"/>
                 </a:solidFill>
@@ -8344,7 +8430,7 @@
               <a:t>net.random_lobster</a:t>
             </a:r>
             <a:r>
-              <a:rPr lang="en-US" altLang="ko-KR" dirty="0" smtClean="0">
+              <a:rPr lang="en-US" altLang="ko-KR" dirty="0">
                 <a:solidFill>
                   <a:srgbClr val="0070C0"/>
                 </a:solidFill>
@@ -8739,7 +8825,7 @@
         </p:blipFill>
         <p:spPr bwMode="auto">
           <a:xfrm>
-            <a:off x="5580063" y="4924425"/>
+            <a:off x="6741319" y="4933700"/>
             <a:ext cx="2055812" cy="1547813"/>
           </a:xfrm>
           <a:prstGeom prst="rect">
@@ -8949,13 +9035,6 @@
   <p:clrMapOvr>
     <a:masterClrMapping/>
   </p:clrMapOvr>
-  <p:timing>
-    <p:tnLst>
-      <p:par>
-        <p:cTn id="1" dur="indefinite" restart="never" nodeType="tmRoot"/>
-      </p:par>
-    </p:tnLst>
-  </p:timing>
 </p:sld>
 </file>
 
@@ -8997,10 +9076,10 @@
           <a:lstStyle/>
           <a:p>
             <a:r>
-              <a:rPr lang="en-US" altLang="ko-KR" sz="2900" smtClean="0"/>
+              <a:rPr lang="en-US" altLang="ko-KR" sz="2900"/>
               <a:t>Simple Graph Analysis</a:t>
             </a:r>
-            <a:endParaRPr lang="ko-KR" altLang="en-US" sz="2900" smtClean="0"/>
+            <a:endParaRPr lang="ko-KR" altLang="en-US" sz="2900"/>
           </a:p>
         </p:txBody>
       </p:sp>
@@ -9027,136 +9106,216 @@
           <a:lstStyle/>
           <a:p>
             <a:r>
-              <a:rPr lang="en-US" altLang="ko-KR" smtClean="0"/>
+              <a:rPr lang="en-US" altLang="ko-KR" dirty="0"/>
               <a:t>Directed Graphs</a:t>
             </a:r>
           </a:p>
           <a:p>
             <a:pPr lvl="1"/>
             <a:r>
-              <a:rPr lang="en-US" altLang="ko-KR" smtClean="0"/>
-              <a:t>“DiGraph” class provides additional methods specific to directed edges</a:t>
+              <a:rPr lang="en-US" altLang="ko-KR" dirty="0"/>
+              <a:t>“</a:t>
+            </a:r>
+            <a:r>
+              <a:rPr lang="en-US" altLang="ko-KR" dirty="0" err="1"/>
+              <a:t>DiGraph</a:t>
+            </a:r>
+            <a:r>
+              <a:rPr lang="en-US" altLang="ko-KR" dirty="0"/>
+              <a:t>” class provides additional methods specific to directed edges</a:t>
             </a:r>
           </a:p>
           <a:p>
             <a:pPr lvl="2"/>
             <a:r>
-              <a:rPr lang="en-US" altLang="ko-KR" smtClean="0"/>
+              <a:rPr lang="en-US" altLang="ko-KR" dirty="0"/>
               <a:t>&gt;&gt;&gt; </a:t>
             </a:r>
             <a:r>
-              <a:rPr lang="en-US" altLang="ko-KR" smtClean="0">
+              <a:rPr lang="en-US" altLang="ko-KR" dirty="0">
                 <a:solidFill>
                   <a:srgbClr val="0070C0"/>
                 </a:solidFill>
               </a:rPr>
-              <a:t>dg=net.DiGraph()</a:t>
+              <a:t>dg=</a:t>
+            </a:r>
+            <a:r>
+              <a:rPr lang="en-US" altLang="ko-KR" dirty="0" err="1">
+                <a:solidFill>
+                  <a:srgbClr val="0070C0"/>
+                </a:solidFill>
+              </a:rPr>
+              <a:t>net.DiGraph</a:t>
+            </a:r>
+            <a:r>
+              <a:rPr lang="en-US" altLang="ko-KR" dirty="0">
+                <a:solidFill>
+                  <a:srgbClr val="0070C0"/>
+                </a:solidFill>
+              </a:rPr>
+              <a:t>()</a:t>
             </a:r>
           </a:p>
           <a:p>
             <a:pPr lvl="2"/>
             <a:r>
-              <a:rPr lang="en-US" altLang="ko-KR" smtClean="0"/>
+              <a:rPr lang="en-US" altLang="ko-KR" dirty="0"/>
               <a:t>&gt;&gt;&gt; </a:t>
             </a:r>
             <a:r>
-              <a:rPr lang="en-US" altLang="ko-KR" smtClean="0">
+              <a:rPr lang="en-US" altLang="ko-KR" dirty="0" err="1">
                 <a:solidFill>
                   <a:srgbClr val="0070C0"/>
                 </a:solidFill>
               </a:rPr>
-              <a:t>dg.add_weighted_edges_from([(1,2,0.5), (3,1,0.75), (3,2,0.1)])</a:t>
+              <a:t>dg.add_weighted_edges_from</a:t>
+            </a:r>
+            <a:r>
+              <a:rPr lang="en-US" altLang="ko-KR" dirty="0">
+                <a:solidFill>
+                  <a:srgbClr val="0070C0"/>
+                </a:solidFill>
+              </a:rPr>
+              <a:t>([(1,2,0.5), (3,1,0.75), (3,2,0.1)])</a:t>
             </a:r>
           </a:p>
           <a:p>
             <a:pPr lvl="2"/>
             <a:r>
-              <a:rPr lang="en-US" altLang="ko-KR" smtClean="0"/>
+              <a:rPr lang="en-US" altLang="ko-KR" dirty="0"/>
               <a:t>&gt;&gt;&gt;</a:t>
             </a:r>
             <a:r>
-              <a:rPr lang="en-US" altLang="ko-KR" smtClean="0">
+              <a:rPr lang="en-US" altLang="ko-KR" dirty="0">
                 <a:solidFill>
                   <a:srgbClr val="0070C0"/>
                 </a:solidFill>
               </a:rPr>
-              <a:t> dg.in_degree(2)</a:t>
+              <a:t> </a:t>
+            </a:r>
+            <a:r>
+              <a:rPr lang="en-US" altLang="ko-KR" dirty="0" err="1">
+                <a:solidFill>
+                  <a:srgbClr val="0070C0"/>
+                </a:solidFill>
+              </a:rPr>
+              <a:t>dg.in_degree</a:t>
+            </a:r>
+            <a:r>
+              <a:rPr lang="en-US" altLang="ko-KR" dirty="0">
+                <a:solidFill>
+                  <a:srgbClr val="0070C0"/>
+                </a:solidFill>
+              </a:rPr>
+              <a:t>(2)</a:t>
             </a:r>
           </a:p>
           <a:p>
             <a:pPr lvl="3"/>
             <a:r>
-              <a:rPr lang="en-US" altLang="ko-KR" sz="1400" smtClean="0"/>
+              <a:rPr lang="en-US" altLang="ko-KR" sz="1400" dirty="0"/>
               <a:t>2</a:t>
             </a:r>
           </a:p>
           <a:p>
             <a:pPr lvl="2"/>
             <a:r>
-              <a:rPr lang="en-US" altLang="ko-KR" smtClean="0"/>
+              <a:rPr lang="en-US" altLang="ko-KR" dirty="0"/>
               <a:t>&gt;&gt;&gt;</a:t>
             </a:r>
             <a:r>
-              <a:rPr lang="en-US" altLang="ko-KR" smtClean="0">
+              <a:rPr lang="en-US" altLang="ko-KR" dirty="0">
                 <a:solidFill>
                   <a:srgbClr val="0070C0"/>
                 </a:solidFill>
               </a:rPr>
-              <a:t> dg.out_degree(3)</a:t>
+              <a:t> </a:t>
+            </a:r>
+            <a:r>
+              <a:rPr lang="en-US" altLang="ko-KR" dirty="0" err="1">
+                <a:solidFill>
+                  <a:srgbClr val="0070C0"/>
+                </a:solidFill>
+              </a:rPr>
+              <a:t>dg.out_degree</a:t>
+            </a:r>
+            <a:r>
+              <a:rPr lang="en-US" altLang="ko-KR" dirty="0">
+                <a:solidFill>
+                  <a:srgbClr val="0070C0"/>
+                </a:solidFill>
+              </a:rPr>
+              <a:t>(3)</a:t>
             </a:r>
           </a:p>
           <a:p>
             <a:pPr lvl="3"/>
             <a:r>
-              <a:rPr lang="en-US" altLang="ko-KR" sz="1400" smtClean="0"/>
+              <a:rPr lang="en-US" altLang="ko-KR" sz="1400" dirty="0"/>
               <a:t>2</a:t>
             </a:r>
           </a:p>
           <a:p>
             <a:pPr lvl="2"/>
             <a:r>
-              <a:rPr lang="en-US" altLang="ko-KR" smtClean="0"/>
+              <a:rPr lang="en-US" altLang="ko-KR" dirty="0"/>
               <a:t>&gt;&gt;&gt; </a:t>
             </a:r>
             <a:r>
-              <a:rPr lang="en-US" altLang="ko-KR" smtClean="0">
+              <a:rPr lang="en-US" altLang="ko-KR" dirty="0" err="1">
                 <a:solidFill>
                   <a:srgbClr val="0070C0"/>
                 </a:solidFill>
               </a:rPr>
-              <a:t>dg.out_degree(1, weight='weight')</a:t>
+              <a:t>dg.out_degree</a:t>
+            </a:r>
+            <a:r>
+              <a:rPr lang="en-US" altLang="ko-KR" dirty="0">
+                <a:solidFill>
+                  <a:srgbClr val="0070C0"/>
+                </a:solidFill>
+              </a:rPr>
+              <a:t>(1, weight='weight')</a:t>
             </a:r>
           </a:p>
           <a:p>
             <a:pPr lvl="3"/>
             <a:r>
-              <a:rPr lang="en-US" altLang="ko-KR" sz="1400" smtClean="0"/>
+              <a:rPr lang="en-US" altLang="ko-KR" sz="1400" dirty="0"/>
               <a:t>0.5</a:t>
             </a:r>
-            <a:endParaRPr lang="en-US" altLang="ko-KR" smtClean="0"/>
+            <a:endParaRPr lang="en-US" altLang="ko-KR" dirty="0"/>
           </a:p>
           <a:p>
             <a:pPr lvl="2"/>
             <a:r>
-              <a:rPr lang="en-US" altLang="ko-KR" smtClean="0"/>
+              <a:rPr lang="en-US" altLang="ko-KR" dirty="0"/>
               <a:t>&gt;&gt;&gt; </a:t>
             </a:r>
             <a:r>
-              <a:rPr lang="en-US" altLang="ko-KR" smtClean="0">
+              <a:rPr lang="en-US" altLang="ko-KR" dirty="0" err="1">
                 <a:solidFill>
                   <a:srgbClr val="0070C0"/>
                 </a:solidFill>
               </a:rPr>
-              <a:t>dg.degree(1, weight='weight')</a:t>
+              <a:t>dg.degree</a:t>
+            </a:r>
+            <a:r>
+              <a:rPr lang="en-US" altLang="ko-KR" dirty="0">
+                <a:solidFill>
+                  <a:srgbClr val="0070C0"/>
+                </a:solidFill>
+              </a:rPr>
+              <a:t>(1, weight='weight')</a:t>
             </a:r>
           </a:p>
           <a:p>
             <a:pPr lvl="3"/>
             <a:r>
-              <a:rPr lang="en-US" altLang="ko-KR" sz="1400" smtClean="0"/>
+              <a:rPr lang="en-US" altLang="ko-KR" sz="1400" dirty="0"/>
               <a:t>1.25</a:t>
             </a:r>
-            <a:endParaRPr lang="en-US" altLang="ko-KR" smtClean="0"/>
+            <a:endParaRPr lang="en-US" altLang="ko-KR" dirty="0"/>
           </a:p>
         </p:txBody>
       </p:sp>
@@ -9400,13 +9559,6 @@
   <p:clrMapOvr>
     <a:masterClrMapping/>
   </p:clrMapOvr>
-  <p:timing>
-    <p:tnLst>
-      <p:par>
-        <p:cTn id="1" dur="indefinite" restart="never" nodeType="tmRoot"/>
-      </p:par>
-    </p:tnLst>
-  </p:timing>
 </p:sld>
 </file>
 
@@ -9451,46 +9603,40 @@
           <a:p>
             <a:pPr algn="r"/>
             <a:r>
-              <a:rPr lang="en-US" altLang="ko-KR" sz="2600" dirty="0" smtClean="0">
+              <a:rPr lang="en-US" altLang="ko-KR" sz="2600" dirty="0">
                 <a:ea typeface="굴림" pitchFamily="-84" charset="-127"/>
               </a:rPr>
               <a:t>Graph Analyzing with </a:t>
             </a:r>
             <a:r>
-              <a:rPr lang="en-US" altLang="ko-KR" sz="2600" dirty="0" err="1" smtClean="0">
+              <a:rPr lang="en-US" altLang="ko-KR" sz="2600" dirty="0" err="1">
                 <a:ea typeface="굴림" pitchFamily="-84" charset="-127"/>
               </a:rPr>
               <a:t>NetworkX</a:t>
             </a:r>
             <a:r>
-              <a:rPr lang="en-US" altLang="ko-KR" sz="2600" dirty="0" smtClean="0">
+              <a:rPr lang="en-US" altLang="ko-KR" sz="2600" dirty="0">
                 <a:ea typeface="굴림" pitchFamily="-84" charset="-127"/>
               </a:rPr>
               <a:t> on python</a:t>
             </a:r>
             <a:br>
-              <a:rPr lang="en-US" altLang="ko-KR" sz="2600" dirty="0" smtClean="0">
+              <a:rPr lang="en-US" altLang="ko-KR" sz="2600" dirty="0">
                 <a:ea typeface="굴림" pitchFamily="-84" charset="-127"/>
               </a:rPr>
             </a:br>
-            <a:r>
-              <a:rPr lang="en-US" altLang="ko-KR" sz="2600" dirty="0" smtClean="0">
-                <a:ea typeface="굴림" pitchFamily="-84" charset="-127"/>
-              </a:rPr>
-              <a:t/>
-            </a:r>
             <a:br>
-              <a:rPr lang="en-US" altLang="ko-KR" sz="2600" dirty="0" smtClean="0">
+              <a:rPr lang="en-US" altLang="ko-KR" sz="2600" dirty="0">
                 <a:ea typeface="굴림" pitchFamily="-84" charset="-127"/>
               </a:rPr>
             </a:br>
             <a:r>
-              <a:rPr lang="en-US" altLang="ko-KR" sz="1600" dirty="0" smtClean="0">
+              <a:rPr lang="en-US" altLang="ko-KR" sz="1600" dirty="0">
                 <a:ea typeface="굴림" pitchFamily="-84" charset="-127"/>
               </a:rPr>
               <a:t>[reference] http://networkx.github.com/documentation/latest/tutorial/index.html</a:t>
             </a:r>
-            <a:endParaRPr lang="ko-KR" altLang="en-US" sz="2600" dirty="0" smtClean="0"/>
+            <a:endParaRPr lang="ko-KR" altLang="en-US" sz="2600" dirty="0"/>
           </a:p>
         </p:txBody>
       </p:sp>
@@ -9668,13 +9814,6 @@
   <p:clrMapOvr>
     <a:masterClrMapping/>
   </p:clrMapOvr>
-  <p:timing>
-    <p:tnLst>
-      <p:par>
-        <p:cTn id="1" dur="indefinite" restart="never" nodeType="tmRoot"/>
-      </p:par>
-    </p:tnLst>
-  </p:timing>
 </p:sld>
 </file>
 
@@ -9716,10 +9855,10 @@
           <a:lstStyle/>
           <a:p>
             <a:r>
-              <a:rPr lang="en-US" altLang="ko-KR" sz="2900" smtClean="0"/>
+              <a:rPr lang="en-US" altLang="ko-KR" sz="2900"/>
               <a:t>Simple Graph Analysis</a:t>
             </a:r>
-            <a:endParaRPr lang="ko-KR" altLang="en-US" sz="2900" smtClean="0"/>
+            <a:endParaRPr lang="ko-KR" altLang="en-US" sz="2900"/>
           </a:p>
         </p:txBody>
       </p:sp>
@@ -9746,25 +9885,25 @@
           <a:lstStyle/>
           <a:p>
             <a:r>
-              <a:rPr lang="en-US" altLang="ko-KR" smtClean="0"/>
+              <a:rPr lang="en-US" altLang="ko-KR"/>
               <a:t>Directed Graphs</a:t>
             </a:r>
           </a:p>
           <a:p>
             <a:pPr lvl="1"/>
             <a:r>
-              <a:rPr lang="en-US" altLang="ko-KR" smtClean="0"/>
+              <a:rPr lang="en-US" altLang="ko-KR"/>
               <a:t>“DiGraph” class provides additional methods specific to directed edges</a:t>
             </a:r>
           </a:p>
           <a:p>
             <a:pPr lvl="2"/>
             <a:r>
-              <a:rPr lang="en-US" altLang="ko-KR" smtClean="0"/>
+              <a:rPr lang="en-US" altLang="ko-KR"/>
               <a:t>&gt;&gt;&gt; </a:t>
             </a:r>
             <a:r>
-              <a:rPr lang="en-US" altLang="ko-KR" smtClean="0">
+              <a:rPr lang="en-US" altLang="ko-KR">
                 <a:solidFill>
                   <a:srgbClr val="4F81BD"/>
                 </a:solidFill>
@@ -9775,18 +9914,18 @@
           <a:p>
             <a:pPr lvl="3"/>
             <a:r>
-              <a:rPr lang="en-US" altLang="ko-KR" sz="1400" smtClean="0"/>
+              <a:rPr lang="en-US" altLang="ko-KR" sz="1400"/>
               <a:t>[1, 3]</a:t>
             </a:r>
           </a:p>
           <a:p>
             <a:pPr lvl="2"/>
             <a:r>
-              <a:rPr lang="en-US" altLang="ko-KR" smtClean="0"/>
+              <a:rPr lang="en-US" altLang="ko-KR"/>
               <a:t>&gt;&gt;&gt; </a:t>
             </a:r>
             <a:r>
-              <a:rPr lang="en-US" altLang="ko-KR" smtClean="0">
+              <a:rPr lang="en-US" altLang="ko-KR">
                 <a:solidFill>
                   <a:schemeClr val="accent1"/>
                 </a:solidFill>
@@ -9797,18 +9936,18 @@
           <a:p>
             <a:pPr lvl="3"/>
             <a:r>
-              <a:rPr lang="en-US" altLang="ko-KR" sz="1400" smtClean="0"/>
+              <a:rPr lang="en-US" altLang="ko-KR" sz="1400"/>
               <a:t>[]</a:t>
             </a:r>
           </a:p>
           <a:p>
             <a:pPr lvl="2"/>
             <a:r>
-              <a:rPr lang="en-US" altLang="ko-KR" smtClean="0"/>
+              <a:rPr lang="en-US" altLang="ko-KR"/>
               <a:t>&gt;&gt;&gt;</a:t>
             </a:r>
             <a:r>
-              <a:rPr lang="en-US" altLang="ko-KR" smtClean="0">
+              <a:rPr lang="en-US" altLang="ko-KR">
                 <a:solidFill>
                   <a:srgbClr val="0070C0"/>
                 </a:solidFill>
@@ -9819,19 +9958,19 @@
           <a:p>
             <a:pPr lvl="3"/>
             <a:r>
-              <a:rPr lang="en-US" altLang="ko-KR" sz="1400" smtClean="0"/>
+              <a:rPr lang="en-US" altLang="ko-KR" sz="1400"/>
               <a:t>[2]</a:t>
             </a:r>
-            <a:endParaRPr lang="en-US" altLang="ko-KR" smtClean="0"/>
+            <a:endParaRPr lang="en-US" altLang="ko-KR"/>
           </a:p>
           <a:p>
             <a:pPr lvl="2"/>
             <a:r>
-              <a:rPr lang="en-US" altLang="ko-KR" smtClean="0"/>
+              <a:rPr lang="en-US" altLang="ko-KR"/>
               <a:t>&gt;&gt;&gt; </a:t>
             </a:r>
             <a:r>
-              <a:rPr lang="en-US" altLang="ko-KR" smtClean="0">
+              <a:rPr lang="en-US" altLang="ko-KR">
                 <a:solidFill>
                   <a:srgbClr val="0070C0"/>
                 </a:solidFill>
@@ -9839,10 +9978,10 @@
               <a:t>dg.neighbors(1) </a:t>
             </a:r>
             <a:r>
-              <a:rPr lang="en-US" altLang="ko-KR" smtClean="0"/>
+              <a:rPr lang="en-US" altLang="ko-KR"/>
               <a:t>(equivalent to dg.successors())</a:t>
             </a:r>
-            <a:endParaRPr lang="en-US" altLang="ko-KR" smtClean="0">
+            <a:endParaRPr lang="en-US" altLang="ko-KR">
               <a:solidFill>
                 <a:srgbClr val="0070C0"/>
               </a:solidFill>
@@ -9851,29 +9990,29 @@
           <a:p>
             <a:pPr lvl="3"/>
             <a:r>
-              <a:rPr lang="en-US" altLang="ko-KR" sz="1400" smtClean="0"/>
+              <a:rPr lang="en-US" altLang="ko-KR" sz="1400"/>
               <a:t>[2]</a:t>
             </a:r>
           </a:p>
           <a:p>
             <a:pPr lvl="3"/>
-            <a:endParaRPr lang="en-US" altLang="ko-KR" sz="1400" smtClean="0"/>
+            <a:endParaRPr lang="en-US" altLang="ko-KR" sz="1400"/>
           </a:p>
           <a:p>
             <a:pPr lvl="1"/>
             <a:r>
-              <a:rPr lang="en-US" altLang="ko-KR" smtClean="0"/>
+              <a:rPr lang="en-US" altLang="ko-KR"/>
               <a:t>If you want to treat a directed graph as undirected for some measurement you should probably convert it</a:t>
             </a:r>
           </a:p>
           <a:p>
             <a:pPr lvl="2"/>
             <a:r>
-              <a:rPr lang="en-US" altLang="ko-KR" smtClean="0"/>
+              <a:rPr lang="en-US" altLang="ko-KR"/>
               <a:t>&gt;&gt;&gt; </a:t>
             </a:r>
             <a:r>
-              <a:rPr lang="en-US" altLang="ko-KR" smtClean="0">
+              <a:rPr lang="en-US" altLang="ko-KR">
                 <a:solidFill>
                   <a:srgbClr val="0070C0"/>
                 </a:solidFill>
@@ -10123,13 +10262,6 @@
   <p:clrMapOvr>
     <a:masterClrMapping/>
   </p:clrMapOvr>
-  <p:timing>
-    <p:tnLst>
-      <p:par>
-        <p:cTn id="1" dur="indefinite" restart="never" nodeType="tmRoot"/>
-      </p:par>
-    </p:tnLst>
-  </p:timing>
 </p:sld>
 </file>
 
@@ -10171,10 +10303,10 @@
           <a:lstStyle/>
           <a:p>
             <a:r>
-              <a:rPr lang="en-US" altLang="ko-KR" sz="2900" smtClean="0"/>
+              <a:rPr lang="en-US" altLang="ko-KR" sz="2900"/>
               <a:t>Simple Graph Analysis</a:t>
             </a:r>
-            <a:endParaRPr lang="ko-KR" altLang="en-US" sz="2900" smtClean="0"/>
+            <a:endParaRPr lang="ko-KR" altLang="en-US" sz="2900"/>
           </a:p>
         </p:txBody>
       </p:sp>
@@ -10201,32 +10333,32 @@
           <a:lstStyle/>
           <a:p>
             <a:r>
-              <a:rPr lang="en-US" altLang="ko-KR" smtClean="0"/>
+              <a:rPr lang="en-US" altLang="ko-KR"/>
               <a:t>Multigraphs</a:t>
             </a:r>
           </a:p>
           <a:p>
             <a:pPr lvl="1"/>
             <a:r>
-              <a:rPr lang="en-US" altLang="ko-KR" smtClean="0"/>
+              <a:rPr lang="en-US" altLang="ko-KR"/>
               <a:t>“MultiGraph” and “MultiDiGraph” classes allow you to add the same edge twice between any pair of nodes, possibly with different edge data.</a:t>
             </a:r>
           </a:p>
           <a:p>
             <a:pPr lvl="1"/>
             <a:r>
-              <a:rPr lang="en-US" altLang="ko-KR" smtClean="0"/>
+              <a:rPr lang="en-US" altLang="ko-KR"/>
               <a:t>These can be powerful for some applications, but many algorithms (e.g., shortest path) are not well defined on such graphs.</a:t>
             </a:r>
           </a:p>
           <a:p>
             <a:pPr lvl="2"/>
             <a:r>
-              <a:rPr lang="en-US" altLang="ko-KR" smtClean="0"/>
+              <a:rPr lang="en-US" altLang="ko-KR"/>
               <a:t>&gt;&gt;&gt; </a:t>
             </a:r>
             <a:r>
-              <a:rPr lang="en-US" altLang="ko-KR" smtClean="0">
+              <a:rPr lang="en-US" altLang="ko-KR">
                 <a:solidFill>
                   <a:srgbClr val="0070C0"/>
                 </a:solidFill>
@@ -10237,11 +10369,11 @@
           <a:p>
             <a:pPr lvl="2"/>
             <a:r>
-              <a:rPr lang="en-US" altLang="ko-KR" smtClean="0"/>
+              <a:rPr lang="en-US" altLang="ko-KR"/>
               <a:t>&gt;&gt;&gt; </a:t>
             </a:r>
             <a:r>
-              <a:rPr lang="en-US" altLang="ko-KR" smtClean="0">
+              <a:rPr lang="en-US" altLang="ko-KR">
                 <a:solidFill>
                   <a:srgbClr val="0070C0"/>
                 </a:solidFill>
@@ -10252,11 +10384,11 @@
           <a:p>
             <a:pPr lvl="2"/>
             <a:r>
-              <a:rPr lang="en-US" altLang="ko-KR" smtClean="0"/>
+              <a:rPr lang="en-US" altLang="ko-KR"/>
               <a:t>&gt;&gt;&gt;</a:t>
             </a:r>
             <a:r>
-              <a:rPr lang="en-US" altLang="ko-KR" smtClean="0">
+              <a:rPr lang="en-US" altLang="ko-KR">
                 <a:solidFill>
                   <a:srgbClr val="0070C0"/>
                 </a:solidFill>
@@ -10267,7 +10399,7 @@
           <a:p>
             <a:pPr lvl="3"/>
             <a:r>
-              <a:rPr lang="en-US" altLang="ko-KR" sz="1400" smtClean="0"/>
+              <a:rPr lang="en-US" altLang="ko-KR" sz="1400"/>
               <a:t>{1: 1.35, 2: 1.75, 3: 0.6}</a:t>
             </a:r>
           </a:p>
@@ -10447,13 +10579,6 @@
   <p:clrMapOvr>
     <a:masterClrMapping/>
   </p:clrMapOvr>
-  <p:timing>
-    <p:tnLst>
-      <p:par>
-        <p:cTn id="1" dur="indefinite" restart="never" nodeType="tmRoot"/>
-      </p:par>
-    </p:tnLst>
-  </p:timing>
 </p:sld>
 </file>
 
@@ -10496,12 +10621,12 @@
           <a:p>
             <a:pPr algn="r"/>
             <a:r>
-              <a:rPr lang="en-US" altLang="ko-KR" sz="2900" smtClean="0">
+              <a:rPr lang="en-US" altLang="ko-KR" sz="2900">
                 <a:ea typeface="굴림" pitchFamily="-84" charset="-127"/>
               </a:rPr>
               <a:t>Case Study1. Twitter</a:t>
             </a:r>
-            <a:endParaRPr lang="ko-KR" altLang="en-US" sz="2900" smtClean="0"/>
+            <a:endParaRPr lang="ko-KR" altLang="en-US" sz="2900"/>
           </a:p>
         </p:txBody>
       </p:sp>
@@ -10679,13 +10804,6 @@
   <p:clrMapOvr>
     <a:masterClrMapping/>
   </p:clrMapOvr>
-  <p:timing>
-    <p:tnLst>
-      <p:par>
-        <p:cTn id="1" dur="indefinite" restart="never" nodeType="tmRoot"/>
-      </p:par>
-    </p:tnLst>
-  </p:timing>
 </p:sld>
 </file>
 
@@ -10727,7 +10845,7 @@
           <a:lstStyle/>
           <a:p>
             <a:r>
-              <a:rPr lang="en-US" altLang="ko-KR" sz="2900" smtClean="0"/>
+              <a:rPr lang="en-US" altLang="ko-KR" sz="2900"/>
               <a:t>Tweepy</a:t>
             </a:r>
           </a:p>
@@ -10754,56 +10872,56 @@
           <a:lstStyle/>
           <a:p>
             <a:r>
-              <a:rPr lang="en-US" altLang="ko-KR" smtClean="0"/>
+              <a:rPr lang="en-US" altLang="ko-KR"/>
               <a:t>Tweepy</a:t>
             </a:r>
           </a:p>
           <a:p>
             <a:pPr lvl="1"/>
             <a:r>
-              <a:rPr lang="en-US" altLang="ko-KR" smtClean="0"/>
+              <a:rPr lang="en-US" altLang="ko-KR"/>
               <a:t>A Python wrapper around the Twitter API</a:t>
             </a:r>
           </a:p>
           <a:p>
             <a:pPr lvl="2"/>
             <a:r>
-              <a:rPr lang="en-US" altLang="ko-KR" smtClean="0"/>
+              <a:rPr lang="en-US" altLang="ko-KR"/>
               <a:t>This library provides a pure Python interface for the Twitter API</a:t>
             </a:r>
           </a:p>
           <a:p>
             <a:pPr lvl="1"/>
             <a:r>
-              <a:rPr lang="en-US" altLang="ko-KR" smtClean="0">
+              <a:rPr lang="en-US" altLang="ko-KR">
                 <a:hlinkClick r:id="rId2"/>
               </a:rPr>
               <a:t>https://github.com/tweepy/tweepy</a:t>
             </a:r>
-            <a:endParaRPr lang="en-US" altLang="ko-KR" smtClean="0"/>
+            <a:endParaRPr lang="en-US" altLang="ko-KR"/>
           </a:p>
           <a:p>
             <a:pPr lvl="1"/>
             <a:r>
-              <a:rPr lang="en-US" altLang="ko-KR" smtClean="0"/>
+              <a:rPr lang="en-US" altLang="ko-KR"/>
               <a:t>Install</a:t>
             </a:r>
           </a:p>
           <a:p>
             <a:pPr lvl="2"/>
             <a:r>
-              <a:rPr lang="en-US" altLang="ko-KR" smtClean="0"/>
+              <a:rPr lang="en-US" altLang="ko-KR"/>
               <a:t>Install tweepy:</a:t>
             </a:r>
           </a:p>
           <a:p>
             <a:pPr lvl="3"/>
             <a:r>
-              <a:rPr lang="en-US" altLang="ko-KR" sz="1400" smtClean="0"/>
+              <a:rPr lang="en-US" altLang="ko-KR" sz="1400"/>
               <a:t>&gt;&gt;&gt; </a:t>
             </a:r>
             <a:r>
-              <a:rPr lang="en-US" altLang="ko-KR" sz="1400" smtClean="0">
+              <a:rPr lang="en-US" altLang="ko-KR" sz="1400">
                 <a:solidFill>
                   <a:srgbClr val="0070C0"/>
                 </a:solidFill>
@@ -10813,7 +10931,7 @@
           </a:p>
           <a:p>
             <a:pPr lvl="3"/>
-            <a:endParaRPr lang="en-US" altLang="ko-KR" smtClean="0">
+            <a:endParaRPr lang="en-US" altLang="ko-KR">
               <a:solidFill>
                 <a:srgbClr val="0070C0"/>
               </a:solidFill>
@@ -10995,13 +11113,6 @@
   <p:clrMapOvr>
     <a:masterClrMapping/>
   </p:clrMapOvr>
-  <p:timing>
-    <p:tnLst>
-      <p:par>
-        <p:cTn id="1" dur="indefinite" restart="never" nodeType="tmRoot"/>
-      </p:par>
-    </p:tnLst>
-  </p:timing>
 </p:sld>
 </file>
 
@@ -11043,7 +11154,7 @@
           <a:lstStyle/>
           <a:p>
             <a:r>
-              <a:rPr lang="en-US" altLang="ko-KR" sz="2900" smtClean="0"/>
+              <a:rPr lang="en-US" altLang="ko-KR" sz="2900"/>
               <a:t>Twitter Authentication</a:t>
             </a:r>
           </a:p>
@@ -11072,58 +11183,58 @@
           <a:lstStyle/>
           <a:p>
             <a:r>
-              <a:rPr lang="en-US" altLang="ko-KR" smtClean="0"/>
+              <a:rPr lang="en-US" altLang="ko-KR"/>
               <a:t>Twitter Authentication</a:t>
             </a:r>
           </a:p>
           <a:p>
             <a:pPr lvl="1"/>
             <a:r>
-              <a:rPr lang="en-US" altLang="ko-KR" smtClean="0"/>
+              <a:rPr lang="en-US" altLang="ko-KR"/>
               <a:t>Oauth Application Registration: </a:t>
             </a:r>
           </a:p>
           <a:p>
             <a:pPr lvl="2"/>
             <a:r>
-              <a:rPr lang="en-US" altLang="ko-KR" smtClean="0">
+              <a:rPr lang="en-US" altLang="ko-KR">
                 <a:hlinkClick r:id="rId2"/>
               </a:rPr>
               <a:t>http://twitter.com/oauth_clients</a:t>
             </a:r>
-            <a:endParaRPr lang="en-US" altLang="ko-KR" smtClean="0"/>
+            <a:endParaRPr lang="en-US" altLang="ko-KR"/>
           </a:p>
           <a:p>
             <a:pPr lvl="1"/>
-            <a:endParaRPr lang="en-US" altLang="ko-KR" smtClean="0"/>
+            <a:endParaRPr lang="en-US" altLang="ko-KR"/>
           </a:p>
           <a:p>
             <a:pPr lvl="1"/>
-            <a:endParaRPr lang="en-US" altLang="ko-KR" smtClean="0"/>
+            <a:endParaRPr lang="en-US" altLang="ko-KR"/>
           </a:p>
           <a:p>
             <a:pPr lvl="1"/>
             <a:r>
-              <a:rPr lang="en-US" altLang="ko-KR" smtClean="0"/>
+              <a:rPr lang="en-US" altLang="ko-KR"/>
               <a:t>My applications</a:t>
             </a:r>
           </a:p>
           <a:p>
             <a:pPr lvl="1"/>
-            <a:endParaRPr lang="en-US" altLang="ko-KR" smtClean="0"/>
+            <a:endParaRPr lang="en-US" altLang="ko-KR"/>
           </a:p>
           <a:p>
             <a:pPr lvl="1"/>
-            <a:endParaRPr lang="en-US" altLang="ko-KR" smtClean="0"/>
+            <a:endParaRPr lang="en-US" altLang="ko-KR"/>
           </a:p>
           <a:p>
             <a:pPr lvl="1"/>
-            <a:endParaRPr lang="en-US" altLang="ko-KR" smtClean="0"/>
+            <a:endParaRPr lang="en-US" altLang="ko-KR"/>
           </a:p>
           <a:p>
             <a:pPr lvl="1"/>
             <a:r>
-              <a:rPr lang="en-US" altLang="ko-KR" smtClean="0"/>
+              <a:rPr lang="en-US" altLang="ko-KR"/>
               <a:t>Create a new application</a:t>
             </a:r>
           </a:p>
@@ -11501,13 +11612,6 @@
   <p:clrMapOvr>
     <a:masterClrMapping/>
   </p:clrMapOvr>
-  <p:timing>
-    <p:tnLst>
-      <p:par>
-        <p:cTn id="1" dur="indefinite" restart="never" nodeType="tmRoot"/>
-      </p:par>
-    </p:tnLst>
-  </p:timing>
 </p:sld>
 </file>
 
@@ -11549,7 +11653,7 @@
           <a:lstStyle/>
           <a:p>
             <a:r>
-              <a:rPr lang="en-US" altLang="ko-KR" sz="2900" smtClean="0"/>
+              <a:rPr lang="en-US" altLang="ko-KR" sz="2900"/>
               <a:t>Twitter Authentication</a:t>
             </a:r>
           </a:p>
@@ -11576,14 +11680,14 @@
           <a:lstStyle/>
           <a:p>
             <a:r>
-              <a:rPr lang="en-US" altLang="ko-KR" smtClean="0"/>
+              <a:rPr lang="en-US" altLang="ko-KR"/>
               <a:t>Twitter Authentication</a:t>
             </a:r>
           </a:p>
           <a:p>
             <a:pPr lvl="1"/>
             <a:r>
-              <a:rPr lang="en-US" altLang="ko-KR" smtClean="0"/>
+              <a:rPr lang="en-US" altLang="ko-KR"/>
               <a:t>New Application Description</a:t>
             </a:r>
           </a:p>
@@ -11829,13 +11933,6 @@
   <p:clrMapOvr>
     <a:masterClrMapping/>
   </p:clrMapOvr>
-  <p:timing>
-    <p:tnLst>
-      <p:par>
-        <p:cTn id="1" dur="indefinite" restart="never" nodeType="tmRoot"/>
-      </p:par>
-    </p:tnLst>
-  </p:timing>
 </p:sld>
 </file>
 
@@ -11877,7 +11974,7 @@
           <a:lstStyle/>
           <a:p>
             <a:r>
-              <a:rPr lang="en-US" altLang="ko-KR" sz="2900" smtClean="0"/>
+              <a:rPr lang="en-US" altLang="ko-KR" sz="2900"/>
               <a:t>Twitter Authentication</a:t>
             </a:r>
           </a:p>
@@ -11906,18 +12003,18 @@
           <a:lstStyle/>
           <a:p>
             <a:r>
-              <a:rPr lang="en-US" altLang="ko-KR" smtClean="0"/>
+              <a:rPr lang="en-US" altLang="ko-KR"/>
               <a:t>Twitter Authentication</a:t>
             </a:r>
           </a:p>
           <a:p>
             <a:pPr lvl="1"/>
             <a:r>
-              <a:rPr lang="en-US" altLang="ko-KR" smtClean="0"/>
+              <a:rPr lang="en-US" altLang="ko-KR"/>
               <a:t>Settings </a:t>
             </a:r>
             <a:r>
-              <a:rPr lang="en-US" altLang="ko-KR" smtClean="0">
+              <a:rPr lang="en-US" altLang="ko-KR">
                 <a:sym typeface="Wingdings" pitchFamily="2" charset="2"/>
               </a:rPr>
               <a:t> Application Type</a:t>
@@ -11925,66 +12022,66 @@
           </a:p>
           <a:p>
             <a:pPr lvl="1"/>
-            <a:endParaRPr lang="en-US" altLang="ko-KR" smtClean="0">
+            <a:endParaRPr lang="en-US" altLang="ko-KR">
               <a:sym typeface="Wingdings" pitchFamily="2" charset="2"/>
             </a:endParaRPr>
           </a:p>
           <a:p>
             <a:pPr lvl="1"/>
-            <a:endParaRPr lang="en-US" altLang="ko-KR" smtClean="0">
+            <a:endParaRPr lang="en-US" altLang="ko-KR">
               <a:sym typeface="Wingdings" pitchFamily="2" charset="2"/>
             </a:endParaRPr>
           </a:p>
           <a:p>
             <a:pPr lvl="1"/>
-            <a:endParaRPr lang="en-US" altLang="ko-KR" smtClean="0">
+            <a:endParaRPr lang="en-US" altLang="ko-KR">
               <a:sym typeface="Wingdings" pitchFamily="2" charset="2"/>
             </a:endParaRPr>
           </a:p>
           <a:p>
             <a:pPr lvl="1"/>
-            <a:endParaRPr lang="en-US" altLang="ko-KR" smtClean="0">
+            <a:endParaRPr lang="en-US" altLang="ko-KR">
               <a:sym typeface="Wingdings" pitchFamily="2" charset="2"/>
             </a:endParaRPr>
           </a:p>
           <a:p>
             <a:pPr lvl="1"/>
-            <a:endParaRPr lang="en-US" altLang="ko-KR" smtClean="0">
+            <a:endParaRPr lang="en-US" altLang="ko-KR">
               <a:sym typeface="Wingdings" pitchFamily="2" charset="2"/>
             </a:endParaRPr>
           </a:p>
           <a:p>
             <a:pPr lvl="1"/>
-            <a:endParaRPr lang="en-US" altLang="ko-KR" smtClean="0">
+            <a:endParaRPr lang="en-US" altLang="ko-KR">
               <a:sym typeface="Wingdings" pitchFamily="2" charset="2"/>
             </a:endParaRPr>
           </a:p>
           <a:p>
             <a:pPr lvl="1"/>
-            <a:endParaRPr lang="en-US" altLang="ko-KR" smtClean="0">
+            <a:endParaRPr lang="en-US" altLang="ko-KR">
               <a:sym typeface="Wingdings" pitchFamily="2" charset="2"/>
             </a:endParaRPr>
           </a:p>
           <a:p>
             <a:pPr lvl="1"/>
             <a:r>
-              <a:rPr lang="en-US" altLang="ko-KR" smtClean="0"/>
+              <a:rPr lang="en-US" altLang="ko-KR"/>
               <a:t>Details </a:t>
             </a:r>
             <a:r>
-              <a:rPr lang="en-US" altLang="ko-KR" smtClean="0">
+              <a:rPr lang="en-US" altLang="ko-KR">
                 <a:sym typeface="Wingdings" pitchFamily="2" charset="2"/>
               </a:rPr>
               <a:t> </a:t>
             </a:r>
             <a:r>
-              <a:rPr lang="en-US" altLang="ko-KR" smtClean="0"/>
+              <a:rPr lang="en-US" altLang="ko-KR"/>
               <a:t>Create Access Token</a:t>
             </a:r>
           </a:p>
           <a:p>
             <a:pPr lvl="1"/>
-            <a:endParaRPr lang="en-US" altLang="ko-KR" smtClean="0"/>
+            <a:endParaRPr lang="en-US" altLang="ko-KR"/>
           </a:p>
         </p:txBody>
       </p:sp>
@@ -12294,13 +12391,6 @@
   <p:clrMapOvr>
     <a:masterClrMapping/>
   </p:clrMapOvr>
-  <p:timing>
-    <p:tnLst>
-      <p:par>
-        <p:cTn id="1" dur="indefinite" restart="never" nodeType="tmRoot"/>
-      </p:par>
-    </p:tnLst>
-  </p:timing>
 </p:sld>
 </file>
 
@@ -12342,10 +12432,10 @@
           <a:lstStyle/>
           <a:p>
             <a:r>
-              <a:rPr lang="en-US" altLang="ko-KR" sz="2900" smtClean="0"/>
+              <a:rPr lang="en-US" altLang="ko-KR" sz="2900"/>
               <a:t>Twitter Rate Limiting</a:t>
             </a:r>
-            <a:endParaRPr lang="ko-KR" altLang="en-US" sz="2900" smtClean="0"/>
+            <a:endParaRPr lang="ko-KR" altLang="en-US" sz="2900"/>
           </a:p>
         </p:txBody>
       </p:sp>
@@ -12372,143 +12462,143 @@
           <a:lstStyle/>
           <a:p>
             <a:r>
-              <a:rPr lang="en-US" altLang="ko-KR" smtClean="0"/>
+              <a:rPr lang="en-US" altLang="ko-KR"/>
               <a:t>Twitter REST API Rate Limiting in v1.1</a:t>
             </a:r>
           </a:p>
           <a:p>
             <a:pPr lvl="1"/>
             <a:r>
-              <a:rPr lang="en-US" altLang="ko-KR" b="1" smtClean="0"/>
+              <a:rPr lang="en-US" altLang="ko-KR" b="1"/>
               <a:t>Refer to </a:t>
             </a:r>
             <a:r>
-              <a:rPr lang="en-US" altLang="ko-KR" b="1" smtClean="0">
+              <a:rPr lang="en-US" altLang="ko-KR" b="1">
                 <a:hlinkClick r:id="rId2"/>
               </a:rPr>
               <a:t>https://dev.twitter.com/docs/rate-limiting/1.1</a:t>
             </a:r>
-            <a:endParaRPr lang="en-US" altLang="ko-KR" b="1" smtClean="0"/>
+            <a:endParaRPr lang="en-US" altLang="ko-KR" b="1"/>
           </a:p>
           <a:p>
             <a:pPr lvl="1"/>
             <a:r>
-              <a:rPr lang="en-US" altLang="ko-KR" b="1" smtClean="0"/>
+              <a:rPr lang="en-US" altLang="ko-KR" b="1"/>
               <a:t>Per User</a:t>
             </a:r>
           </a:p>
           <a:p>
             <a:pPr lvl="2"/>
             <a:r>
-              <a:rPr lang="en-US" altLang="ko-KR" smtClean="0"/>
+              <a:rPr lang="en-US" altLang="ko-KR"/>
               <a:t>per access token in your control</a:t>
             </a:r>
           </a:p>
           <a:p>
             <a:pPr lvl="1"/>
             <a:r>
-              <a:rPr lang="en-US" altLang="ko-KR" b="1" smtClean="0"/>
+              <a:rPr lang="en-US" altLang="ko-KR" b="1"/>
               <a:t>15 Minute Windows</a:t>
             </a:r>
           </a:p>
           <a:p>
             <a:pPr lvl="2"/>
             <a:r>
-              <a:rPr lang="en-US" altLang="ko-KR" smtClean="0"/>
+              <a:rPr lang="en-US" altLang="ko-KR"/>
               <a:t>all 1.1 endpoints require authentication</a:t>
             </a:r>
           </a:p>
           <a:p>
             <a:pPr lvl="2"/>
             <a:r>
-              <a:rPr lang="en-US" altLang="ko-KR" smtClean="0"/>
+              <a:rPr lang="en-US" altLang="ko-KR"/>
               <a:t>per-method request limits</a:t>
             </a:r>
           </a:p>
           <a:p>
             <a:pPr lvl="2"/>
             <a:r>
-              <a:rPr lang="en-US" altLang="ko-KR" smtClean="0"/>
+              <a:rPr lang="en-US" altLang="ko-KR"/>
               <a:t>two initial buckets available for GET requests: </a:t>
             </a:r>
           </a:p>
           <a:p>
             <a:pPr lvl="3"/>
             <a:r>
-              <a:rPr lang="en-US" altLang="ko-KR" sz="1400" smtClean="0"/>
+              <a:rPr lang="en-US" altLang="ko-KR" sz="1400"/>
               <a:t>15 calls every 15 minutes</a:t>
             </a:r>
           </a:p>
           <a:p>
             <a:pPr lvl="3"/>
             <a:r>
-              <a:rPr lang="en-US" altLang="ko-KR" sz="1400" smtClean="0"/>
+              <a:rPr lang="en-US" altLang="ko-KR" sz="1400"/>
               <a:t>180 calls every 15 minutes</a:t>
             </a:r>
           </a:p>
           <a:p>
             <a:pPr lvl="3"/>
             <a:r>
-              <a:rPr lang="en-US" altLang="ko-KR" sz="1400" smtClean="0"/>
+              <a:rPr lang="en-US" altLang="ko-KR" sz="1400"/>
               <a:t>Details: </a:t>
             </a:r>
             <a:r>
-              <a:rPr lang="en-US" altLang="ko-KR" sz="1400" smtClean="0">
+              <a:rPr lang="en-US" altLang="ko-KR" sz="1400">
                 <a:hlinkClick r:id="rId3"/>
               </a:rPr>
               <a:t>https://dev.twitter.com/docs/rate-limiting/1.1/limits</a:t>
             </a:r>
-            <a:endParaRPr lang="en-US" altLang="ko-KR" smtClean="0"/>
+            <a:endParaRPr lang="en-US" altLang="ko-KR"/>
           </a:p>
           <a:p>
             <a:pPr lvl="1"/>
             <a:r>
-              <a:rPr lang="en-US" altLang="ko-KR" b="1" smtClean="0"/>
+              <a:rPr lang="en-US" altLang="ko-KR" b="1"/>
               <a:t>Three Values related to Rate Limit</a:t>
             </a:r>
           </a:p>
           <a:p>
             <a:pPr lvl="2"/>
             <a:r>
-              <a:rPr lang="en-US" altLang="ko-KR" smtClean="0"/>
+              <a:rPr lang="en-US" altLang="ko-KR"/>
               <a:t>Limit</a:t>
             </a:r>
           </a:p>
           <a:p>
             <a:pPr lvl="3"/>
             <a:r>
-              <a:rPr lang="en-US" altLang="ko-KR" sz="1400" smtClean="0"/>
+              <a:rPr lang="en-US" altLang="ko-KR" sz="1400"/>
               <a:t>the rate limit ceiling for that given request</a:t>
             </a:r>
           </a:p>
           <a:p>
             <a:pPr lvl="2"/>
             <a:r>
-              <a:rPr lang="en-US" altLang="ko-KR" smtClean="0"/>
+              <a:rPr lang="en-US" altLang="ko-KR"/>
               <a:t>Remaining</a:t>
             </a:r>
           </a:p>
           <a:p>
             <a:pPr lvl="3"/>
             <a:r>
-              <a:rPr lang="en-US" altLang="ko-KR" sz="1400" smtClean="0"/>
+              <a:rPr lang="en-US" altLang="ko-KR" sz="1400"/>
               <a:t>the number of requests left for the 15 minute window</a:t>
             </a:r>
           </a:p>
           <a:p>
             <a:pPr lvl="2"/>
             <a:r>
-              <a:rPr lang="en-US" altLang="ko-KR" smtClean="0"/>
+              <a:rPr lang="en-US" altLang="ko-KR"/>
               <a:t>Reset</a:t>
             </a:r>
           </a:p>
           <a:p>
             <a:pPr lvl="3"/>
             <a:r>
-              <a:rPr lang="en-US" altLang="ko-KR" sz="1400" smtClean="0"/>
+              <a:rPr lang="en-US" altLang="ko-KR" sz="1400"/>
               <a:t>the remaining window before the rate limit resets in UTC epoch seconds</a:t>
             </a:r>
-            <a:endParaRPr lang="ko-KR" altLang="en-US" sz="1400" smtClean="0"/>
+            <a:endParaRPr lang="ko-KR" altLang="en-US" sz="1400"/>
           </a:p>
         </p:txBody>
       </p:sp>
@@ -12727,7 +12817,7 @@
           <a:lstStyle/>
           <a:p>
             <a:r>
-              <a:rPr lang="en-US" altLang="ko-KR" sz="2900" smtClean="0"/>
+              <a:rPr lang="en-US" altLang="ko-KR" sz="2900"/>
               <a:t>Read Nodes and Edges from Twitter</a:t>
             </a:r>
           </a:p>
@@ -12754,20 +12844,20 @@
           <a:lstStyle/>
           <a:p>
             <a:r>
-              <a:rPr lang="en-US" altLang="ko-KR" smtClean="0"/>
+              <a:rPr lang="en-US" altLang="ko-KR"/>
               <a:t>My Friends &amp; My Followers</a:t>
             </a:r>
           </a:p>
           <a:p>
             <a:pPr lvl="1"/>
             <a:r>
-              <a:rPr lang="en-US" altLang="ko-KR" smtClean="0"/>
+              <a:rPr lang="en-US" altLang="ko-KR"/>
               <a:t>Fetches my neighbors (ego network)</a:t>
             </a:r>
           </a:p>
           <a:p>
             <a:pPr lvl="1"/>
-            <a:endParaRPr lang="en-US" altLang="ko-KR" smtClean="0"/>
+            <a:endParaRPr lang="en-US" altLang="ko-KR"/>
           </a:p>
         </p:txBody>
       </p:sp>
@@ -13414,13 +13504,6 @@
   <p:clrMapOvr>
     <a:masterClrMapping/>
   </p:clrMapOvr>
-  <p:timing>
-    <p:tnLst>
-      <p:par>
-        <p:cTn id="1" dur="indefinite" restart="never" nodeType="tmRoot"/>
-      </p:par>
-    </p:tnLst>
-  </p:timing>
 </p:sld>
 </file>
 
@@ -13462,10 +13545,10 @@
           <a:lstStyle/>
           <a:p>
             <a:r>
-              <a:rPr lang="en-US" altLang="ko-KR" sz="2900" smtClean="0"/>
+              <a:rPr lang="en-US" altLang="ko-KR" sz="2900"/>
               <a:t>Simple Graph Analysis</a:t>
             </a:r>
-            <a:endParaRPr lang="ko-KR" altLang="en-US" sz="2900" smtClean="0"/>
+            <a:endParaRPr lang="ko-KR" altLang="en-US" sz="2900"/>
           </a:p>
         </p:txBody>
       </p:sp>
@@ -13492,67 +13575,67 @@
           <a:lstStyle/>
           <a:p>
             <a:r>
-              <a:rPr lang="en-US" altLang="ko-KR" dirty="0" smtClean="0"/>
+              <a:rPr lang="en-US" altLang="ko-KR" dirty="0"/>
               <a:t>Let us create a simple graph in figure 1.1</a:t>
             </a:r>
           </a:p>
           <a:p>
-            <a:endParaRPr lang="en-US" altLang="ko-KR" dirty="0" smtClean="0"/>
-          </a:p>
-          <a:p>
-            <a:endParaRPr lang="en-US" altLang="ko-KR" dirty="0" smtClean="0"/>
-          </a:p>
-          <a:p>
-            <a:endParaRPr lang="en-US" altLang="ko-KR" dirty="0" smtClean="0"/>
-          </a:p>
-          <a:p>
-            <a:endParaRPr lang="en-US" altLang="ko-KR" dirty="0" smtClean="0"/>
-          </a:p>
-          <a:p>
-            <a:endParaRPr lang="en-US" altLang="ko-KR" dirty="0" smtClean="0"/>
-          </a:p>
-          <a:p>
-            <a:endParaRPr lang="en-US" altLang="ko-KR" dirty="0" smtClean="0"/>
-          </a:p>
-          <a:p>
-            <a:endParaRPr lang="en-US" altLang="ko-KR" dirty="0" smtClean="0"/>
-          </a:p>
-          <a:p>
-            <a:endParaRPr lang="en-US" altLang="ko-KR" dirty="0" smtClean="0"/>
-          </a:p>
-          <a:p>
-            <a:endParaRPr lang="en-US" altLang="ko-KR" dirty="0" smtClean="0"/>
-          </a:p>
-          <a:p>
-            <a:endParaRPr lang="en-US" altLang="ko-KR" dirty="0" smtClean="0"/>
-          </a:p>
-          <a:p>
-            <a:endParaRPr lang="en-US" altLang="ko-KR" dirty="0" smtClean="0"/>
-          </a:p>
-          <a:p>
-            <a:endParaRPr lang="en-US" altLang="ko-KR" dirty="0" smtClean="0"/>
+            <a:endParaRPr lang="en-US" altLang="ko-KR" dirty="0"/>
+          </a:p>
+          <a:p>
+            <a:endParaRPr lang="en-US" altLang="ko-KR" dirty="0"/>
+          </a:p>
+          <a:p>
+            <a:endParaRPr lang="en-US" altLang="ko-KR" dirty="0"/>
+          </a:p>
+          <a:p>
+            <a:endParaRPr lang="en-US" altLang="ko-KR" dirty="0"/>
+          </a:p>
+          <a:p>
+            <a:endParaRPr lang="en-US" altLang="ko-KR" dirty="0"/>
+          </a:p>
+          <a:p>
+            <a:endParaRPr lang="en-US" altLang="ko-KR" dirty="0"/>
+          </a:p>
+          <a:p>
+            <a:endParaRPr lang="en-US" altLang="ko-KR" dirty="0"/>
+          </a:p>
+          <a:p>
+            <a:endParaRPr lang="en-US" altLang="ko-KR" dirty="0"/>
+          </a:p>
+          <a:p>
+            <a:endParaRPr lang="en-US" altLang="ko-KR" dirty="0"/>
+          </a:p>
+          <a:p>
+            <a:endParaRPr lang="en-US" altLang="ko-KR" dirty="0"/>
+          </a:p>
+          <a:p>
+            <a:endParaRPr lang="en-US" altLang="ko-KR" dirty="0"/>
+          </a:p>
+          <a:p>
+            <a:endParaRPr lang="en-US" altLang="ko-KR" dirty="0"/>
           </a:p>
           <a:p>
             <a:pPr lvl="1"/>
             <a:r>
-              <a:rPr lang="en-US" altLang="ko-KR" dirty="0" err="1" smtClean="0"/>
+              <a:rPr lang="en-US" altLang="ko-KR" dirty="0" err="1"/>
               <a:t>ipython</a:t>
             </a:r>
             <a:r>
-              <a:rPr lang="en-US" altLang="ko-KR" dirty="0" smtClean="0"/>
+              <a:rPr lang="en-US" altLang="ko-KR" dirty="0"/>
               <a:t> </a:t>
             </a:r>
           </a:p>
           <a:p>
             <a:pPr lvl="1"/>
             <a:r>
-              <a:rPr lang="en-US" altLang="ko-KR" dirty="0" smtClean="0"/>
+              <a:rPr lang="en-US" altLang="ko-KR" dirty="0"/>
               <a:t>&gt;&gt;&gt; %run figure1.1.py</a:t>
             </a:r>
           </a:p>
           <a:p>
             <a:pPr lvl="1"/>
-            <a:endParaRPr lang="en-US" altLang="ko-KR" dirty="0" smtClean="0"/>
+            <a:endParaRPr lang="en-US" altLang="ko-KR" dirty="0"/>
           </a:p>
         </p:txBody>
       </p:sp>
@@ -14503,13 +14586,6 @@
   <p:clrMapOvr>
     <a:masterClrMapping/>
   </p:clrMapOvr>
-  <p:timing>
-    <p:tnLst>
-      <p:par>
-        <p:cTn id="1" dur="indefinite" restart="never" nodeType="tmRoot"/>
-      </p:par>
-    </p:tnLst>
-  </p:timing>
 </p:sld>
 </file>
 
@@ -14551,10 +14627,10 @@
           <a:lstStyle/>
           <a:p>
             <a:r>
-              <a:rPr lang="en-US" altLang="ko-KR" sz="2900" smtClean="0"/>
+              <a:rPr lang="en-US" altLang="ko-KR" sz="2900"/>
               <a:t>Simple Graph Analysis</a:t>
             </a:r>
-            <a:endParaRPr lang="ko-KR" altLang="en-US" sz="2900" smtClean="0"/>
+            <a:endParaRPr lang="ko-KR" altLang="en-US" sz="2900"/>
           </a:p>
         </p:txBody>
       </p:sp>
@@ -14581,18 +14657,18 @@
           <a:lstStyle/>
           <a:p>
             <a:r>
-              <a:rPr lang="en-US" altLang="ko-KR" smtClean="0"/>
+              <a:rPr lang="en-US" altLang="ko-KR"/>
               <a:t>Get the information of a graph</a:t>
             </a:r>
           </a:p>
           <a:p>
             <a:pPr lvl="1"/>
             <a:r>
-              <a:rPr lang="en-US" altLang="ko-KR" sz="1600" smtClean="0"/>
+              <a:rPr lang="en-US" altLang="ko-KR" sz="1600"/>
               <a:t>&gt;&gt;&gt; </a:t>
             </a:r>
             <a:r>
-              <a:rPr lang="en-US" altLang="ko-KR" sz="1600" smtClean="0">
+              <a:rPr lang="en-US" altLang="ko-KR" sz="1600">
                 <a:solidFill>
                   <a:srgbClr val="0070C0"/>
                 </a:solidFill>
@@ -14600,11 +14676,11 @@
               <a:t>g.number_of_edges() </a:t>
             </a:r>
             <a:r>
-              <a:rPr lang="en-US" altLang="ko-KR" sz="1600" smtClean="0"/>
+              <a:rPr lang="en-US" altLang="ko-KR" sz="1600"/>
               <a:t>(=</a:t>
             </a:r>
             <a:r>
-              <a:rPr lang="en-US" altLang="ko-KR" sz="1600" smtClean="0">
+              <a:rPr lang="en-US" altLang="ko-KR" sz="1600">
                 <a:solidFill>
                   <a:srgbClr val="0070C0"/>
                 </a:solidFill>
@@ -14612,25 +14688,25 @@
               <a:t>g.size()</a:t>
             </a:r>
             <a:r>
-              <a:rPr lang="en-US" altLang="ko-KR" sz="1600" smtClean="0"/>
+              <a:rPr lang="en-US" altLang="ko-KR" sz="1600"/>
               <a:t>)</a:t>
             </a:r>
           </a:p>
           <a:p>
             <a:pPr lvl="2"/>
             <a:r>
-              <a:rPr lang="en-US" altLang="ko-KR" sz="1400" smtClean="0"/>
+              <a:rPr lang="en-US" altLang="ko-KR" sz="1400"/>
               <a:t>14</a:t>
             </a:r>
           </a:p>
           <a:p>
             <a:pPr lvl="1"/>
             <a:r>
-              <a:rPr lang="en-US" altLang="ko-KR" sz="1600" smtClean="0"/>
+              <a:rPr lang="en-US" altLang="ko-KR" sz="1600"/>
               <a:t>&gt;&gt;&gt; </a:t>
             </a:r>
             <a:r>
-              <a:rPr lang="en-US" altLang="ko-KR" sz="1600" smtClean="0">
+              <a:rPr lang="en-US" altLang="ko-KR" sz="1600">
                 <a:solidFill>
                   <a:srgbClr val="0070C0"/>
                 </a:solidFill>
@@ -14638,11 +14714,11 @@
               <a:t>g.number_of_nodes() </a:t>
             </a:r>
             <a:r>
-              <a:rPr lang="en-US" altLang="ko-KR" sz="1600" smtClean="0"/>
+              <a:rPr lang="en-US" altLang="ko-KR" sz="1600"/>
               <a:t>(=</a:t>
             </a:r>
             <a:r>
-              <a:rPr lang="en-US" altLang="ko-KR" sz="1600" smtClean="0">
+              <a:rPr lang="en-US" altLang="ko-KR" sz="1600">
                 <a:solidFill>
                   <a:srgbClr val="0070C0"/>
                 </a:solidFill>
@@ -14650,25 +14726,25 @@
               <a:t>len(g)</a:t>
             </a:r>
             <a:r>
-              <a:rPr lang="en-US" altLang="ko-KR" sz="1600" smtClean="0"/>
+              <a:rPr lang="en-US" altLang="ko-KR" sz="1600"/>
               <a:t>)</a:t>
             </a:r>
           </a:p>
           <a:p>
             <a:pPr lvl="2"/>
             <a:r>
-              <a:rPr lang="en-US" altLang="ko-KR" sz="1400" smtClean="0"/>
+              <a:rPr lang="en-US" altLang="ko-KR" sz="1400"/>
               <a:t>9</a:t>
             </a:r>
           </a:p>
           <a:p>
             <a:pPr lvl="1"/>
             <a:r>
-              <a:rPr lang="en-US" altLang="ko-KR" sz="1600" smtClean="0"/>
+              <a:rPr lang="en-US" altLang="ko-KR" sz="1600"/>
               <a:t>&gt;&gt;&gt; </a:t>
             </a:r>
             <a:r>
-              <a:rPr lang="en-US" altLang="ko-KR" sz="1600" smtClean="0">
+              <a:rPr lang="en-US" altLang="ko-KR" sz="1600">
                 <a:solidFill>
                   <a:srgbClr val="0070C0"/>
                 </a:solidFill>
@@ -14679,18 +14755,18 @@
           <a:p>
             <a:pPr lvl="2"/>
             <a:r>
-              <a:rPr lang="en-US" altLang="ko-KR" sz="1400" smtClean="0"/>
+              <a:rPr lang="en-US" altLang="ko-KR" sz="1400"/>
               <a:t>False</a:t>
             </a:r>
           </a:p>
           <a:p>
             <a:pPr lvl="1"/>
             <a:r>
-              <a:rPr lang="en-US" altLang="ko-KR" sz="1600" smtClean="0"/>
+              <a:rPr lang="en-US" altLang="ko-KR" sz="1600"/>
               <a:t>&gt;&gt;&gt; </a:t>
             </a:r>
             <a:r>
-              <a:rPr lang="en-US" altLang="ko-KR" sz="1600" smtClean="0">
+              <a:rPr lang="en-US" altLang="ko-KR" sz="1600">
                 <a:solidFill>
                   <a:srgbClr val="0070C0"/>
                 </a:solidFill>
@@ -14701,18 +14777,18 @@
           <a:p>
             <a:pPr lvl="2"/>
             <a:r>
-              <a:rPr lang="en-US" altLang="ko-KR" sz="1400" smtClean="0"/>
+              <a:rPr lang="en-US" altLang="ko-KR" sz="1400"/>
               <a:t>False</a:t>
             </a:r>
           </a:p>
           <a:p>
             <a:pPr lvl="1"/>
             <a:r>
-              <a:rPr lang="en-US" altLang="ko-KR" sz="1600" smtClean="0"/>
+              <a:rPr lang="en-US" altLang="ko-KR" sz="1600"/>
               <a:t>&gt;&gt;&gt; </a:t>
             </a:r>
             <a:r>
-              <a:rPr lang="en-US" altLang="ko-KR" sz="1600" smtClean="0">
+              <a:rPr lang="en-US" altLang="ko-KR" sz="1600">
                 <a:solidFill>
                   <a:srgbClr val="0070C0"/>
                 </a:solidFill>
@@ -14723,18 +14799,18 @@
           <a:p>
             <a:pPr lvl="2"/>
             <a:r>
-              <a:rPr lang="en-US" altLang="ko-KR" sz="1400" smtClean="0"/>
+              <a:rPr lang="en-US" altLang="ko-KR" sz="1400"/>
               <a:t>True</a:t>
             </a:r>
           </a:p>
           <a:p>
             <a:pPr lvl="1"/>
             <a:r>
-              <a:rPr lang="en-US" altLang="ko-KR" sz="1600" smtClean="0"/>
+              <a:rPr lang="en-US" altLang="ko-KR" sz="1600"/>
               <a:t>&gt;&gt;&gt; </a:t>
             </a:r>
             <a:r>
-              <a:rPr lang="en-US" altLang="ko-KR" sz="1600" smtClean="0">
+              <a:rPr lang="en-US" altLang="ko-KR" sz="1600">
                 <a:solidFill>
                   <a:srgbClr val="0070C0"/>
                 </a:solidFill>
@@ -14745,18 +14821,18 @@
           <a:p>
             <a:pPr lvl="2"/>
             <a:r>
-              <a:rPr lang="en-US" altLang="ko-KR" sz="1400" smtClean="0"/>
+              <a:rPr lang="en-US" altLang="ko-KR" sz="1400"/>
               <a:t>False</a:t>
             </a:r>
           </a:p>
           <a:p>
             <a:pPr lvl="1"/>
             <a:r>
-              <a:rPr lang="en-US" altLang="ko-KR" sz="1600" smtClean="0"/>
+              <a:rPr lang="en-US" altLang="ko-KR" sz="1600"/>
               <a:t>&gt;&gt;&gt; </a:t>
             </a:r>
             <a:r>
-              <a:rPr lang="en-US" altLang="ko-KR" sz="1600" smtClean="0">
+              <a:rPr lang="en-US" altLang="ko-KR" sz="1600">
                 <a:solidFill>
                   <a:srgbClr val="0070C0"/>
                 </a:solidFill>
@@ -14767,18 +14843,18 @@
           <a:p>
             <a:pPr lvl="2"/>
             <a:r>
-              <a:rPr lang="en-US" altLang="ko-KR" sz="1400" smtClean="0"/>
+              <a:rPr lang="en-US" altLang="ko-KR" sz="1400"/>
               <a:t>True</a:t>
             </a:r>
           </a:p>
           <a:p>
             <a:pPr lvl="1"/>
             <a:r>
-              <a:rPr lang="en-US" altLang="ko-KR" sz="1600" smtClean="0"/>
+              <a:rPr lang="en-US" altLang="ko-KR" sz="1600"/>
               <a:t>&gt;&gt;&gt; </a:t>
             </a:r>
             <a:r>
-              <a:rPr lang="en-US" altLang="ko-KR" sz="1600" smtClean="0">
+              <a:rPr lang="en-US" altLang="ko-KR" sz="1600">
                 <a:solidFill>
                   <a:srgbClr val="0070C0"/>
                 </a:solidFill>
@@ -14789,18 +14865,18 @@
           <a:p>
             <a:pPr lvl="2"/>
             <a:r>
-              <a:rPr lang="en-US" altLang="ko-KR" sz="1400" smtClean="0"/>
+              <a:rPr lang="en-US" altLang="ko-KR" sz="1400"/>
               <a:t>False</a:t>
             </a:r>
           </a:p>
           <a:p>
             <a:pPr lvl="1"/>
             <a:r>
-              <a:rPr lang="en-US" altLang="ko-KR" sz="1600" smtClean="0"/>
+              <a:rPr lang="en-US" altLang="ko-KR" sz="1600"/>
               <a:t>&gt;&gt;&gt; </a:t>
             </a:r>
             <a:r>
-              <a:rPr lang="en-US" altLang="ko-KR" sz="1600" smtClean="0">
+              <a:rPr lang="en-US" altLang="ko-KR" sz="1600">
                 <a:solidFill>
                   <a:srgbClr val="0070C0"/>
                 </a:solidFill>
@@ -14811,17 +14887,17 @@
           <a:p>
             <a:pPr lvl="2"/>
             <a:r>
-              <a:rPr lang="en-US" altLang="ko-KR" sz="1400" smtClean="0"/>
+              <a:rPr lang="en-US" altLang="ko-KR" sz="1400"/>
               <a:t>[1, 2, 3, 4, 5, 6, 7, 8, 9]</a:t>
             </a:r>
           </a:p>
           <a:p>
             <a:pPr lvl="1"/>
-            <a:endParaRPr lang="en-US" altLang="ko-KR" sz="1600" smtClean="0"/>
+            <a:endParaRPr lang="en-US" altLang="ko-KR" sz="1600"/>
           </a:p>
           <a:p>
             <a:pPr lvl="1"/>
-            <a:endParaRPr lang="en-US" altLang="ko-KR" sz="1600" smtClean="0"/>
+            <a:endParaRPr lang="en-US" altLang="ko-KR" sz="1600"/>
           </a:p>
         </p:txBody>
       </p:sp>
@@ -15353,13 +15429,6 @@
   <p:clrMapOvr>
     <a:masterClrMapping/>
   </p:clrMapOvr>
-  <p:timing>
-    <p:tnLst>
-      <p:par>
-        <p:cTn id="1" dur="indefinite" restart="never" nodeType="tmRoot"/>
-      </p:par>
-    </p:tnLst>
-  </p:timing>
 </p:sld>
 </file>
 
@@ -15401,10 +15470,10 @@
           <a:lstStyle/>
           <a:p>
             <a:r>
-              <a:rPr lang="en-US" altLang="ko-KR" sz="2900" smtClean="0"/>
+              <a:rPr lang="en-US" altLang="ko-KR" sz="2900"/>
               <a:t>Simple Graph Analysis</a:t>
             </a:r>
-            <a:endParaRPr lang="ko-KR" altLang="en-US" sz="2900" smtClean="0"/>
+            <a:endParaRPr lang="ko-KR" altLang="en-US" sz="2900"/>
           </a:p>
         </p:txBody>
       </p:sp>
@@ -15431,18 +15500,18 @@
           <a:lstStyle/>
           <a:p>
             <a:r>
-              <a:rPr lang="en-US" altLang="ko-KR" smtClean="0"/>
+              <a:rPr lang="en-US" altLang="ko-KR"/>
               <a:t>Get the information of a graph (cont.)</a:t>
             </a:r>
           </a:p>
           <a:p>
             <a:pPr lvl="1"/>
             <a:r>
-              <a:rPr lang="en-US" altLang="ko-KR" smtClean="0"/>
+              <a:rPr lang="en-US" altLang="ko-KR"/>
               <a:t>&gt;&gt;&gt; </a:t>
             </a:r>
             <a:r>
-              <a:rPr lang="en-US" altLang="ko-KR" smtClean="0">
+              <a:rPr lang="en-US" altLang="ko-KR">
                 <a:solidFill>
                   <a:srgbClr val="0070C0"/>
                 </a:solidFill>
@@ -15453,11 +15522,11 @@
           <a:p>
             <a:pPr lvl="1"/>
             <a:r>
-              <a:rPr lang="en-US" altLang="ko-KR" smtClean="0"/>
+              <a:rPr lang="en-US" altLang="ko-KR"/>
               <a:t>&gt;&gt;&gt; </a:t>
             </a:r>
             <a:r>
-              <a:rPr lang="en-US" altLang="ko-KR" smtClean="0">
+              <a:rPr lang="en-US" altLang="ko-KR">
                 <a:solidFill>
                   <a:srgbClr val="0070C0"/>
                 </a:solidFill>
@@ -15468,18 +15537,18 @@
           <a:p>
             <a:pPr lvl="2"/>
             <a:r>
-              <a:rPr lang="en-US" altLang="ko-KR" smtClean="0"/>
+              <a:rPr lang="en-US" altLang="ko-KR"/>
               <a:t>[8, 4, 6, 7]</a:t>
             </a:r>
           </a:p>
           <a:p>
             <a:pPr lvl="1"/>
             <a:r>
-              <a:rPr lang="en-US" altLang="ko-KR" smtClean="0"/>
+              <a:rPr lang="en-US" altLang="ko-KR"/>
               <a:t>&gt;&gt;&gt; </a:t>
             </a:r>
             <a:r>
-              <a:rPr lang="en-US" altLang="ko-KR" smtClean="0">
+              <a:rPr lang="en-US" altLang="ko-KR">
                 <a:solidFill>
                   <a:srgbClr val="0070C0"/>
                 </a:solidFill>
@@ -15489,22 +15558,22 @@
           </a:p>
           <a:p>
             <a:pPr lvl="1"/>
-            <a:endParaRPr lang="en-US" altLang="ko-KR" smtClean="0"/>
-          </a:p>
-          <a:p>
-            <a:r>
-              <a:rPr lang="en-US" altLang="ko-KR" smtClean="0"/>
+            <a:endParaRPr lang="en-US" altLang="ko-KR"/>
+          </a:p>
+          <a:p>
+            <a:r>
+              <a:rPr lang="en-US" altLang="ko-KR"/>
               <a:t>Get the degree of a node</a:t>
             </a:r>
           </a:p>
           <a:p>
             <a:pPr lvl="1"/>
             <a:r>
-              <a:rPr lang="en-US" altLang="ko-KR" smtClean="0"/>
+              <a:rPr lang="en-US" altLang="ko-KR"/>
               <a:t>&gt;&gt;&gt; </a:t>
             </a:r>
             <a:r>
-              <a:rPr lang="en-US" altLang="ko-KR" smtClean="0">
+              <a:rPr lang="en-US" altLang="ko-KR">
                 <a:solidFill>
                   <a:srgbClr val="0070C0"/>
                 </a:solidFill>
@@ -15515,18 +15584,18 @@
           <a:p>
             <a:pPr lvl="2"/>
             <a:r>
-              <a:rPr lang="en-US" altLang="ko-KR" smtClean="0"/>
+              <a:rPr lang="en-US" altLang="ko-KR"/>
               <a:t>3</a:t>
             </a:r>
           </a:p>
           <a:p>
             <a:pPr lvl="1"/>
             <a:r>
-              <a:rPr lang="en-US" altLang="ko-KR" smtClean="0"/>
+              <a:rPr lang="en-US" altLang="ko-KR"/>
               <a:t>&gt;&gt;&gt; </a:t>
             </a:r>
             <a:r>
-              <a:rPr lang="en-US" altLang="ko-KR" smtClean="0">
+              <a:rPr lang="en-US" altLang="ko-KR">
                 <a:solidFill>
                   <a:srgbClr val="0070C0"/>
                 </a:solidFill>
@@ -15537,18 +15606,18 @@
           <a:p>
             <a:pPr lvl="2"/>
             <a:r>
-              <a:rPr lang="en-US" altLang="ko-KR" smtClean="0"/>
+              <a:rPr lang="en-US" altLang="ko-KR"/>
               <a:t>{1: 3, 2: 2, 3: 3}</a:t>
             </a:r>
           </a:p>
           <a:p>
             <a:pPr lvl="1"/>
             <a:r>
-              <a:rPr lang="en-US" altLang="ko-KR" smtClean="0"/>
+              <a:rPr lang="en-US" altLang="ko-KR"/>
               <a:t>&gt;&gt;&gt; </a:t>
             </a:r>
             <a:r>
-              <a:rPr lang="en-US" altLang="ko-KR" smtClean="0">
+              <a:rPr lang="en-US" altLang="ko-KR">
                 <a:solidFill>
                   <a:srgbClr val="0070C0"/>
                 </a:solidFill>
@@ -15559,18 +15628,18 @@
           <a:p>
             <a:pPr lvl="2"/>
             <a:r>
-              <a:rPr lang="en-US" altLang="ko-KR" smtClean="0"/>
+              <a:rPr lang="en-US" altLang="ko-KR"/>
               <a:t>{1: 3, 2: 2, 3: 3, 4: 4, 5: 4, 6: 4, 7: 4, 8: 3, 9: 1}</a:t>
             </a:r>
           </a:p>
           <a:p>
             <a:pPr lvl="1"/>
             <a:r>
-              <a:rPr lang="en-US" altLang="ko-KR" smtClean="0"/>
+              <a:rPr lang="en-US" altLang="ko-KR"/>
               <a:t>&gt;&gt;&gt; </a:t>
             </a:r>
             <a:r>
-              <a:rPr lang="en-US" altLang="ko-KR" smtClean="0">
+              <a:rPr lang="en-US" altLang="ko-KR">
                 <a:solidFill>
                   <a:srgbClr val="0070C0"/>
                 </a:solidFill>
@@ -15581,18 +15650,18 @@
           <a:p>
             <a:pPr lvl="2"/>
             <a:r>
-              <a:rPr lang="en-US" altLang="ko-KR" smtClean="0"/>
+              <a:rPr lang="en-US" altLang="ko-KR"/>
               <a:t>[1, 2, 3, 4, 5, 6, 7, 8, 9]</a:t>
             </a:r>
           </a:p>
           <a:p>
             <a:pPr lvl="1"/>
             <a:r>
-              <a:rPr lang="en-US" altLang="ko-KR" smtClean="0"/>
+              <a:rPr lang="en-US" altLang="ko-KR"/>
               <a:t>&gt;&gt;&gt; </a:t>
             </a:r>
             <a:r>
-              <a:rPr lang="en-US" altLang="ko-KR" smtClean="0">
+              <a:rPr lang="en-US" altLang="ko-KR">
                 <a:solidFill>
                   <a:srgbClr val="0070C0"/>
                 </a:solidFill>
@@ -15603,17 +15672,17 @@
           <a:p>
             <a:pPr lvl="2"/>
             <a:r>
-              <a:rPr lang="en-US" altLang="ko-KR" smtClean="0"/>
+              <a:rPr lang="en-US" altLang="ko-KR"/>
               <a:t>[1, 2, 3, 3, 3, 4, 4, 4, 4]</a:t>
             </a:r>
           </a:p>
           <a:p>
             <a:pPr lvl="1"/>
-            <a:endParaRPr lang="en-US" altLang="ko-KR" smtClean="0"/>
+            <a:endParaRPr lang="en-US" altLang="ko-KR"/>
           </a:p>
           <a:p>
             <a:pPr lvl="1"/>
-            <a:endParaRPr lang="en-US" altLang="ko-KR" smtClean="0"/>
+            <a:endParaRPr lang="en-US" altLang="ko-KR"/>
           </a:p>
         </p:txBody>
       </p:sp>
@@ -15989,13 +16058,6 @@
   <p:clrMapOvr>
     <a:masterClrMapping/>
   </p:clrMapOvr>
-  <p:timing>
-    <p:tnLst>
-      <p:par>
-        <p:cTn id="1" dur="indefinite" restart="never" nodeType="tmRoot"/>
-      </p:par>
-    </p:tnLst>
-  </p:timing>
 </p:sld>
 </file>
 
@@ -16037,10 +16099,10 @@
           <a:lstStyle/>
           <a:p>
             <a:r>
-              <a:rPr lang="en-US" altLang="ko-KR" sz="2900" smtClean="0"/>
+              <a:rPr lang="en-US" altLang="ko-KR" sz="2900"/>
               <a:t>Simple Graph Analysis</a:t>
             </a:r>
-            <a:endParaRPr lang="ko-KR" altLang="en-US" sz="2900" smtClean="0"/>
+            <a:endParaRPr lang="ko-KR" altLang="en-US" sz="2900"/>
           </a:p>
         </p:txBody>
       </p:sp>
@@ -16067,70 +16129,83 @@
           <a:lstStyle/>
           <a:p>
             <a:r>
-              <a:rPr lang="en-US" altLang="ko-KR" smtClean="0"/>
+              <a:rPr lang="en-US" altLang="ko-KR" dirty="0"/>
               <a:t>Attribute</a:t>
             </a:r>
           </a:p>
           <a:p>
             <a:pPr lvl="1"/>
             <a:r>
-              <a:rPr lang="en-US" altLang="ko-KR" smtClean="0"/>
+              <a:rPr lang="en-US" altLang="ko-KR" dirty="0"/>
               <a:t>Graph Attributes</a:t>
             </a:r>
           </a:p>
           <a:p>
             <a:pPr lvl="2"/>
             <a:r>
-              <a:rPr lang="en-US" altLang="ko-KR" smtClean="0"/>
+              <a:rPr lang="en-US" altLang="ko-KR" dirty="0"/>
               <a:t>&gt;&gt;&gt; </a:t>
             </a:r>
             <a:r>
-              <a:rPr lang="en-US" altLang="ko-KR" smtClean="0">
+              <a:rPr lang="en-US" altLang="ko-KR" dirty="0" err="1">
                 <a:solidFill>
                   <a:srgbClr val="376092"/>
                 </a:solidFill>
               </a:rPr>
               <a:t>g.graph</a:t>
             </a:r>
+            <a:endParaRPr lang="en-US" altLang="ko-KR" dirty="0">
+              <a:solidFill>
+                <a:srgbClr val="376092"/>
+              </a:solidFill>
+            </a:endParaRPr>
           </a:p>
           <a:p>
             <a:pPr lvl="3"/>
             <a:r>
-              <a:rPr lang="en-US" altLang="ko-KR" smtClean="0"/>
+              <a:rPr lang="en-US" altLang="ko-KR" dirty="0"/>
               <a:t>{}</a:t>
             </a:r>
           </a:p>
           <a:p>
             <a:pPr lvl="2"/>
             <a:r>
-              <a:rPr lang="en-US" altLang="ko-KR" smtClean="0"/>
+              <a:rPr lang="en-US" altLang="ko-KR" dirty="0"/>
               <a:t>&gt;&gt;&gt; </a:t>
             </a:r>
             <a:r>
-              <a:rPr lang="en-US" altLang="ko-KR" smtClean="0">
+              <a:rPr lang="en-US" altLang="ko-KR" dirty="0" err="1">
                 <a:solidFill>
                   <a:srgbClr val="0070C0"/>
                 </a:solidFill>
               </a:rPr>
-              <a:t>g.graph['caption']='Figure1.1. Simple Graph'</a:t>
-            </a:r>
-            <a:r>
-              <a:rPr lang="en-US" altLang="ko-KR" smtClean="0"/>
+              <a:t>g.graph</a:t>
+            </a:r>
+            <a:r>
+              <a:rPr lang="en-US" altLang="ko-KR" dirty="0">
+                <a:solidFill>
+                  <a:srgbClr val="0070C0"/>
+                </a:solidFill>
+              </a:rPr>
+              <a:t>['caption']='Figure1.1. Simple Graph'</a:t>
+            </a:r>
+            <a:r>
+              <a:rPr lang="en-US" altLang="ko-KR" dirty="0"/>
               <a:t> </a:t>
             </a:r>
           </a:p>
           <a:p>
             <a:pPr lvl="2"/>
             <a:r>
-              <a:rPr lang="en-US" altLang="ko-KR" smtClean="0"/>
+              <a:rPr lang="en-US" altLang="ko-KR" dirty="0"/>
               <a:t>&gt;&gt;&gt;</a:t>
             </a:r>
             <a:r>
-              <a:rPr lang="en-US" altLang="ko-KR" b="1" smtClean="0"/>
+              <a:rPr lang="en-US" altLang="ko-KR" b="1" dirty="0"/>
               <a:t> </a:t>
             </a:r>
             <a:r>
-              <a:rPr lang="en-US" altLang="ko-KR" smtClean="0">
+              <a:rPr lang="en-US" altLang="ko-KR" dirty="0" err="1">
                 <a:solidFill>
                   <a:srgbClr val="0070C0"/>
                 </a:solidFill>
@@ -16138,118 +16213,158 @@
               <a:t>g.graph</a:t>
             </a:r>
             <a:r>
-              <a:rPr lang="en-US" altLang="ko-KR" smtClean="0"/>
+              <a:rPr lang="en-US" altLang="ko-KR" dirty="0"/>
               <a:t> </a:t>
             </a:r>
           </a:p>
           <a:p>
             <a:pPr lvl="3"/>
             <a:r>
-              <a:rPr lang="en-US" altLang="ko-KR" sz="1400" smtClean="0"/>
+              <a:rPr lang="en-US" altLang="ko-KR" sz="1400" dirty="0"/>
               <a:t>{'caption': 'Figure1.1. Simple Graph'}</a:t>
             </a:r>
           </a:p>
           <a:p>
             <a:pPr lvl="1"/>
-            <a:endParaRPr lang="en-US" altLang="ko-KR" smtClean="0"/>
+            <a:endParaRPr lang="en-US" altLang="ko-KR" dirty="0"/>
           </a:p>
           <a:p>
             <a:pPr lvl="1"/>
             <a:r>
-              <a:rPr lang="en-US" altLang="ko-KR" smtClean="0"/>
+              <a:rPr lang="en-US" altLang="ko-KR" dirty="0"/>
               <a:t>Node Attributes</a:t>
             </a:r>
           </a:p>
           <a:p>
             <a:pPr lvl="2"/>
             <a:r>
-              <a:rPr lang="en-US" altLang="ko-KR" smtClean="0"/>
+              <a:rPr lang="en-US" altLang="ko-KR" dirty="0"/>
               <a:t>&gt;&gt;&gt; </a:t>
             </a:r>
             <a:r>
-              <a:rPr lang="en-US" altLang="ko-KR" smtClean="0">
+              <a:rPr lang="en-US" altLang="ko-KR" dirty="0" err="1">
                 <a:solidFill>
                   <a:srgbClr val="0070C0"/>
                 </a:solidFill>
               </a:rPr>
-              <a:t>g.add_node(1, time='5pm')</a:t>
+              <a:t>g.add_node</a:t>
+            </a:r>
+            <a:r>
+              <a:rPr lang="en-US" altLang="ko-KR" dirty="0">
+                <a:solidFill>
+                  <a:srgbClr val="0070C0"/>
+                </a:solidFill>
+              </a:rPr>
+              <a:t>(1, time='5pm')</a:t>
             </a:r>
           </a:p>
           <a:p>
             <a:pPr lvl="2"/>
             <a:r>
-              <a:rPr lang="en-US" altLang="ko-KR" smtClean="0"/>
+              <a:rPr lang="en-US" altLang="ko-KR" dirty="0"/>
               <a:t>&gt;&gt;&gt; </a:t>
             </a:r>
             <a:r>
-              <a:rPr lang="en-US" altLang="ko-KR" smtClean="0">
+              <a:rPr lang="en-US" altLang="ko-KR" dirty="0" err="1">
                 <a:solidFill>
                   <a:srgbClr val="0070C0"/>
                 </a:solidFill>
               </a:rPr>
-              <a:t>g.add_nodes_from([3,4], time='2pm')</a:t>
+              <a:t>g.add_nodes_from</a:t>
+            </a:r>
+            <a:r>
+              <a:rPr lang="en-US" altLang="ko-KR" dirty="0">
+                <a:solidFill>
+                  <a:srgbClr val="0070C0"/>
+                </a:solidFill>
+              </a:rPr>
+              <a:t>([3,4], time='2pm')</a:t>
             </a:r>
           </a:p>
           <a:p>
             <a:pPr lvl="2"/>
             <a:r>
-              <a:rPr lang="en-US" altLang="ko-KR" smtClean="0"/>
+              <a:rPr lang="en-US" altLang="ko-KR" dirty="0"/>
               <a:t>&gt;&gt;&gt; </a:t>
             </a:r>
             <a:r>
-              <a:rPr lang="en-US" altLang="ko-KR" smtClean="0">
+              <a:rPr lang="en-US" altLang="ko-KR" dirty="0" err="1">
                 <a:solidFill>
                   <a:srgbClr val="0070C0"/>
                 </a:solidFill>
               </a:rPr>
-              <a:t>g.node[1]</a:t>
+              <a:t>g.node</a:t>
+            </a:r>
+            <a:r>
+              <a:rPr lang="en-US" altLang="ko-KR" dirty="0">
+                <a:solidFill>
+                  <a:srgbClr val="0070C0"/>
+                </a:solidFill>
+              </a:rPr>
+              <a:t>[1]</a:t>
             </a:r>
           </a:p>
           <a:p>
             <a:pPr lvl="3"/>
             <a:r>
-              <a:rPr lang="en-US" altLang="ko-KR" sz="1400" smtClean="0"/>
+              <a:rPr lang="en-US" altLang="ko-KR" sz="1400" dirty="0"/>
               <a:t>{'time': '5pm'}</a:t>
             </a:r>
-            <a:endParaRPr lang="en-US" altLang="ko-KR" smtClean="0"/>
+            <a:endParaRPr lang="en-US" altLang="ko-KR" dirty="0"/>
           </a:p>
           <a:p>
             <a:pPr lvl="2"/>
             <a:r>
-              <a:rPr lang="en-US" altLang="ko-KR" smtClean="0"/>
+              <a:rPr lang="en-US" altLang="ko-KR" dirty="0"/>
               <a:t>&gt;&gt;&gt; </a:t>
             </a:r>
             <a:r>
-              <a:rPr lang="en-US" altLang="ko-KR" smtClean="0">
+              <a:rPr lang="en-US" altLang="ko-KR" dirty="0" err="1">
                 <a:solidFill>
                   <a:srgbClr val="0070C0"/>
                 </a:solidFill>
               </a:rPr>
-              <a:t>g.node[1]['room'] = 714</a:t>
+              <a:t>g.node</a:t>
+            </a:r>
+            <a:r>
+              <a:rPr lang="en-US" altLang="ko-KR" dirty="0">
+                <a:solidFill>
+                  <a:srgbClr val="0070C0"/>
+                </a:solidFill>
+              </a:rPr>
+              <a:t>[1]['room'] = 714</a:t>
             </a:r>
           </a:p>
           <a:p>
             <a:pPr lvl="2"/>
             <a:r>
-              <a:rPr lang="en-US" altLang="ko-KR" smtClean="0"/>
+              <a:rPr lang="en-US" altLang="ko-KR" dirty="0"/>
               <a:t>&gt;&gt;&gt; </a:t>
             </a:r>
             <a:r>
-              <a:rPr lang="en-US" altLang="ko-KR" smtClean="0">
+              <a:rPr lang="en-US" altLang="ko-KR" dirty="0" err="1">
                 <a:solidFill>
                   <a:srgbClr val="0070C0"/>
                 </a:solidFill>
               </a:rPr>
-              <a:t>g.nodes(data=True)</a:t>
+              <a:t>g.nodes</a:t>
+            </a:r>
+            <a:r>
+              <a:rPr lang="en-US" altLang="ko-KR" dirty="0">
+                <a:solidFill>
+                  <a:srgbClr val="0070C0"/>
+                </a:solidFill>
+              </a:rPr>
+              <a:t>(data=True)</a:t>
             </a:r>
           </a:p>
           <a:p>
             <a:pPr lvl="3"/>
             <a:r>
-              <a:rPr lang="en-US" altLang="ko-KR" sz="1400" smtClean="0"/>
+              <a:rPr lang="en-US" altLang="ko-KR" sz="1400" dirty="0"/>
               <a:t>[(1, {'room': 714, 'time': '5pm'}), (2, {}), (3, {'time': '2pm'}), (4, {'time': '2pm'}), (5, {}), (6, {}), (7, {}), (8, {}), (9, {})]</a:t>
             </a:r>
-            <a:endParaRPr lang="en-US" altLang="ko-KR" smtClean="0"/>
+            <a:endParaRPr lang="en-US" altLang="ko-KR" dirty="0"/>
           </a:p>
         </p:txBody>
       </p:sp>
@@ -16427,13 +16542,6 @@
   <p:clrMapOvr>
     <a:masterClrMapping/>
   </p:clrMapOvr>
-  <p:timing>
-    <p:tnLst>
-      <p:par>
-        <p:cTn id="1" dur="indefinite" restart="never" nodeType="tmRoot"/>
-      </p:par>
-    </p:tnLst>
-  </p:timing>
 </p:sld>
 </file>
 
@@ -16475,10 +16583,10 @@
           <a:lstStyle/>
           <a:p>
             <a:r>
-              <a:rPr lang="en-US" altLang="ko-KR" sz="2900" smtClean="0"/>
+              <a:rPr lang="en-US" altLang="ko-KR" sz="2900"/>
               <a:t>Simple Graph Analysis</a:t>
             </a:r>
-            <a:endParaRPr lang="ko-KR" altLang="en-US" sz="2900" smtClean="0"/>
+            <a:endParaRPr lang="ko-KR" altLang="en-US" sz="2900"/>
           </a:p>
         </p:txBody>
       </p:sp>
@@ -16503,25 +16611,25 @@
           <a:lstStyle/>
           <a:p>
             <a:r>
-              <a:rPr lang="en-US" altLang="ko-KR" smtClean="0"/>
+              <a:rPr lang="en-US" altLang="ko-KR"/>
               <a:t>Attribute</a:t>
             </a:r>
           </a:p>
           <a:p>
             <a:pPr lvl="1"/>
             <a:r>
-              <a:rPr lang="en-US" altLang="ko-KR" smtClean="0"/>
+              <a:rPr lang="en-US" altLang="ko-KR"/>
               <a:t>Edge Attributes</a:t>
             </a:r>
           </a:p>
           <a:p>
             <a:pPr lvl="2"/>
             <a:r>
-              <a:rPr lang="en-US" altLang="ko-KR" smtClean="0"/>
+              <a:rPr lang="en-US" altLang="ko-KR"/>
               <a:t>&gt;&gt;&gt; </a:t>
             </a:r>
             <a:r>
-              <a:rPr lang="en-US" altLang="ko-KR" smtClean="0">
+              <a:rPr lang="en-US" altLang="ko-KR">
                 <a:solidFill>
                   <a:srgbClr val="0070C0"/>
                 </a:solidFill>
@@ -16529,18 +16637,18 @@
               <a:t>g.add_edge(1, 2, weight=4.7)</a:t>
             </a:r>
             <a:r>
-              <a:rPr lang="en-US" altLang="ko-KR" smtClean="0"/>
+              <a:rPr lang="en-US" altLang="ko-KR"/>
               <a:t> </a:t>
             </a:r>
           </a:p>
           <a:p>
             <a:pPr lvl="2"/>
             <a:r>
-              <a:rPr lang="en-US" altLang="ko-KR" smtClean="0"/>
+              <a:rPr lang="en-US" altLang="ko-KR"/>
               <a:t>&gt;&gt;&gt; </a:t>
             </a:r>
             <a:r>
-              <a:rPr lang="en-US" altLang="ko-KR" smtClean="0">
+              <a:rPr lang="en-US" altLang="ko-KR">
                 <a:solidFill>
                   <a:srgbClr val="0070C0"/>
                 </a:solidFill>
@@ -16548,18 +16656,18 @@
               <a:t>g.add_edges_from([(3, 4),(4, 5)], color='red')</a:t>
             </a:r>
             <a:r>
-              <a:rPr lang="en-US" altLang="ko-KR" smtClean="0"/>
+              <a:rPr lang="en-US" altLang="ko-KR"/>
               <a:t> </a:t>
             </a:r>
           </a:p>
           <a:p>
             <a:pPr lvl="2"/>
             <a:r>
-              <a:rPr lang="en-US" altLang="ko-KR" smtClean="0"/>
+              <a:rPr lang="en-US" altLang="ko-KR"/>
               <a:t>&gt;&gt;&gt; </a:t>
             </a:r>
             <a:r>
-              <a:rPr lang="en-US" altLang="ko-KR" smtClean="0">
+              <a:rPr lang="en-US" altLang="ko-KR">
                 <a:solidFill>
                   <a:srgbClr val="0070C0"/>
                 </a:solidFill>
@@ -16567,18 +16675,18 @@
               <a:t>g.add_edges_from([(1, 2, {'color':'blue'}), (2, 3, {'weight':8})])</a:t>
             </a:r>
             <a:r>
-              <a:rPr lang="en-US" altLang="ko-KR" smtClean="0"/>
+              <a:rPr lang="en-US" altLang="ko-KR"/>
               <a:t> </a:t>
             </a:r>
           </a:p>
           <a:p>
             <a:pPr lvl="2"/>
             <a:r>
-              <a:rPr lang="en-US" altLang="ko-KR" smtClean="0"/>
+              <a:rPr lang="en-US" altLang="ko-KR"/>
               <a:t>&gt;&gt;&gt; </a:t>
             </a:r>
             <a:r>
-              <a:rPr lang="en-US" altLang="ko-KR" smtClean="0">
+              <a:rPr lang="en-US" altLang="ko-KR">
                 <a:solidFill>
                   <a:srgbClr val="0070C0"/>
                 </a:solidFill>
@@ -16586,18 +16694,18 @@
               <a:t>g[1][2]['weight'] = 5.7</a:t>
             </a:r>
             <a:r>
-              <a:rPr lang="en-US" altLang="ko-KR" smtClean="0"/>
+              <a:rPr lang="en-US" altLang="ko-KR"/>
               <a:t> </a:t>
             </a:r>
           </a:p>
           <a:p>
             <a:pPr lvl="2"/>
             <a:r>
-              <a:rPr lang="en-US" altLang="ko-KR" smtClean="0"/>
+              <a:rPr lang="en-US" altLang="ko-KR"/>
               <a:t>&gt;&gt;&gt; </a:t>
             </a:r>
             <a:r>
-              <a:rPr lang="en-US" altLang="ko-KR" smtClean="0">
+              <a:rPr lang="en-US" altLang="ko-KR">
                 <a:solidFill>
                   <a:srgbClr val="0070C0"/>
                 </a:solidFill>
@@ -16608,11 +16716,11 @@
           <a:p>
             <a:pPr lvl="2"/>
             <a:r>
-              <a:rPr lang="en-US" altLang="ko-KR" smtClean="0"/>
+              <a:rPr lang="en-US" altLang="ko-KR"/>
               <a:t>&gt;&gt;&gt; </a:t>
             </a:r>
             <a:r>
-              <a:rPr lang="en-US" altLang="ko-KR" smtClean="0">
+              <a:rPr lang="en-US" altLang="ko-KR">
                 <a:solidFill>
                   <a:srgbClr val="0070C0"/>
                 </a:solidFill>
@@ -16623,7 +16731,7 @@
           <a:p>
             <a:pPr lvl="3"/>
             <a:r>
-              <a:rPr lang="en-US" altLang="ko-KR" sz="1400" smtClean="0"/>
+              <a:rPr lang="en-US" altLang="ko-KR" sz="1400"/>
               <a:t>[(1, 2, {'color': 'blue', 'weight': 6.7}), (1, 3, {}), (1, 4, {}), (2, 3, {'weight': 8}), (3, 4, {'color': 'red'}), (4, 5, {'color': 'red'}), (4, 6, {}), (5, 8, {}), (5, 6, {}), (5, 7, {}), (6, 8, {}), (6, 7, {}), (7, 8, {}), (7, 9, {})]</a:t>
             </a:r>
           </a:p>
@@ -16803,13 +16911,6 @@
   <p:clrMapOvr>
     <a:masterClrMapping/>
   </p:clrMapOvr>
-  <p:timing>
-    <p:tnLst>
-      <p:par>
-        <p:cTn id="1" dur="indefinite" restart="never" nodeType="tmRoot"/>
-      </p:par>
-    </p:tnLst>
-  </p:timing>
 </p:sld>
 </file>
 
@@ -16851,10 +16952,10 @@
           <a:lstStyle/>
           <a:p>
             <a:r>
-              <a:rPr lang="en-US" altLang="ko-KR" sz="2900" smtClean="0"/>
+              <a:rPr lang="en-US" altLang="ko-KR" sz="2900"/>
               <a:t>Graph operation</a:t>
             </a:r>
-            <a:endParaRPr lang="ko-KR" altLang="en-US" sz="2900" smtClean="0"/>
+            <a:endParaRPr lang="ko-KR" altLang="en-US" sz="2900"/>
           </a:p>
         </p:txBody>
       </p:sp>
@@ -16881,32 +16982,32 @@
           <a:lstStyle/>
           <a:p>
             <a:r>
-              <a:rPr lang="en-US" altLang="ko-KR" smtClean="0"/>
+              <a:rPr lang="en-US" altLang="ko-KR"/>
               <a:t>Graph generators and graph operations</a:t>
             </a:r>
           </a:p>
           <a:p>
             <a:pPr lvl="1"/>
             <a:r>
-              <a:rPr lang="en-US" altLang="ko-KR" smtClean="0"/>
+              <a:rPr lang="en-US" altLang="ko-KR"/>
               <a:t>Applying classic graph operations</a:t>
             </a:r>
           </a:p>
           <a:p>
             <a:pPr lvl="2"/>
             <a:r>
-              <a:rPr lang="en-US" altLang="ko-KR" smtClean="0"/>
+              <a:rPr lang="en-US" altLang="ko-KR"/>
               <a:t>subgraph(g, nbunch) - induce subgraph of G on nodes in nbunch </a:t>
             </a:r>
           </a:p>
           <a:p>
             <a:pPr lvl="3"/>
             <a:r>
-              <a:rPr lang="en-US" altLang="ko-KR" smtClean="0"/>
+              <a:rPr lang="en-US" altLang="ko-KR"/>
               <a:t>&gt;&gt;&gt; </a:t>
             </a:r>
             <a:r>
-              <a:rPr lang="en-US" altLang="ko-KR" smtClean="0">
+              <a:rPr lang="en-US" altLang="ko-KR">
                 <a:solidFill>
                   <a:srgbClr val="0070C0"/>
                 </a:solidFill>
@@ -16917,11 +17018,11 @@
           <a:p>
             <a:pPr lvl="3"/>
             <a:r>
-              <a:rPr lang="en-US" altLang="ko-KR" smtClean="0"/>
+              <a:rPr lang="en-US" altLang="ko-KR"/>
               <a:t>&gt;&gt;&gt; </a:t>
             </a:r>
             <a:r>
-              <a:rPr lang="en-US" altLang="ko-KR" smtClean="0">
+              <a:rPr lang="en-US" altLang="ko-KR">
                 <a:solidFill>
                   <a:srgbClr val="0070C0"/>
                 </a:solidFill>
@@ -16932,11 +17033,11 @@
           <a:p>
             <a:pPr lvl="3"/>
             <a:r>
-              <a:rPr lang="en-US" altLang="ko-KR" smtClean="0"/>
+              <a:rPr lang="en-US" altLang="ko-KR"/>
               <a:t>&gt;&gt;&gt; </a:t>
             </a:r>
             <a:r>
-              <a:rPr lang="en-US" altLang="ko-KR" smtClean="0">
+              <a:rPr lang="en-US" altLang="ko-KR">
                 <a:solidFill>
                   <a:srgbClr val="0070C0"/>
                 </a:solidFill>
@@ -16944,18 +17045,18 @@
               <a:t>h = g3.subgraph([0,1,2])</a:t>
             </a:r>
             <a:r>
-              <a:rPr lang="en-US" altLang="ko-KR" smtClean="0"/>
+              <a:rPr lang="en-US" altLang="ko-KR"/>
               <a:t> </a:t>
             </a:r>
           </a:p>
           <a:p>
             <a:pPr lvl="3"/>
             <a:r>
-              <a:rPr lang="en-US" altLang="ko-KR" smtClean="0"/>
+              <a:rPr lang="en-US" altLang="ko-KR"/>
               <a:t>&gt;&gt;&gt; </a:t>
             </a:r>
             <a:r>
-              <a:rPr lang="en-US" altLang="ko-KR" smtClean="0">
+              <a:rPr lang="en-US" altLang="ko-KR">
                 <a:solidFill>
                   <a:srgbClr val="0070C0"/>
                 </a:solidFill>
@@ -16963,70 +17064,70 @@
               <a:t>h.edges()</a:t>
             </a:r>
             <a:r>
-              <a:rPr lang="en-US" altLang="ko-KR" smtClean="0"/>
+              <a:rPr lang="en-US" altLang="ko-KR"/>
               <a:t> </a:t>
             </a:r>
           </a:p>
           <a:p>
             <a:pPr lvl="4"/>
             <a:r>
-              <a:rPr lang="en-US" altLang="ko-KR" smtClean="0"/>
+              <a:rPr lang="en-US" altLang="ko-KR"/>
               <a:t>[(0, 1), (1, 2)]</a:t>
             </a:r>
           </a:p>
           <a:p>
             <a:pPr lvl="2"/>
             <a:r>
-              <a:rPr lang="en-US" altLang="ko-KR" smtClean="0"/>
+              <a:rPr lang="en-US" altLang="ko-KR"/>
               <a:t>union(g1, g2) - graph union </a:t>
             </a:r>
           </a:p>
           <a:p>
             <a:pPr lvl="2"/>
             <a:r>
-              <a:rPr lang="en-US" altLang="ko-KR" smtClean="0"/>
+              <a:rPr lang="en-US" altLang="ko-KR"/>
               <a:t>disjoint_union(g1, g2) - graph union assuming all nodes are different </a:t>
             </a:r>
           </a:p>
           <a:p>
             <a:pPr lvl="2"/>
             <a:r>
-              <a:rPr lang="en-US" altLang="ko-KR" smtClean="0"/>
+              <a:rPr lang="en-US" altLang="ko-KR"/>
               <a:t>cartesian_product(g1, g2) - return Cartesian product graph </a:t>
             </a:r>
           </a:p>
           <a:p>
             <a:pPr lvl="2"/>
             <a:r>
-              <a:rPr lang="en-US" altLang="ko-KR" smtClean="0"/>
+              <a:rPr lang="en-US" altLang="ko-KR"/>
               <a:t>compose(g1, g2) - combine graphs identifying nodes common to both</a:t>
             </a:r>
           </a:p>
           <a:p>
             <a:pPr lvl="2"/>
             <a:r>
-              <a:rPr lang="en-US" altLang="ko-KR" smtClean="0"/>
+              <a:rPr lang="en-US" altLang="ko-KR"/>
               <a:t>complement(g) - graph complement </a:t>
             </a:r>
           </a:p>
           <a:p>
             <a:pPr lvl="2"/>
             <a:r>
-              <a:rPr lang="en-US" altLang="ko-KR" smtClean="0"/>
+              <a:rPr lang="en-US" altLang="ko-KR"/>
               <a:t>create_empty_copy(g) - return an empty copy of the same graph class</a:t>
             </a:r>
           </a:p>
           <a:p>
             <a:pPr lvl="2"/>
             <a:r>
-              <a:rPr lang="en-US" altLang="ko-KR" smtClean="0"/>
+              <a:rPr lang="en-US" altLang="ko-KR"/>
               <a:t>convert_to_undirected(g) - return an undirected representation of G</a:t>
             </a:r>
           </a:p>
           <a:p>
             <a:pPr lvl="2"/>
             <a:r>
-              <a:rPr lang="en-US" altLang="ko-KR" smtClean="0"/>
+              <a:rPr lang="en-US" altLang="ko-KR"/>
               <a:t>convert_to_directed(g) - return a directed representation of G</a:t>
             </a:r>
           </a:p>
@@ -17206,13 +17307,6 @@
   <p:clrMapOvr>
     <a:masterClrMapping/>
   </p:clrMapOvr>
-  <p:timing>
-    <p:tnLst>
-      <p:par>
-        <p:cTn id="1" dur="indefinite" restart="never" nodeType="tmRoot"/>
-      </p:par>
-    </p:tnLst>
-  </p:timing>
 </p:sld>
 </file>
 
@@ -17254,10 +17348,10 @@
           <a:lstStyle/>
           <a:p>
             <a:r>
-              <a:rPr lang="en-US" altLang="ko-KR" sz="2900" smtClean="0"/>
+              <a:rPr lang="en-US" altLang="ko-KR" sz="2900"/>
               <a:t>Simple Graph Analysis</a:t>
             </a:r>
-            <a:endParaRPr lang="ko-KR" altLang="en-US" sz="2900" smtClean="0"/>
+            <a:endParaRPr lang="ko-KR" altLang="en-US" sz="2900"/>
           </a:p>
         </p:txBody>
       </p:sp>
@@ -17284,54 +17378,54 @@
           <a:lstStyle/>
           <a:p>
             <a:r>
-              <a:rPr lang="en-US" altLang="ko-KR" dirty="0" smtClean="0"/>
+              <a:rPr lang="en-US" altLang="ko-KR" dirty="0"/>
               <a:t>Graph</a:t>
             </a:r>
             <a:r>
-              <a:rPr lang="ko-KR" altLang="en-US" dirty="0" smtClean="0"/>
+              <a:rPr lang="ko-KR" altLang="en-US" dirty="0"/>
               <a:t> </a:t>
             </a:r>
             <a:r>
-              <a:rPr lang="en-US" altLang="ko-KR" dirty="0" smtClean="0"/>
+              <a:rPr lang="en-US" altLang="ko-KR" dirty="0"/>
               <a:t>Union</a:t>
             </a:r>
           </a:p>
           <a:p>
             <a:pPr lvl="1"/>
             <a:r>
-              <a:rPr lang="en-US" altLang="ko-KR" dirty="0" smtClean="0"/>
+              <a:rPr lang="en-US" altLang="ko-KR" dirty="0"/>
               <a:t>Compose operation for two graphs, G and H</a:t>
             </a:r>
           </a:p>
           <a:p>
             <a:pPr lvl="2"/>
             <a:r>
-              <a:rPr lang="en-US" altLang="ko-KR" dirty="0" smtClean="0"/>
+              <a:rPr lang="en-US" altLang="ko-KR" dirty="0"/>
               <a:t>Composition is the simple union of the node sets and edge sets. </a:t>
             </a:r>
           </a:p>
           <a:p>
             <a:pPr lvl="2"/>
             <a:r>
-              <a:rPr lang="en-US" altLang="ko-KR" dirty="0" smtClean="0"/>
+              <a:rPr lang="en-US" altLang="ko-KR" dirty="0"/>
               <a:t>The node sets of G and H need not be disjoint.</a:t>
             </a:r>
           </a:p>
           <a:p>
             <a:pPr lvl="2"/>
             <a:r>
-              <a:rPr lang="en-US" altLang="ko-KR" dirty="0" smtClean="0"/>
+              <a:rPr lang="en-US" altLang="ko-KR" dirty="0"/>
               <a:t>Attributes from H take precedent over attributes from G</a:t>
             </a:r>
           </a:p>
           <a:p>
             <a:pPr lvl="2"/>
             <a:r>
-              <a:rPr lang="en-US" altLang="ko-KR" dirty="0" smtClean="0"/>
+              <a:rPr lang="en-US" altLang="ko-KR" dirty="0"/>
               <a:t>&gt;&gt;&gt; </a:t>
             </a:r>
             <a:r>
-              <a:rPr lang="en-US" altLang="ko-KR" dirty="0" smtClean="0">
+              <a:rPr lang="en-US" altLang="ko-KR" dirty="0">
                 <a:solidFill>
                   <a:srgbClr val="0070C0"/>
                 </a:solidFill>
@@ -17339,7 +17433,7 @@
               <a:t>import </a:t>
             </a:r>
             <a:r>
-              <a:rPr lang="en-US" altLang="ko-KR" dirty="0" err="1" smtClean="0">
+              <a:rPr lang="en-US" altLang="ko-KR" dirty="0" err="1">
                 <a:solidFill>
                   <a:srgbClr val="0070C0"/>
                 </a:solidFill>
@@ -17347,7 +17441,7 @@
               <a:t>networkx</a:t>
             </a:r>
             <a:r>
-              <a:rPr lang="en-US" altLang="ko-KR" dirty="0" smtClean="0">
+              <a:rPr lang="en-US" altLang="ko-KR" dirty="0">
                 <a:solidFill>
                   <a:srgbClr val="0070C0"/>
                 </a:solidFill>
@@ -17358,11 +17452,11 @@
           <a:p>
             <a:pPr lvl="2"/>
             <a:r>
-              <a:rPr lang="en-US" altLang="ko-KR" dirty="0" smtClean="0"/>
+              <a:rPr lang="en-US" altLang="ko-KR" dirty="0"/>
               <a:t>&gt;&gt;&gt; </a:t>
             </a:r>
             <a:r>
-              <a:rPr lang="en-US" altLang="ko-KR" dirty="0" smtClean="0">
+              <a:rPr lang="en-US" altLang="ko-KR" dirty="0">
                 <a:solidFill>
                   <a:srgbClr val="0070C0"/>
                 </a:solidFill>
@@ -17370,7 +17464,7 @@
               <a:t>g1 = </a:t>
             </a:r>
             <a:r>
-              <a:rPr lang="en-US" altLang="ko-KR" dirty="0" err="1" smtClean="0">
+              <a:rPr lang="en-US" altLang="ko-KR" dirty="0" err="1">
                 <a:solidFill>
                   <a:srgbClr val="0070C0"/>
                 </a:solidFill>
@@ -17378,7 +17472,7 @@
               <a:t>net.Graph</a:t>
             </a:r>
             <a:r>
-              <a:rPr lang="en-US" altLang="ko-KR" dirty="0" smtClean="0">
+              <a:rPr lang="en-US" altLang="ko-KR" dirty="0">
                 <a:solidFill>
                   <a:srgbClr val="0070C0"/>
                 </a:solidFill>
@@ -17389,11 +17483,11 @@
           <a:p>
             <a:pPr lvl="2"/>
             <a:r>
-              <a:rPr lang="en-US" altLang="ko-KR" dirty="0" smtClean="0"/>
+              <a:rPr lang="en-US" altLang="ko-KR" dirty="0"/>
               <a:t>&gt;&gt;&gt; </a:t>
             </a:r>
             <a:r>
-              <a:rPr lang="en-US" altLang="ko-KR" dirty="0" smtClean="0">
+              <a:rPr lang="en-US" altLang="ko-KR" dirty="0">
                 <a:solidFill>
                   <a:srgbClr val="0070C0"/>
                 </a:solidFill>
@@ -17401,7 +17495,7 @@
               <a:t>g2 = </a:t>
             </a:r>
             <a:r>
-              <a:rPr lang="en-US" altLang="ko-KR" dirty="0" err="1" smtClean="0">
+              <a:rPr lang="en-US" altLang="ko-KR" dirty="0" err="1">
                 <a:solidFill>
                   <a:srgbClr val="0070C0"/>
                 </a:solidFill>
@@ -17409,7 +17503,7 @@
               <a:t>net.Graph</a:t>
             </a:r>
             <a:r>
-              <a:rPr lang="en-US" altLang="ko-KR" dirty="0" smtClean="0">
+              <a:rPr lang="en-US" altLang="ko-KR" dirty="0">
                 <a:solidFill>
                   <a:srgbClr val="0070C0"/>
                 </a:solidFill>
@@ -17420,11 +17514,11 @@
           <a:p>
             <a:pPr lvl="2"/>
             <a:r>
-              <a:rPr lang="en-US" altLang="ko-KR" dirty="0" smtClean="0"/>
+              <a:rPr lang="en-US" altLang="ko-KR" dirty="0"/>
               <a:t>&gt;&gt;&gt; </a:t>
             </a:r>
             <a:r>
-              <a:rPr lang="en-US" altLang="ko-KR" dirty="0" smtClean="0">
+              <a:rPr lang="en-US" altLang="ko-KR" dirty="0">
                 <a:solidFill>
                   <a:srgbClr val="0070C0"/>
                 </a:solidFill>
@@ -17435,11 +17529,11 @@
           <a:p>
             <a:pPr lvl="2"/>
             <a:r>
-              <a:rPr lang="en-US" altLang="ko-KR" dirty="0" smtClean="0"/>
+              <a:rPr lang="en-US" altLang="ko-KR" dirty="0"/>
               <a:t>&gt;&gt;&gt; </a:t>
             </a:r>
             <a:r>
-              <a:rPr lang="en-US" altLang="ko-KR" dirty="0" smtClean="0">
+              <a:rPr lang="en-US" altLang="ko-KR" dirty="0">
                 <a:solidFill>
                   <a:srgbClr val="0070C0"/>
                 </a:solidFill>
@@ -17450,11 +17544,11 @@
           <a:p>
             <a:pPr lvl="2"/>
             <a:r>
-              <a:rPr lang="en-US" altLang="ko-KR" dirty="0" smtClean="0"/>
+              <a:rPr lang="en-US" altLang="ko-KR" dirty="0"/>
               <a:t>&gt;&gt;&gt; </a:t>
             </a:r>
             <a:r>
-              <a:rPr lang="en-US" altLang="ko-KR" dirty="0" smtClean="0">
+              <a:rPr lang="en-US" altLang="ko-KR" dirty="0">
                 <a:solidFill>
                   <a:srgbClr val="0070C0"/>
                 </a:solidFill>
@@ -17462,7 +17556,7 @@
               <a:t>g3 = </a:t>
             </a:r>
             <a:r>
-              <a:rPr lang="en-US" altLang="ko-KR" dirty="0" err="1" smtClean="0">
+              <a:rPr lang="en-US" altLang="ko-KR" dirty="0" err="1">
                 <a:solidFill>
                   <a:srgbClr val="0070C0"/>
                 </a:solidFill>
@@ -17470,23 +17564,23 @@
               <a:t>net.compose</a:t>
             </a:r>
             <a:r>
-              <a:rPr lang="en-US" altLang="ko-KR" dirty="0" smtClean="0">
+              <a:rPr lang="en-US" altLang="ko-KR" dirty="0">
                 <a:solidFill>
                   <a:srgbClr val="0070C0"/>
                 </a:solidFill>
               </a:rPr>
               <a:t>(g1, g2)</a:t>
             </a:r>
-            <a:endParaRPr lang="en-US" altLang="ko-KR" dirty="0" smtClean="0"/>
+            <a:endParaRPr lang="en-US" altLang="ko-KR" dirty="0"/>
           </a:p>
           <a:p>
             <a:pPr lvl="2"/>
             <a:r>
-              <a:rPr lang="en-US" altLang="ko-KR" dirty="0" smtClean="0"/>
+              <a:rPr lang="en-US" altLang="ko-KR" dirty="0"/>
               <a:t>&gt;&gt;&gt; </a:t>
             </a:r>
             <a:r>
-              <a:rPr lang="en-US" altLang="ko-KR" dirty="0" err="1" smtClean="0">
+              <a:rPr lang="en-US" altLang="ko-KR" dirty="0" err="1">
                 <a:solidFill>
                   <a:srgbClr val="0070C0"/>
                 </a:solidFill>
@@ -17494,7 +17588,7 @@
               <a:t>net.draw</a:t>
             </a:r>
             <a:r>
-              <a:rPr lang="en-US" altLang="ko-KR" dirty="0" smtClean="0">
+              <a:rPr lang="en-US" altLang="ko-KR" dirty="0">
                 <a:solidFill>
                   <a:srgbClr val="0070C0"/>
                 </a:solidFill>
@@ -17505,11 +17599,11 @@
           <a:p>
             <a:pPr lvl="2"/>
             <a:r>
-              <a:rPr lang="en-US" altLang="ko-KR" dirty="0" smtClean="0"/>
+              <a:rPr lang="en-US" altLang="ko-KR" dirty="0"/>
               <a:t>&gt;&gt;&gt; </a:t>
             </a:r>
             <a:r>
-              <a:rPr lang="en-US" altLang="ko-KR" dirty="0" err="1" smtClean="0">
+              <a:rPr lang="en-US" altLang="ko-KR" dirty="0" err="1">
                 <a:solidFill>
                   <a:srgbClr val="0070C0"/>
                 </a:solidFill>
@@ -17517,7 +17611,7 @@
               <a:t>plt.show</a:t>
             </a:r>
             <a:r>
-              <a:rPr lang="en-US" altLang="ko-KR" dirty="0" smtClean="0">
+              <a:rPr lang="en-US" altLang="ko-KR" dirty="0">
                 <a:solidFill>
                   <a:srgbClr val="0070C0"/>
                 </a:solidFill>
@@ -17527,56 +17621,56 @@
           </a:p>
           <a:p>
             <a:pPr lvl="2"/>
-            <a:endParaRPr lang="en-US" altLang="ko-KR" sz="1400" dirty="0" smtClean="0"/>
+            <a:endParaRPr lang="en-US" altLang="ko-KR" sz="1400" dirty="0"/>
           </a:p>
           <a:p>
             <a:pPr lvl="2"/>
             <a:r>
-              <a:rPr lang="en-US" altLang="ko-KR" sz="1400" dirty="0" smtClean="0"/>
+              <a:rPr lang="en-US" altLang="ko-KR" sz="1400" dirty="0"/>
               <a:t>See also</a:t>
             </a:r>
           </a:p>
           <a:p>
             <a:pPr lvl="3"/>
             <a:r>
-              <a:rPr lang="en-US" altLang="ko-KR" sz="1400" dirty="0" err="1" smtClean="0"/>
+              <a:rPr lang="en-US" altLang="ko-KR" sz="1400" dirty="0" err="1"/>
               <a:t>net.union</a:t>
             </a:r>
             <a:r>
-              <a:rPr lang="en-US" altLang="ko-KR" sz="1400" dirty="0" smtClean="0"/>
+              <a:rPr lang="en-US" altLang="ko-KR" sz="1400" dirty="0"/>
               <a:t>(G1,G2)            </a:t>
             </a:r>
           </a:p>
           <a:p>
             <a:pPr lvl="3"/>
             <a:r>
-              <a:rPr lang="en-US" altLang="ko-KR" sz="1400" dirty="0" err="1" smtClean="0"/>
+              <a:rPr lang="en-US" altLang="ko-KR" sz="1400" dirty="0" err="1"/>
               <a:t>net.uniondisjoint_union</a:t>
             </a:r>
             <a:r>
-              <a:rPr lang="en-US" altLang="ko-KR" sz="1400" dirty="0" smtClean="0"/>
+              <a:rPr lang="en-US" altLang="ko-KR" sz="1400" dirty="0"/>
               <a:t>(G1,G2)    </a:t>
             </a:r>
           </a:p>
           <a:p>
             <a:pPr lvl="3"/>
             <a:r>
-              <a:rPr lang="en-US" altLang="ko-KR" sz="1400" dirty="0" err="1" smtClean="0"/>
+              <a:rPr lang="en-US" altLang="ko-KR" sz="1400" dirty="0" err="1"/>
               <a:t>net.cartesian_product</a:t>
             </a:r>
             <a:r>
-              <a:rPr lang="en-US" altLang="ko-KR" sz="1400" dirty="0" smtClean="0"/>
+              <a:rPr lang="en-US" altLang="ko-KR" sz="1400" dirty="0"/>
               <a:t>(G1,G2) </a:t>
             </a:r>
           </a:p>
           <a:p>
             <a:pPr lvl="3"/>
             <a:r>
-              <a:rPr lang="en-US" altLang="ko-KR" sz="1400" dirty="0" err="1" smtClean="0"/>
+              <a:rPr lang="en-US" altLang="ko-KR" sz="1400" dirty="0" err="1"/>
               <a:t>net.compose</a:t>
             </a:r>
             <a:r>
-              <a:rPr lang="en-US" altLang="ko-KR" sz="1400" dirty="0" smtClean="0"/>
+              <a:rPr lang="en-US" altLang="ko-KR" sz="1400" dirty="0"/>
               <a:t>(G1,G2)</a:t>
             </a:r>
           </a:p>
@@ -17822,13 +17916,6 @@
   <p:clrMapOvr>
     <a:masterClrMapping/>
   </p:clrMapOvr>
-  <p:timing>
-    <p:tnLst>
-      <p:par>
-        <p:cTn id="1" dur="indefinite" restart="never" nodeType="tmRoot"/>
-      </p:par>
-    </p:tnLst>
-  </p:timing>
 </p:sld>
 </file>
 

--- a/dv-lec7-networkx.pptx
+++ b/dv-lec7-networkx.pptx
@@ -5,37 +5,38 @@
     <p:sldMasterId id="2147483648" r:id="rId1"/>
   </p:sldMasterIdLst>
   <p:notesMasterIdLst>
-    <p:notesMasterId r:id="rId30"/>
+    <p:notesMasterId r:id="rId31"/>
   </p:notesMasterIdLst>
   <p:sldIdLst>
-    <p:sldId id="256" r:id="rId2"/>
-    <p:sldId id="257" r:id="rId3"/>
-    <p:sldId id="258" r:id="rId4"/>
-    <p:sldId id="259" r:id="rId5"/>
-    <p:sldId id="260" r:id="rId6"/>
-    <p:sldId id="261" r:id="rId7"/>
-    <p:sldId id="262" r:id="rId8"/>
-    <p:sldId id="263" r:id="rId9"/>
-    <p:sldId id="264" r:id="rId10"/>
-    <p:sldId id="265" r:id="rId11"/>
-    <p:sldId id="266" r:id="rId12"/>
-    <p:sldId id="267" r:id="rId13"/>
-    <p:sldId id="268" r:id="rId14"/>
-    <p:sldId id="269" r:id="rId15"/>
-    <p:sldId id="270" r:id="rId16"/>
-    <p:sldId id="271" r:id="rId17"/>
-    <p:sldId id="272" r:id="rId18"/>
-    <p:sldId id="273" r:id="rId19"/>
-    <p:sldId id="274" r:id="rId20"/>
-    <p:sldId id="275" r:id="rId21"/>
-    <p:sldId id="276" r:id="rId22"/>
-    <p:sldId id="281" r:id="rId23"/>
-    <p:sldId id="282" r:id="rId24"/>
-    <p:sldId id="283" r:id="rId25"/>
-    <p:sldId id="284" r:id="rId26"/>
-    <p:sldId id="285" r:id="rId27"/>
-    <p:sldId id="286" r:id="rId28"/>
-    <p:sldId id="287" r:id="rId29"/>
+    <p:sldId id="296" r:id="rId2"/>
+    <p:sldId id="297" r:id="rId3"/>
+    <p:sldId id="257" r:id="rId4"/>
+    <p:sldId id="258" r:id="rId5"/>
+    <p:sldId id="259" r:id="rId6"/>
+    <p:sldId id="260" r:id="rId7"/>
+    <p:sldId id="261" r:id="rId8"/>
+    <p:sldId id="262" r:id="rId9"/>
+    <p:sldId id="263" r:id="rId10"/>
+    <p:sldId id="264" r:id="rId11"/>
+    <p:sldId id="265" r:id="rId12"/>
+    <p:sldId id="266" r:id="rId13"/>
+    <p:sldId id="267" r:id="rId14"/>
+    <p:sldId id="268" r:id="rId15"/>
+    <p:sldId id="269" r:id="rId16"/>
+    <p:sldId id="270" r:id="rId17"/>
+    <p:sldId id="271" r:id="rId18"/>
+    <p:sldId id="272" r:id="rId19"/>
+    <p:sldId id="273" r:id="rId20"/>
+    <p:sldId id="274" r:id="rId21"/>
+    <p:sldId id="275" r:id="rId22"/>
+    <p:sldId id="276" r:id="rId23"/>
+    <p:sldId id="281" r:id="rId24"/>
+    <p:sldId id="282" r:id="rId25"/>
+    <p:sldId id="283" r:id="rId26"/>
+    <p:sldId id="284" r:id="rId27"/>
+    <p:sldId id="285" r:id="rId28"/>
+    <p:sldId id="286" r:id="rId29"/>
+    <p:sldId id="287" r:id="rId30"/>
   </p:sldIdLst>
   <p:sldSz cx="9144000" cy="6858000" type="screen4x3"/>
   <p:notesSz cx="6858000" cy="9144000"/>
@@ -235,7 +236,7 @@
           <a:p>
             <a:fld id="{2E540D3C-F392-44D8-B928-DA25DF79A54A}" type="datetimeFigureOut">
               <a:rPr lang="ru-RU" smtClean="0"/>
-              <a:t>21.04.2023</a:t>
+              <a:t>28.05.2024</a:t>
             </a:fld>
             <a:endParaRPr lang="ru-RU"/>
           </a:p>
@@ -681,7 +682,7 @@
           <a:p>
             <a:fld id="{DE1EF4C9-F4B7-43A4-B310-51E45864E80C}" type="datetime1">
               <a:rPr lang="ru-RU" smtClean="0"/>
-              <a:t>21.04.2023</a:t>
+              <a:t>28.05.2024</a:t>
             </a:fld>
             <a:endParaRPr lang="ru-RU"/>
           </a:p>
@@ -849,7 +850,7 @@
           <a:p>
             <a:fld id="{B4C3CDE4-BC2F-402A-B10F-8267098E7949}" type="datetime1">
               <a:rPr lang="ru-RU" smtClean="0"/>
-              <a:t>21.04.2023</a:t>
+              <a:t>28.05.2024</a:t>
             </a:fld>
             <a:endParaRPr lang="ru-RU"/>
           </a:p>
@@ -1027,7 +1028,7 @@
           <a:p>
             <a:fld id="{3946A858-99EB-459D-B42A-05BA2313351E}" type="datetime1">
               <a:rPr lang="ru-RU" smtClean="0"/>
-              <a:t>21.04.2023</a:t>
+              <a:t>28.05.2024</a:t>
             </a:fld>
             <a:endParaRPr lang="ru-RU"/>
           </a:p>
@@ -1195,7 +1196,7 @@
           <a:p>
             <a:fld id="{37B40388-D89E-40B2-A8EF-780FAE5592A6}" type="datetime1">
               <a:rPr lang="ru-RU" smtClean="0"/>
-              <a:t>21.04.2023</a:t>
+              <a:t>28.05.2024</a:t>
             </a:fld>
             <a:endParaRPr lang="ru-RU"/>
           </a:p>
@@ -1440,7 +1441,7 @@
           <a:p>
             <a:fld id="{0023D790-675F-41C3-B6E9-24A0A2A2B557}" type="datetime1">
               <a:rPr lang="ru-RU" smtClean="0"/>
-              <a:t>21.04.2023</a:t>
+              <a:t>28.05.2024</a:t>
             </a:fld>
             <a:endParaRPr lang="ru-RU"/>
           </a:p>
@@ -1725,7 +1726,7 @@
           <a:p>
             <a:fld id="{91D3164C-6939-4072-8144-2B2050C2D2F5}" type="datetime1">
               <a:rPr lang="ru-RU" smtClean="0"/>
-              <a:t>21.04.2023</a:t>
+              <a:t>28.05.2024</a:t>
             </a:fld>
             <a:endParaRPr lang="ru-RU"/>
           </a:p>
@@ -2144,7 +2145,7 @@
           <a:p>
             <a:fld id="{AE17DA29-21D0-4220-BE8F-B1468D846737}" type="datetime1">
               <a:rPr lang="ru-RU" smtClean="0"/>
-              <a:t>21.04.2023</a:t>
+              <a:t>28.05.2024</a:t>
             </a:fld>
             <a:endParaRPr lang="ru-RU"/>
           </a:p>
@@ -2261,7 +2262,7 @@
           <a:p>
             <a:fld id="{05D580C7-D9DC-456A-BAA1-E75EFF37D441}" type="datetime1">
               <a:rPr lang="ru-RU" smtClean="0"/>
-              <a:t>21.04.2023</a:t>
+              <a:t>28.05.2024</a:t>
             </a:fld>
             <a:endParaRPr lang="ru-RU"/>
           </a:p>
@@ -2356,7 +2357,7 @@
           <a:p>
             <a:fld id="{F3B1D8C3-17A1-4C76-B194-DC960897ECE1}" type="datetime1">
               <a:rPr lang="ru-RU" smtClean="0"/>
-              <a:t>21.04.2023</a:t>
+              <a:t>28.05.2024</a:t>
             </a:fld>
             <a:endParaRPr lang="ru-RU"/>
           </a:p>
@@ -2631,7 +2632,7 @@
           <a:p>
             <a:fld id="{A6D2B2FC-B187-4F4B-8E6A-2A3DB1F6EE8D}" type="datetime1">
               <a:rPr lang="ru-RU" smtClean="0"/>
-              <a:t>21.04.2023</a:t>
+              <a:t>28.05.2024</a:t>
             </a:fld>
             <a:endParaRPr lang="ru-RU"/>
           </a:p>
@@ -2883,7 +2884,7 @@
           <a:p>
             <a:fld id="{211B8D39-9C61-4F99-B29D-47796DBE0567}" type="datetime1">
               <a:rPr lang="ru-RU" smtClean="0"/>
-              <a:t>21.04.2023</a:t>
+              <a:t>28.05.2024</a:t>
             </a:fld>
             <a:endParaRPr lang="ru-RU"/>
           </a:p>
@@ -3103,7 +3104,7 @@
           <a:p>
             <a:fld id="{228CB6D9-58B2-4691-BA21-D4DEEC2F2928}" type="datetime1">
               <a:rPr lang="ru-RU" smtClean="0"/>
-              <a:t>21.04.2023</a:t>
+              <a:t>28.05.2024</a:t>
             </a:fld>
             <a:endParaRPr lang="ru-RU"/>
           </a:p>
@@ -3495,9 +3496,10 @@
           <a:lstStyle/>
           <a:p>
             <a:r>
-              <a:rPr lang="ru-RU" dirty="0"/>
-              <a:t>Визуализация данных</a:t>
-            </a:r>
+              <a:rPr lang="en-US" dirty="0"/>
+              <a:t>Data visualization</a:t>
+            </a:r>
+            <a:endParaRPr lang="ru-RU" dirty="0"/>
           </a:p>
         </p:txBody>
       </p:sp>
@@ -3517,10 +3519,9 @@
           <a:lstStyle/>
           <a:p>
             <a:r>
-              <a:rPr lang="ru-RU" dirty="0"/>
-              <a:t>Лекции доступны онлайн по адресу</a:t>
-            </a:r>
-            <a:endParaRPr lang="en-US" dirty="0"/>
+              <a:rPr lang="en-US" dirty="0"/>
+              <a:t>All samples available on:</a:t>
+            </a:r>
           </a:p>
           <a:p>
             <a:r>
@@ -3528,36 +3529,13 @@
               <a:t>http://github.com/a-vodka/dv</a:t>
             </a:r>
             <a:endParaRPr lang="ru-RU" dirty="0"/>
-          </a:p>
-        </p:txBody>
-      </p:sp>
-      <p:sp>
-        <p:nvSpPr>
-          <p:cNvPr id="4" name="Номер слайда 3"/>
-          <p:cNvSpPr>
-            <a:spLocks noGrp="1"/>
-          </p:cNvSpPr>
-          <p:nvPr>
-            <p:ph type="sldNum" sz="quarter" idx="12"/>
-          </p:nvPr>
-        </p:nvSpPr>
-        <p:spPr/>
-        <p:txBody>
-          <a:bodyPr/>
-          <a:lstStyle/>
-          <a:p>
-            <a:fld id="{F29E71F4-764E-4B55-B4DF-8EF2746654EB}" type="slidenum">
-              <a:rPr lang="ru-RU" smtClean="0"/>
-              <a:t>1</a:t>
-            </a:fld>
-            <a:endParaRPr lang="ru-RU"/>
           </a:p>
         </p:txBody>
       </p:sp>
     </p:spTree>
     <p:extLst>
       <p:ext uri="{BB962C8B-B14F-4D97-AF65-F5344CB8AC3E}">
-        <p14:creationId xmlns:p14="http://schemas.microsoft.com/office/powerpoint/2010/main" val="414428037"/>
+        <p14:creationId xmlns:p14="http://schemas.microsoft.com/office/powerpoint/2010/main" val="1197336406"/>
       </p:ext>
     </p:extLst>
   </p:cSld>
@@ -3568,6 +3546,615 @@
 </file>
 
 <file path=ppt/slides/slide10.xml><?xml version="1.0" encoding="utf-8"?>
+<p:sld xmlns:a="http://schemas.openxmlformats.org/drawingml/2006/main" xmlns:r="http://schemas.openxmlformats.org/officeDocument/2006/relationships" xmlns:p="http://schemas.openxmlformats.org/presentationml/2006/main">
+  <p:cSld>
+    <p:spTree>
+      <p:nvGrpSpPr>
+        <p:cNvPr id="1" name=""/>
+        <p:cNvGrpSpPr/>
+        <p:nvPr/>
+      </p:nvGrpSpPr>
+      <p:grpSpPr>
+        <a:xfrm>
+          <a:off x="0" y="0"/>
+          <a:ext cx="0" cy="0"/>
+          <a:chOff x="0" y="0"/>
+          <a:chExt cx="0" cy="0"/>
+        </a:xfrm>
+      </p:grpSpPr>
+      <p:sp>
+        <p:nvSpPr>
+          <p:cNvPr id="12289" name="제목 1"/>
+          <p:cNvSpPr>
+            <a:spLocks noGrp="1"/>
+          </p:cNvSpPr>
+          <p:nvPr>
+            <p:ph type="title"/>
+          </p:nvPr>
+        </p:nvSpPr>
+        <p:spPr>
+          <a:xfrm>
+            <a:off x="457200" y="274638"/>
+            <a:ext cx="8229600" cy="561975"/>
+          </a:xfrm>
+        </p:spPr>
+        <p:txBody>
+          <a:bodyPr/>
+          <a:lstStyle/>
+          <a:p>
+            <a:r>
+              <a:rPr lang="en-US" altLang="ko-KR" sz="2900"/>
+              <a:t>Simple Graph Analysis</a:t>
+            </a:r>
+            <a:endParaRPr lang="ko-KR" altLang="en-US" sz="2900"/>
+          </a:p>
+        </p:txBody>
+      </p:sp>
+      <p:sp>
+        <p:nvSpPr>
+          <p:cNvPr id="12290" name="내용 개체 틀 2"/>
+          <p:cNvSpPr>
+            <a:spLocks noGrp="1"/>
+          </p:cNvSpPr>
+          <p:nvPr>
+            <p:ph idx="1"/>
+          </p:nvPr>
+        </p:nvSpPr>
+        <p:spPr>
+          <a:xfrm>
+            <a:off x="457200" y="1052513"/>
+            <a:ext cx="8229600" cy="5073650"/>
+          </a:xfrm>
+        </p:spPr>
+        <p:txBody>
+          <a:bodyPr>
+            <a:normAutofit fontScale="77500" lnSpcReduction="20000"/>
+          </a:bodyPr>
+          <a:lstStyle/>
+          <a:p>
+            <a:r>
+              <a:rPr lang="en-US" altLang="ko-KR" dirty="0"/>
+              <a:t>Graph</a:t>
+            </a:r>
+            <a:r>
+              <a:rPr lang="ko-KR" altLang="en-US" dirty="0"/>
+              <a:t> </a:t>
+            </a:r>
+            <a:r>
+              <a:rPr lang="en-US" altLang="ko-KR" dirty="0"/>
+              <a:t>Union</a:t>
+            </a:r>
+          </a:p>
+          <a:p>
+            <a:pPr lvl="1"/>
+            <a:r>
+              <a:rPr lang="en-US" altLang="ko-KR" dirty="0"/>
+              <a:t>Compose operation for two graphs, G and H</a:t>
+            </a:r>
+          </a:p>
+          <a:p>
+            <a:pPr lvl="2"/>
+            <a:r>
+              <a:rPr lang="en-US" altLang="ko-KR" dirty="0"/>
+              <a:t>Composition is the simple union of the node sets and edge sets. </a:t>
+            </a:r>
+          </a:p>
+          <a:p>
+            <a:pPr lvl="2"/>
+            <a:r>
+              <a:rPr lang="en-US" altLang="ko-KR" dirty="0"/>
+              <a:t>The node sets of G and H need not be disjoint.</a:t>
+            </a:r>
+          </a:p>
+          <a:p>
+            <a:pPr lvl="2"/>
+            <a:r>
+              <a:rPr lang="en-US" altLang="ko-KR" dirty="0"/>
+              <a:t>Attributes from H take precedent over attributes from G</a:t>
+            </a:r>
+          </a:p>
+          <a:p>
+            <a:pPr lvl="2"/>
+            <a:r>
+              <a:rPr lang="en-US" altLang="ko-KR" dirty="0"/>
+              <a:t>&gt;&gt;&gt; </a:t>
+            </a:r>
+            <a:r>
+              <a:rPr lang="en-US" altLang="ko-KR" dirty="0">
+                <a:solidFill>
+                  <a:srgbClr val="0070C0"/>
+                </a:solidFill>
+              </a:rPr>
+              <a:t>import </a:t>
+            </a:r>
+            <a:r>
+              <a:rPr lang="en-US" altLang="ko-KR" dirty="0" err="1">
+                <a:solidFill>
+                  <a:srgbClr val="0070C0"/>
+                </a:solidFill>
+              </a:rPr>
+              <a:t>networkx</a:t>
+            </a:r>
+            <a:r>
+              <a:rPr lang="en-US" altLang="ko-KR" dirty="0">
+                <a:solidFill>
+                  <a:srgbClr val="0070C0"/>
+                </a:solidFill>
+              </a:rPr>
+              <a:t> as net</a:t>
+            </a:r>
+          </a:p>
+          <a:p>
+            <a:pPr lvl="2"/>
+            <a:r>
+              <a:rPr lang="en-US" altLang="ko-KR" dirty="0"/>
+              <a:t>&gt;&gt;&gt; </a:t>
+            </a:r>
+            <a:r>
+              <a:rPr lang="en-US" altLang="ko-KR" dirty="0">
+                <a:solidFill>
+                  <a:srgbClr val="0070C0"/>
+                </a:solidFill>
+              </a:rPr>
+              <a:t>g1 = </a:t>
+            </a:r>
+            <a:r>
+              <a:rPr lang="en-US" altLang="ko-KR" dirty="0" err="1">
+                <a:solidFill>
+                  <a:srgbClr val="0070C0"/>
+                </a:solidFill>
+              </a:rPr>
+              <a:t>net.Graph</a:t>
+            </a:r>
+            <a:r>
+              <a:rPr lang="en-US" altLang="ko-KR" dirty="0">
+                <a:solidFill>
+                  <a:srgbClr val="0070C0"/>
+                </a:solidFill>
+              </a:rPr>
+              <a:t>()</a:t>
+            </a:r>
+          </a:p>
+          <a:p>
+            <a:pPr lvl="2"/>
+            <a:r>
+              <a:rPr lang="en-US" altLang="ko-KR" dirty="0"/>
+              <a:t>&gt;&gt;&gt; </a:t>
+            </a:r>
+            <a:r>
+              <a:rPr lang="en-US" altLang="ko-KR" dirty="0">
+                <a:solidFill>
+                  <a:srgbClr val="0070C0"/>
+                </a:solidFill>
+              </a:rPr>
+              <a:t>g2 = </a:t>
+            </a:r>
+            <a:r>
+              <a:rPr lang="en-US" altLang="ko-KR" dirty="0" err="1">
+                <a:solidFill>
+                  <a:srgbClr val="0070C0"/>
+                </a:solidFill>
+              </a:rPr>
+              <a:t>net.Graph</a:t>
+            </a:r>
+            <a:r>
+              <a:rPr lang="en-US" altLang="ko-KR" dirty="0">
+                <a:solidFill>
+                  <a:srgbClr val="0070C0"/>
+                </a:solidFill>
+              </a:rPr>
+              <a:t>()</a:t>
+            </a:r>
+          </a:p>
+          <a:p>
+            <a:pPr lvl="2"/>
+            <a:r>
+              <a:rPr lang="en-US" altLang="ko-KR" dirty="0"/>
+              <a:t>&gt;&gt;&gt; </a:t>
+            </a:r>
+            <a:r>
+              <a:rPr lang="en-US" altLang="ko-KR" dirty="0">
+                <a:solidFill>
+                  <a:srgbClr val="0070C0"/>
+                </a:solidFill>
+              </a:rPr>
+              <a:t>g1.add_edge(1,2)</a:t>
+            </a:r>
+          </a:p>
+          <a:p>
+            <a:pPr lvl="2"/>
+            <a:r>
+              <a:rPr lang="en-US" altLang="ko-KR" dirty="0"/>
+              <a:t>&gt;&gt;&gt; </a:t>
+            </a:r>
+            <a:r>
+              <a:rPr lang="en-US" altLang="ko-KR" dirty="0">
+                <a:solidFill>
+                  <a:srgbClr val="0070C0"/>
+                </a:solidFill>
+              </a:rPr>
+              <a:t>g2.add_edge(2,3)</a:t>
+            </a:r>
+          </a:p>
+          <a:p>
+            <a:pPr lvl="2"/>
+            <a:r>
+              <a:rPr lang="en-US" altLang="ko-KR" dirty="0"/>
+              <a:t>&gt;&gt;&gt; </a:t>
+            </a:r>
+            <a:r>
+              <a:rPr lang="en-US" altLang="ko-KR" dirty="0">
+                <a:solidFill>
+                  <a:srgbClr val="0070C0"/>
+                </a:solidFill>
+              </a:rPr>
+              <a:t>g3 = </a:t>
+            </a:r>
+            <a:r>
+              <a:rPr lang="en-US" altLang="ko-KR" dirty="0" err="1">
+                <a:solidFill>
+                  <a:srgbClr val="0070C0"/>
+                </a:solidFill>
+              </a:rPr>
+              <a:t>net.compose</a:t>
+            </a:r>
+            <a:r>
+              <a:rPr lang="en-US" altLang="ko-KR" dirty="0">
+                <a:solidFill>
+                  <a:srgbClr val="0070C0"/>
+                </a:solidFill>
+              </a:rPr>
+              <a:t>(g1, g2)</a:t>
+            </a:r>
+            <a:endParaRPr lang="en-US" altLang="ko-KR" dirty="0"/>
+          </a:p>
+          <a:p>
+            <a:pPr lvl="2"/>
+            <a:r>
+              <a:rPr lang="en-US" altLang="ko-KR" dirty="0"/>
+              <a:t>&gt;&gt;&gt; </a:t>
+            </a:r>
+            <a:r>
+              <a:rPr lang="en-US" altLang="ko-KR" dirty="0" err="1">
+                <a:solidFill>
+                  <a:srgbClr val="0070C0"/>
+                </a:solidFill>
+              </a:rPr>
+              <a:t>net.draw</a:t>
+            </a:r>
+            <a:r>
+              <a:rPr lang="en-US" altLang="ko-KR" dirty="0">
+                <a:solidFill>
+                  <a:srgbClr val="0070C0"/>
+                </a:solidFill>
+              </a:rPr>
+              <a:t>(g3)</a:t>
+            </a:r>
+          </a:p>
+          <a:p>
+            <a:pPr lvl="2"/>
+            <a:r>
+              <a:rPr lang="en-US" altLang="ko-KR" dirty="0"/>
+              <a:t>&gt;&gt;&gt; </a:t>
+            </a:r>
+            <a:r>
+              <a:rPr lang="en-US" altLang="ko-KR" dirty="0" err="1">
+                <a:solidFill>
+                  <a:srgbClr val="0070C0"/>
+                </a:solidFill>
+              </a:rPr>
+              <a:t>plt.show</a:t>
+            </a:r>
+            <a:r>
+              <a:rPr lang="en-US" altLang="ko-KR" dirty="0">
+                <a:solidFill>
+                  <a:srgbClr val="0070C0"/>
+                </a:solidFill>
+              </a:rPr>
+              <a:t>()</a:t>
+            </a:r>
+          </a:p>
+          <a:p>
+            <a:pPr lvl="2"/>
+            <a:endParaRPr lang="en-US" altLang="ko-KR" sz="1400" dirty="0"/>
+          </a:p>
+          <a:p>
+            <a:pPr lvl="2"/>
+            <a:r>
+              <a:rPr lang="en-US" altLang="ko-KR" sz="1400" dirty="0"/>
+              <a:t>See also</a:t>
+            </a:r>
+          </a:p>
+          <a:p>
+            <a:pPr lvl="3"/>
+            <a:r>
+              <a:rPr lang="en-US" altLang="ko-KR" sz="1400" dirty="0" err="1"/>
+              <a:t>net.union</a:t>
+            </a:r>
+            <a:r>
+              <a:rPr lang="en-US" altLang="ko-KR" sz="1400" dirty="0"/>
+              <a:t>(G1,G2)            </a:t>
+            </a:r>
+          </a:p>
+          <a:p>
+            <a:pPr lvl="3"/>
+            <a:r>
+              <a:rPr lang="en-US" altLang="ko-KR" sz="1400" dirty="0" err="1"/>
+              <a:t>net.uniondisjoint_union</a:t>
+            </a:r>
+            <a:r>
+              <a:rPr lang="en-US" altLang="ko-KR" sz="1400" dirty="0"/>
+              <a:t>(G1,G2)    </a:t>
+            </a:r>
+          </a:p>
+          <a:p>
+            <a:pPr lvl="3"/>
+            <a:r>
+              <a:rPr lang="en-US" altLang="ko-KR" sz="1400" dirty="0" err="1"/>
+              <a:t>net.cartesian_product</a:t>
+            </a:r>
+            <a:r>
+              <a:rPr lang="en-US" altLang="ko-KR" sz="1400" dirty="0"/>
+              <a:t>(G1,G2) </a:t>
+            </a:r>
+          </a:p>
+          <a:p>
+            <a:pPr lvl="3"/>
+            <a:r>
+              <a:rPr lang="en-US" altLang="ko-KR" sz="1400" dirty="0" err="1"/>
+              <a:t>net.compose</a:t>
+            </a:r>
+            <a:r>
+              <a:rPr lang="en-US" altLang="ko-KR" sz="1400" dirty="0"/>
+              <a:t>(G1,G2)</a:t>
+            </a:r>
+          </a:p>
+        </p:txBody>
+      </p:sp>
+      <p:sp>
+        <p:nvSpPr>
+          <p:cNvPr id="12292" name="슬라이드 번호 개체 틀 4"/>
+          <p:cNvSpPr>
+            <a:spLocks noGrp="1"/>
+          </p:cNvSpPr>
+          <p:nvPr>
+            <p:ph type="sldNum" sz="quarter" idx="12"/>
+          </p:nvPr>
+        </p:nvSpPr>
+        <p:spPr bwMode="auto">
+          <a:noFill/>
+          <a:extLst>
+            <a:ext uri="{909E8E84-426E-40DD-AFC4-6F175D3DCCD1}">
+              <a14:hiddenFill xmlns:a14="http://schemas.microsoft.com/office/drawing/2010/main">
+                <a:solidFill>
+                  <a:srgbClr val="FFFFFF"/>
+                </a:solidFill>
+              </a14:hiddenFill>
+            </a:ext>
+            <a:ext uri="{91240B29-F687-4F45-9708-019B960494DF}">
+              <a14:hiddenLine xmlns:a14="http://schemas.microsoft.com/office/drawing/2010/main" w="9525">
+                <a:solidFill>
+                  <a:srgbClr val="000000"/>
+                </a:solidFill>
+                <a:miter lim="800000"/>
+                <a:headEnd/>
+                <a:tailEnd/>
+              </a14:hiddenLine>
+            </a:ext>
+          </a:extLst>
+        </p:spPr>
+        <p:txBody>
+          <a:bodyPr/>
+          <a:lstStyle>
+            <a:lvl1pPr eaLnBrk="0" hangingPunct="0">
+              <a:defRPr kumimoji="1" sz="2400">
+                <a:solidFill>
+                  <a:schemeClr val="tx1"/>
+                </a:solidFill>
+                <a:latin typeface="굴림" pitchFamily="-84" charset="-127"/>
+                <a:ea typeface="굴림" pitchFamily="-84" charset="-127"/>
+              </a:defRPr>
+            </a:lvl1pPr>
+            <a:lvl2pPr marL="742950" indent="-285750" eaLnBrk="0" hangingPunct="0">
+              <a:defRPr kumimoji="1" sz="2400">
+                <a:solidFill>
+                  <a:schemeClr val="tx1"/>
+                </a:solidFill>
+                <a:latin typeface="굴림" pitchFamily="-84" charset="-127"/>
+                <a:ea typeface="굴림" pitchFamily="-84" charset="-127"/>
+              </a:defRPr>
+            </a:lvl2pPr>
+            <a:lvl3pPr marL="1143000" indent="-228600" eaLnBrk="0" hangingPunct="0">
+              <a:defRPr kumimoji="1" sz="2400">
+                <a:solidFill>
+                  <a:schemeClr val="tx1"/>
+                </a:solidFill>
+                <a:latin typeface="굴림" pitchFamily="-84" charset="-127"/>
+                <a:ea typeface="굴림" pitchFamily="-84" charset="-127"/>
+              </a:defRPr>
+            </a:lvl3pPr>
+            <a:lvl4pPr marL="1600200" indent="-228600" eaLnBrk="0" hangingPunct="0">
+              <a:defRPr kumimoji="1" sz="2400">
+                <a:solidFill>
+                  <a:schemeClr val="tx1"/>
+                </a:solidFill>
+                <a:latin typeface="굴림" pitchFamily="-84" charset="-127"/>
+                <a:ea typeface="굴림" pitchFamily="-84" charset="-127"/>
+              </a:defRPr>
+            </a:lvl4pPr>
+            <a:lvl5pPr marL="2057400" indent="-228600" eaLnBrk="0" hangingPunct="0">
+              <a:defRPr kumimoji="1" sz="2400">
+                <a:solidFill>
+                  <a:schemeClr val="tx1"/>
+                </a:solidFill>
+                <a:latin typeface="굴림" pitchFamily="-84" charset="-127"/>
+                <a:ea typeface="굴림" pitchFamily="-84" charset="-127"/>
+              </a:defRPr>
+            </a:lvl5pPr>
+            <a:lvl6pPr marL="2514600" indent="-228600" eaLnBrk="0" fontAlgn="base" latinLnBrk="1" hangingPunct="0">
+              <a:spcBef>
+                <a:spcPct val="0"/>
+              </a:spcBef>
+              <a:spcAft>
+                <a:spcPct val="0"/>
+              </a:spcAft>
+              <a:defRPr kumimoji="1" sz="2400">
+                <a:solidFill>
+                  <a:schemeClr val="tx1"/>
+                </a:solidFill>
+                <a:latin typeface="굴림" pitchFamily="-84" charset="-127"/>
+                <a:ea typeface="굴림" pitchFamily="-84" charset="-127"/>
+              </a:defRPr>
+            </a:lvl6pPr>
+            <a:lvl7pPr marL="2971800" indent="-228600" eaLnBrk="0" fontAlgn="base" latinLnBrk="1" hangingPunct="0">
+              <a:spcBef>
+                <a:spcPct val="0"/>
+              </a:spcBef>
+              <a:spcAft>
+                <a:spcPct val="0"/>
+              </a:spcAft>
+              <a:defRPr kumimoji="1" sz="2400">
+                <a:solidFill>
+                  <a:schemeClr val="tx1"/>
+                </a:solidFill>
+                <a:latin typeface="굴림" pitchFamily="-84" charset="-127"/>
+                <a:ea typeface="굴림" pitchFamily="-84" charset="-127"/>
+              </a:defRPr>
+            </a:lvl7pPr>
+            <a:lvl8pPr marL="3429000" indent="-228600" eaLnBrk="0" fontAlgn="base" latinLnBrk="1" hangingPunct="0">
+              <a:spcBef>
+                <a:spcPct val="0"/>
+              </a:spcBef>
+              <a:spcAft>
+                <a:spcPct val="0"/>
+              </a:spcAft>
+              <a:defRPr kumimoji="1" sz="2400">
+                <a:solidFill>
+                  <a:schemeClr val="tx1"/>
+                </a:solidFill>
+                <a:latin typeface="굴림" pitchFamily="-84" charset="-127"/>
+                <a:ea typeface="굴림" pitchFamily="-84" charset="-127"/>
+              </a:defRPr>
+            </a:lvl8pPr>
+            <a:lvl9pPr marL="3886200" indent="-228600" eaLnBrk="0" fontAlgn="base" latinLnBrk="1" hangingPunct="0">
+              <a:spcBef>
+                <a:spcPct val="0"/>
+              </a:spcBef>
+              <a:spcAft>
+                <a:spcPct val="0"/>
+              </a:spcAft>
+              <a:defRPr kumimoji="1" sz="2400">
+                <a:solidFill>
+                  <a:schemeClr val="tx1"/>
+                </a:solidFill>
+                <a:latin typeface="굴림" pitchFamily="-84" charset="-127"/>
+                <a:ea typeface="굴림" pitchFamily="-84" charset="-127"/>
+              </a:defRPr>
+            </a:lvl9pPr>
+          </a:lstStyle>
+          <a:p>
+            <a:pPr eaLnBrk="1" hangingPunct="1"/>
+            <a:fld id="{B564DA8A-116A-443D-9080-D881E8D1D22C}" type="slidenum">
+              <a:rPr kumimoji="0" lang="ko-KR" altLang="en-US" sz="1200">
+                <a:solidFill>
+                  <a:srgbClr val="898989"/>
+                </a:solidFill>
+                <a:latin typeface="한컴 솔잎 M" pitchFamily="18" charset="-127"/>
+                <a:ea typeface="한컴 솔잎 M" pitchFamily="18" charset="-127"/>
+              </a:rPr>
+              <a:pPr eaLnBrk="1" hangingPunct="1"/>
+              <a:t>10</a:t>
+            </a:fld>
+            <a:endParaRPr kumimoji="0" lang="ko-KR" altLang="en-US" sz="1200">
+              <a:solidFill>
+                <a:srgbClr val="898989"/>
+              </a:solidFill>
+              <a:latin typeface="한컴 솔잎 M" pitchFamily="18" charset="-127"/>
+              <a:ea typeface="한컴 솔잎 M" pitchFamily="18" charset="-127"/>
+            </a:endParaRPr>
+          </a:p>
+        </p:txBody>
+      </p:sp>
+      <p:pic>
+        <p:nvPicPr>
+          <p:cNvPr id="10246" name="Picture 2"/>
+          <p:cNvPicPr>
+            <a:picLocks noChangeAspect="1" noChangeArrowheads="1"/>
+          </p:cNvPicPr>
+          <p:nvPr/>
+        </p:nvPicPr>
+        <p:blipFill>
+          <a:blip r:embed="rId2">
+            <a:extLst>
+              <a:ext uri="{28A0092B-C50C-407E-A947-70E740481C1C}">
+                <a14:useLocalDpi xmlns:a14="http://schemas.microsoft.com/office/drawing/2010/main" val="0"/>
+              </a:ext>
+            </a:extLst>
+          </a:blip>
+          <a:srcRect/>
+          <a:stretch>
+            <a:fillRect/>
+          </a:stretch>
+        </p:blipFill>
+        <p:spPr bwMode="auto">
+          <a:xfrm>
+            <a:off x="4643438" y="2708275"/>
+            <a:ext cx="4259262" cy="3024188"/>
+          </a:xfrm>
+          <a:prstGeom prst="rect">
+            <a:avLst/>
+          </a:prstGeom>
+          <a:noFill/>
+          <a:ln>
+            <a:noFill/>
+          </a:ln>
+          <a:effectLst/>
+          <a:extLst>
+            <a:ext uri="{909E8E84-426E-40DD-AFC4-6F175D3DCCD1}">
+              <a14:hiddenFill xmlns:a14="http://schemas.microsoft.com/office/drawing/2010/main">
+                <a:solidFill>
+                  <a:schemeClr val="accent1"/>
+                </a:solidFill>
+              </a14:hiddenFill>
+            </a:ext>
+            <a:ext uri="{91240B29-F687-4F45-9708-019B960494DF}">
+              <a14:hiddenLine xmlns:a14="http://schemas.microsoft.com/office/drawing/2010/main" w="9525">
+                <a:solidFill>
+                  <a:schemeClr val="tx1"/>
+                </a:solidFill>
+                <a:miter lim="800000"/>
+                <a:headEnd/>
+                <a:tailEnd/>
+              </a14:hiddenLine>
+            </a:ext>
+            <a:ext uri="{AF507438-7753-43E0-B8FC-AC1667EBCBE1}">
+              <a14:hiddenEffects xmlns:a14="http://schemas.microsoft.com/office/drawing/2010/main">
+                <a:effectLst>
+                  <a:outerShdw blurRad="63500" dist="38099" dir="2700000" algn="ctr" rotWithShape="0">
+                    <a:schemeClr val="bg2">
+                      <a:alpha val="74998"/>
+                    </a:schemeClr>
+                  </a:outerShdw>
+                </a:effectLst>
+              </a14:hiddenEffects>
+            </a:ext>
+          </a:extLst>
+        </p:spPr>
+      </p:pic>
+    </p:spTree>
+    <p:extLst>
+      <p:ext uri="{BB962C8B-B14F-4D97-AF65-F5344CB8AC3E}">
+        <p14:creationId xmlns:p14="http://schemas.microsoft.com/office/powerpoint/2010/main" val="4177061064"/>
+      </p:ext>
+    </p:extLst>
+  </p:cSld>
+  <p:clrMapOvr>
+    <a:masterClrMapping/>
+  </p:clrMapOvr>
+</p:sld>
+</file>
+
+<file path=ppt/slides/slide11.xml><?xml version="1.0" encoding="utf-8"?>
 <p:sld xmlns:a="http://schemas.openxmlformats.org/drawingml/2006/main" xmlns:r="http://schemas.openxmlformats.org/officeDocument/2006/relationships" xmlns:p="http://schemas.openxmlformats.org/presentationml/2006/main">
   <p:cSld>
     <p:spTree>
@@ -3935,7 +4522,7 @@
                 <a:ea typeface="한컴 솔잎 M" pitchFamily="18" charset="-127"/>
               </a:rPr>
               <a:pPr eaLnBrk="1" hangingPunct="1"/>
-              <a:t>10</a:t>
+              <a:t>11</a:t>
             </a:fld>
             <a:endParaRPr kumimoji="0" lang="ko-KR" altLang="en-US" sz="1200">
               <a:solidFill>
@@ -3960,7 +4547,7 @@
 </p:sld>
 </file>
 
-<file path=ppt/slides/slide11.xml><?xml version="1.0" encoding="utf-8"?>
+<file path=ppt/slides/slide12.xml><?xml version="1.0" encoding="utf-8"?>
 <p:sld xmlns:a="http://schemas.openxmlformats.org/drawingml/2006/main" xmlns:r="http://schemas.openxmlformats.org/officeDocument/2006/relationships" xmlns:p="http://schemas.openxmlformats.org/presentationml/2006/main">
   <p:cSld>
     <p:spTree>
@@ -4390,7 +4977,7 @@
                 <a:ea typeface="한컴 솔잎 M" pitchFamily="18" charset="-127"/>
               </a:rPr>
               <a:pPr eaLnBrk="1" hangingPunct="1"/>
-              <a:t>11</a:t>
+              <a:t>12</a:t>
             </a:fld>
             <a:endParaRPr kumimoji="0" lang="ko-KR" altLang="en-US" sz="1200">
               <a:solidFill>
@@ -4613,7 +5200,7 @@
 </p:sld>
 </file>
 
-<file path=ppt/slides/slide12.xml><?xml version="1.0" encoding="utf-8"?>
+<file path=ppt/slides/slide13.xml><?xml version="1.0" encoding="utf-8"?>
 <p:sld xmlns:a="http://schemas.openxmlformats.org/drawingml/2006/main" xmlns:r="http://schemas.openxmlformats.org/officeDocument/2006/relationships" xmlns:p="http://schemas.openxmlformats.org/presentationml/2006/main">
   <p:cSld>
     <p:spTree>
@@ -4949,7 +5536,7 @@
                 <a:ea typeface="한컴 솔잎 M" pitchFamily="18" charset="-127"/>
               </a:rPr>
               <a:pPr eaLnBrk="1" hangingPunct="1"/>
-              <a:t>12</a:t>
+              <a:t>13</a:t>
             </a:fld>
             <a:endParaRPr kumimoji="0" lang="ko-KR" altLang="en-US" sz="1200">
               <a:solidFill>
@@ -5040,7 +5627,7 @@
 </p:sld>
 </file>
 
-<file path=ppt/slides/slide13.xml><?xml version="1.0" encoding="utf-8"?>
+<file path=ppt/slides/slide14.xml><?xml version="1.0" encoding="utf-8"?>
 <p:sld xmlns:a="http://schemas.openxmlformats.org/drawingml/2006/main" xmlns:r="http://schemas.openxmlformats.org/officeDocument/2006/relationships" xmlns:p="http://schemas.openxmlformats.org/presentationml/2006/main">
   <p:cSld>
     <p:spTree>
@@ -5401,7 +5988,7 @@
                 <a:ea typeface="한컴 솔잎 M" pitchFamily="18" charset="-127"/>
               </a:rPr>
               <a:pPr eaLnBrk="1" hangingPunct="1"/>
-              <a:t>13</a:t>
+              <a:t>14</a:t>
             </a:fld>
             <a:endParaRPr kumimoji="0" lang="ko-KR" altLang="en-US" sz="1200">
               <a:solidFill>
@@ -5558,7 +6145,7 @@
 </p:sld>
 </file>
 
-<file path=ppt/slides/slide14.xml><?xml version="1.0" encoding="utf-8"?>
+<file path=ppt/slides/slide15.xml><?xml version="1.0" encoding="utf-8"?>
 <p:sld xmlns:a="http://schemas.openxmlformats.org/drawingml/2006/main" xmlns:r="http://schemas.openxmlformats.org/officeDocument/2006/relationships" xmlns:p="http://schemas.openxmlformats.org/presentationml/2006/main">
   <p:cSld>
     <p:spTree>
@@ -5943,7 +6530,7 @@
                 <a:ea typeface="한컴 솔잎 M" pitchFamily="18" charset="-127"/>
               </a:rPr>
               <a:pPr eaLnBrk="1" hangingPunct="1"/>
-              <a:t>14</a:t>
+              <a:t>15</a:t>
             </a:fld>
             <a:endParaRPr kumimoji="0" lang="ko-KR" altLang="en-US" sz="1200">
               <a:solidFill>
@@ -6100,7 +6687,7 @@
 </p:sld>
 </file>
 
-<file path=ppt/slides/slide15.xml><?xml version="1.0" encoding="utf-8"?>
+<file path=ppt/slides/slide16.xml><?xml version="1.0" encoding="utf-8"?>
 <p:sld xmlns:a="http://schemas.openxmlformats.org/drawingml/2006/main" xmlns:r="http://schemas.openxmlformats.org/officeDocument/2006/relationships" xmlns:p="http://schemas.openxmlformats.org/presentationml/2006/main">
   <p:cSld>
     <p:spTree>
@@ -6440,7 +7027,7 @@
                 <a:ea typeface="한컴 솔잎 M" pitchFamily="18" charset="-127"/>
               </a:rPr>
               <a:pPr eaLnBrk="1" hangingPunct="1"/>
-              <a:t>15</a:t>
+              <a:t>16</a:t>
             </a:fld>
             <a:endParaRPr kumimoji="0" lang="ko-KR" altLang="en-US" sz="1200">
               <a:solidFill>
@@ -6842,7 +7429,7 @@
 </p:sld>
 </file>
 
-<file path=ppt/slides/slide16.xml><?xml version="1.0" encoding="utf-8"?>
+<file path=ppt/slides/slide17.xml><?xml version="1.0" encoding="utf-8"?>
 <p:sld xmlns:a="http://schemas.openxmlformats.org/drawingml/2006/main" xmlns:r="http://schemas.openxmlformats.org/officeDocument/2006/relationships" xmlns:p="http://schemas.openxmlformats.org/presentationml/2006/main">
   <p:cSld>
     <p:spTree>
@@ -7259,7 +7846,7 @@
                 <a:ea typeface="한컴 솔잎 M" pitchFamily="18" charset="-127"/>
               </a:rPr>
               <a:pPr eaLnBrk="1" hangingPunct="1"/>
-              <a:t>16</a:t>
+              <a:t>17</a:t>
             </a:fld>
             <a:endParaRPr kumimoji="0" lang="ko-KR" altLang="en-US" sz="1200">
               <a:solidFill>
@@ -7548,7 +8135,7 @@
 </p:sld>
 </file>
 
-<file path=ppt/slides/slide17.xml><?xml version="1.0" encoding="utf-8"?>
+<file path=ppt/slides/slide18.xml><?xml version="1.0" encoding="utf-8"?>
 <p:sld xmlns:a="http://schemas.openxmlformats.org/drawingml/2006/main" xmlns:r="http://schemas.openxmlformats.org/officeDocument/2006/relationships" xmlns:p="http://schemas.openxmlformats.org/presentationml/2006/main">
   <p:cSld>
     <p:spTree>
@@ -7881,7 +8468,7 @@
                 <a:ea typeface="한컴 솔잎 M" pitchFamily="18" charset="-127"/>
               </a:rPr>
               <a:pPr eaLnBrk="1" hangingPunct="1"/>
-              <a:t>17</a:t>
+              <a:t>18</a:t>
             </a:fld>
             <a:endParaRPr kumimoji="0" lang="ko-KR" altLang="en-US" sz="1200">
               <a:solidFill>
@@ -8170,7 +8757,7 @@
 </p:sld>
 </file>
 
-<file path=ppt/slides/slide18.xml><?xml version="1.0" encoding="utf-8"?>
+<file path=ppt/slides/slide19.xml><?xml version="1.0" encoding="utf-8"?>
 <p:sld xmlns:a="http://schemas.openxmlformats.org/drawingml/2006/main" xmlns:r="http://schemas.openxmlformats.org/officeDocument/2006/relationships" xmlns:p="http://schemas.openxmlformats.org/presentationml/2006/main">
   <p:cSld>
     <p:spTree>
@@ -8592,7 +9179,7 @@
                 <a:ea typeface="한컴 솔잎 M" pitchFamily="18" charset="-127"/>
               </a:rPr>
               <a:pPr eaLnBrk="1" hangingPunct="1"/>
-              <a:t>18</a:t>
+              <a:t>19</a:t>
             </a:fld>
             <a:endParaRPr kumimoji="0" lang="ko-KR" altLang="en-US" sz="1200">
               <a:solidFill>
@@ -9038,7 +9625,238 @@
 </p:sld>
 </file>
 
-<file path=ppt/slides/slide19.xml><?xml version="1.0" encoding="utf-8"?>
+<file path=ppt/slides/slide2.xml><?xml version="1.0" encoding="utf-8"?>
+<p:sld xmlns:a="http://schemas.openxmlformats.org/drawingml/2006/main" xmlns:r="http://schemas.openxmlformats.org/officeDocument/2006/relationships" xmlns:p="http://schemas.openxmlformats.org/presentationml/2006/main">
+  <p:cSld>
+    <p:spTree>
+      <p:nvGrpSpPr>
+        <p:cNvPr id="1" name=""/>
+        <p:cNvGrpSpPr/>
+        <p:nvPr/>
+      </p:nvGrpSpPr>
+      <p:grpSpPr>
+        <a:xfrm>
+          <a:off x="0" y="0"/>
+          <a:ext cx="0" cy="0"/>
+          <a:chOff x="0" y="0"/>
+          <a:chExt cx="0" cy="0"/>
+        </a:xfrm>
+      </p:grpSpPr>
+      <p:sp>
+        <p:nvSpPr>
+          <p:cNvPr id="2" name="Foliennummernplatzhalter 1">
+            <a:extLst>
+              <a:ext uri="{FF2B5EF4-FFF2-40B4-BE49-F238E27FC236}">
+                <a16:creationId xmlns:a16="http://schemas.microsoft.com/office/drawing/2014/main" id="{519B8AEC-CEA4-4A1A-9790-6A13B20928C7}"/>
+              </a:ext>
+            </a:extLst>
+          </p:cNvPr>
+          <p:cNvSpPr>
+            <a:spLocks noGrp="1"/>
+          </p:cNvSpPr>
+          <p:nvPr>
+            <p:ph type="sldNum" sz="quarter" idx="12"/>
+          </p:nvPr>
+        </p:nvSpPr>
+        <p:spPr/>
+        <p:txBody>
+          <a:bodyPr/>
+          <a:lstStyle/>
+          <a:p>
+            <a:fld id="{746BC1E4-9FFC-44C0-9689-76C86B3A9246}" type="slidenum">
+              <a:rPr lang="de-DE" smtClean="0"/>
+              <a:t>2</a:t>
+            </a:fld>
+            <a:endParaRPr lang="de-DE"/>
+          </a:p>
+        </p:txBody>
+      </p:sp>
+      <p:sp>
+        <p:nvSpPr>
+          <p:cNvPr id="4" name="Titel 3">
+            <a:extLst>
+              <a:ext uri="{FF2B5EF4-FFF2-40B4-BE49-F238E27FC236}">
+                <a16:creationId xmlns:a16="http://schemas.microsoft.com/office/drawing/2014/main" id="{589EA87C-2A33-42B4-B04F-A613D295A078}"/>
+              </a:ext>
+            </a:extLst>
+          </p:cNvPr>
+          <p:cNvSpPr>
+            <a:spLocks noGrp="1"/>
+          </p:cNvSpPr>
+          <p:nvPr>
+            <p:ph type="title" idx="4294967295"/>
+          </p:nvPr>
+        </p:nvSpPr>
+        <p:spPr>
+          <a:xfrm>
+            <a:off x="0" y="120650"/>
+            <a:ext cx="8529638" cy="593725"/>
+          </a:xfrm>
+        </p:spPr>
+        <p:txBody>
+          <a:bodyPr>
+            <a:normAutofit/>
+          </a:bodyPr>
+          <a:lstStyle/>
+          <a:p>
+            <a:r>
+              <a:rPr lang="en-GB" sz="1800" b="1" dirty="0"/>
+              <a:t>Realisation of the course</a:t>
+            </a:r>
+            <a:endParaRPr lang="de-DE" sz="1800" dirty="0"/>
+          </a:p>
+        </p:txBody>
+      </p:sp>
+      <p:sp>
+        <p:nvSpPr>
+          <p:cNvPr id="6" name="Rechteck 5">
+            <a:extLst>
+              <a:ext uri="{FF2B5EF4-FFF2-40B4-BE49-F238E27FC236}">
+                <a16:creationId xmlns:a16="http://schemas.microsoft.com/office/drawing/2014/main" id="{4B5E25CE-C8AC-4424-BA8F-A0183791E9A0}"/>
+              </a:ext>
+            </a:extLst>
+          </p:cNvPr>
+          <p:cNvSpPr/>
+          <p:nvPr/>
+        </p:nvSpPr>
+        <p:spPr>
+          <a:xfrm>
+            <a:off x="492769" y="1631774"/>
+            <a:ext cx="8156360" cy="1938992"/>
+          </a:xfrm>
+          <a:prstGeom prst="rect">
+            <a:avLst/>
+          </a:prstGeom>
+        </p:spPr>
+        <p:txBody>
+          <a:bodyPr wrap="square">
+            <a:spAutoFit/>
+          </a:bodyPr>
+          <a:lstStyle/>
+          <a:p>
+            <a:pPr algn="ctr"/>
+            <a:r>
+              <a:rPr lang="en-GB" sz="1500" dirty="0">
+                <a:latin typeface="Times New Roman" panose="02020603050405020304" pitchFamily="18" charset="0"/>
+                <a:cs typeface="Times New Roman" panose="02020603050405020304" pitchFamily="18" charset="0"/>
+              </a:rPr>
+              <a:t>T</a:t>
+            </a:r>
+            <a:r>
+              <a:rPr lang="en-US" sz="1500" dirty="0">
+                <a:latin typeface="Times New Roman" panose="02020603050405020304" pitchFamily="18" charset="0"/>
+                <a:cs typeface="Times New Roman" panose="02020603050405020304" pitchFamily="18" charset="0"/>
+              </a:rPr>
+              <a:t>his course has been developed within the framework of the project</a:t>
+            </a:r>
+            <a:r>
+              <a:rPr lang="uk-UA" sz="1500" dirty="0">
+                <a:latin typeface="Times New Roman" panose="02020603050405020304" pitchFamily="18" charset="0"/>
+                <a:cs typeface="Times New Roman" panose="02020603050405020304" pitchFamily="18" charset="0"/>
+              </a:rPr>
+              <a:t> </a:t>
+            </a:r>
+            <a:r>
+              <a:rPr lang="en-US" sz="1500" dirty="0">
+                <a:latin typeface="Times New Roman" panose="02020603050405020304" pitchFamily="18" charset="0"/>
+                <a:cs typeface="Times New Roman" panose="02020603050405020304" pitchFamily="18" charset="0"/>
+              </a:rPr>
+              <a:t>“Mechanics digital" by the German Academic Exchange Service (DAAD) under funding program “Ukraine digital: Ensuring academic success in times of crisis (2022)"</a:t>
+            </a:r>
+            <a:br>
+              <a:rPr lang="uk-UA" sz="1500" dirty="0">
+                <a:latin typeface="Times New Roman" panose="02020603050405020304" pitchFamily="18" charset="0"/>
+                <a:cs typeface="Times New Roman" panose="02020603050405020304" pitchFamily="18" charset="0"/>
+              </a:rPr>
+            </a:br>
+            <a:br>
+              <a:rPr lang="uk-UA" sz="1500" dirty="0">
+                <a:latin typeface="Times New Roman" panose="02020603050405020304" pitchFamily="18" charset="0"/>
+                <a:cs typeface="Times New Roman" panose="02020603050405020304" pitchFamily="18" charset="0"/>
+              </a:rPr>
+            </a:br>
+            <a:r>
+              <a:rPr lang="uk-UA" sz="1500" dirty="0">
+                <a:latin typeface="Times New Roman" panose="02020603050405020304" pitchFamily="18" charset="0"/>
+                <a:cs typeface="Times New Roman" panose="02020603050405020304" pitchFamily="18" charset="0"/>
+              </a:rPr>
+              <a:t> </a:t>
+            </a:r>
+            <a:r>
+              <a:rPr lang="en-US" sz="1500" dirty="0">
+                <a:latin typeface="Times New Roman" panose="02020603050405020304" pitchFamily="18" charset="0"/>
+                <a:cs typeface="Times New Roman" panose="02020603050405020304" pitchFamily="18" charset="0"/>
+              </a:rPr>
+              <a:t>The course has been developed in collaboration with our colleagues from the</a:t>
+            </a:r>
+            <a:r>
+              <a:rPr lang="uk-UA" sz="1500" dirty="0">
+                <a:latin typeface="Times New Roman" panose="02020603050405020304" pitchFamily="18" charset="0"/>
+                <a:cs typeface="Times New Roman" panose="02020603050405020304" pitchFamily="18" charset="0"/>
+              </a:rPr>
+              <a:t> </a:t>
+            </a:r>
+            <a:r>
+              <a:rPr lang="en-US" sz="1500" dirty="0">
+                <a:latin typeface="Times New Roman" panose="02020603050405020304" pitchFamily="18" charset="0"/>
+                <a:cs typeface="Times New Roman" panose="02020603050405020304" pitchFamily="18" charset="0"/>
+              </a:rPr>
+              <a:t>Otto-von-Guericke-University Magdeburg in Germany</a:t>
+            </a:r>
+            <a:br>
+              <a:rPr lang="en-US" sz="1500" dirty="0">
+                <a:latin typeface="Times New Roman" panose="02020603050405020304" pitchFamily="18" charset="0"/>
+                <a:cs typeface="Times New Roman" panose="02020603050405020304" pitchFamily="18" charset="0"/>
+              </a:rPr>
+            </a:br>
+            <a:br>
+              <a:rPr lang="en-US" sz="1500" dirty="0">
+                <a:latin typeface="Times New Roman" panose="02020603050405020304" pitchFamily="18" charset="0"/>
+                <a:cs typeface="Times New Roman" panose="02020603050405020304" pitchFamily="18" charset="0"/>
+              </a:rPr>
+            </a:br>
+            <a:r>
+              <a:rPr lang="uk-UA" sz="1500" dirty="0">
+                <a:latin typeface="Times New Roman" panose="02020603050405020304" pitchFamily="18" charset="0"/>
+                <a:cs typeface="Times New Roman" panose="02020603050405020304" pitchFamily="18" charset="0"/>
+              </a:rPr>
+              <a:t> </a:t>
+            </a:r>
+            <a:r>
+              <a:rPr lang="en-GB" sz="1500" dirty="0">
+                <a:latin typeface="Times New Roman" panose="02020603050405020304" pitchFamily="18" charset="0"/>
+                <a:cs typeface="Times New Roman" panose="02020603050405020304" pitchFamily="18" charset="0"/>
+              </a:rPr>
+              <a:t>We would like to </a:t>
+            </a:r>
+            <a:r>
+              <a:rPr lang="en-US" sz="1500" dirty="0">
+                <a:latin typeface="Times New Roman" panose="02020603050405020304" pitchFamily="18" charset="0"/>
+                <a:cs typeface="Times New Roman" panose="02020603050405020304" pitchFamily="18" charset="0"/>
+              </a:rPr>
+              <a:t>thank the DAAD for their financial and logistical support</a:t>
+            </a:r>
+            <a:endParaRPr lang="de-DE" sz="1500" dirty="0">
+              <a:latin typeface="Times New Roman" panose="02020603050405020304" pitchFamily="18" charset="0"/>
+              <a:cs typeface="Times New Roman" panose="02020603050405020304" pitchFamily="18" charset="0"/>
+            </a:endParaRPr>
+          </a:p>
+        </p:txBody>
+      </p:sp>
+    </p:spTree>
+    <p:extLst>
+      <p:ext uri="{BB962C8B-B14F-4D97-AF65-F5344CB8AC3E}">
+        <p14:creationId xmlns:p14="http://schemas.microsoft.com/office/powerpoint/2010/main" val="571661756"/>
+      </p:ext>
+    </p:extLst>
+  </p:cSld>
+  <p:clrMapOvr>
+    <a:masterClrMapping/>
+  </p:clrMapOvr>
+</p:sld>
+</file>
+
+<file path=ppt/slides/slide20.xml><?xml version="1.0" encoding="utf-8"?>
 <p:sld xmlns:a="http://schemas.openxmlformats.org/drawingml/2006/main" xmlns:r="http://schemas.openxmlformats.org/officeDocument/2006/relationships" xmlns:p="http://schemas.openxmlformats.org/presentationml/2006/main">
   <p:cSld>
     <p:spTree>
@@ -9471,7 +10289,7 @@
                 <a:ea typeface="한컴 솔잎 M" pitchFamily="18" charset="-127"/>
               </a:rPr>
               <a:pPr eaLnBrk="1" hangingPunct="1"/>
-              <a:t>19</a:t>
+              <a:t>20</a:t>
             </a:fld>
             <a:endParaRPr kumimoji="0" lang="ko-KR" altLang="en-US" sz="1200">
               <a:solidFill>
@@ -9562,262 +10380,7 @@
 </p:sld>
 </file>
 
-<file path=ppt/slides/slide2.xml><?xml version="1.0" encoding="utf-8"?>
-<p:sld xmlns:a="http://schemas.openxmlformats.org/drawingml/2006/main" xmlns:r="http://schemas.openxmlformats.org/officeDocument/2006/relationships" xmlns:p="http://schemas.openxmlformats.org/presentationml/2006/main">
-  <p:cSld>
-    <p:spTree>
-      <p:nvGrpSpPr>
-        <p:cNvPr id="1" name=""/>
-        <p:cNvGrpSpPr/>
-        <p:nvPr/>
-      </p:nvGrpSpPr>
-      <p:grpSpPr>
-        <a:xfrm>
-          <a:off x="0" y="0"/>
-          <a:ext cx="0" cy="0"/>
-          <a:chOff x="0" y="0"/>
-          <a:chExt cx="0" cy="0"/>
-        </a:xfrm>
-      </p:grpSpPr>
-      <p:sp>
-        <p:nvSpPr>
-          <p:cNvPr id="2" name="제목 1"/>
-          <p:cNvSpPr>
-            <a:spLocks noGrp="1"/>
-          </p:cNvSpPr>
-          <p:nvPr>
-            <p:ph type="title"/>
-          </p:nvPr>
-        </p:nvSpPr>
-        <p:spPr>
-          <a:xfrm>
-            <a:off x="457200" y="2852738"/>
-            <a:ext cx="8229600" cy="561975"/>
-          </a:xfrm>
-        </p:spPr>
-        <p:txBody>
-          <a:bodyPr>
-            <a:normAutofit fontScale="90000"/>
-          </a:bodyPr>
-          <a:lstStyle/>
-          <a:p>
-            <a:pPr algn="r"/>
-            <a:r>
-              <a:rPr lang="en-US" altLang="ko-KR" sz="2600" dirty="0">
-                <a:ea typeface="굴림" pitchFamily="-84" charset="-127"/>
-              </a:rPr>
-              <a:t>Graph Analyzing with </a:t>
-            </a:r>
-            <a:r>
-              <a:rPr lang="en-US" altLang="ko-KR" sz="2600" dirty="0" err="1">
-                <a:ea typeface="굴림" pitchFamily="-84" charset="-127"/>
-              </a:rPr>
-              <a:t>NetworkX</a:t>
-            </a:r>
-            <a:r>
-              <a:rPr lang="en-US" altLang="ko-KR" sz="2600" dirty="0">
-                <a:ea typeface="굴림" pitchFamily="-84" charset="-127"/>
-              </a:rPr>
-              <a:t> on python</a:t>
-            </a:r>
-            <a:br>
-              <a:rPr lang="en-US" altLang="ko-KR" sz="2600" dirty="0">
-                <a:ea typeface="굴림" pitchFamily="-84" charset="-127"/>
-              </a:rPr>
-            </a:br>
-            <a:br>
-              <a:rPr lang="en-US" altLang="ko-KR" sz="2600" dirty="0">
-                <a:ea typeface="굴림" pitchFamily="-84" charset="-127"/>
-              </a:rPr>
-            </a:br>
-            <a:r>
-              <a:rPr lang="en-US" altLang="ko-KR" sz="1600" dirty="0">
-                <a:ea typeface="굴림" pitchFamily="-84" charset="-127"/>
-              </a:rPr>
-              <a:t>[reference] http://networkx.github.com/documentation/latest/tutorial/index.html</a:t>
-            </a:r>
-            <a:endParaRPr lang="ko-KR" altLang="en-US" sz="2600" dirty="0"/>
-          </a:p>
-        </p:txBody>
-      </p:sp>
-      <p:sp>
-        <p:nvSpPr>
-          <p:cNvPr id="5123" name="슬라이드 번호 개체 틀 4"/>
-          <p:cNvSpPr>
-            <a:spLocks noGrp="1"/>
-          </p:cNvSpPr>
-          <p:nvPr>
-            <p:ph type="sldNum" sz="quarter" idx="12"/>
-          </p:nvPr>
-        </p:nvSpPr>
-        <p:spPr bwMode="auto">
-          <a:noFill/>
-          <a:extLst>
-            <a:ext uri="{909E8E84-426E-40DD-AFC4-6F175D3DCCD1}">
-              <a14:hiddenFill xmlns:a14="http://schemas.microsoft.com/office/drawing/2010/main">
-                <a:solidFill>
-                  <a:srgbClr val="FFFFFF"/>
-                </a:solidFill>
-              </a14:hiddenFill>
-            </a:ext>
-            <a:ext uri="{91240B29-F687-4F45-9708-019B960494DF}">
-              <a14:hiddenLine xmlns:a14="http://schemas.microsoft.com/office/drawing/2010/main" w="9525">
-                <a:solidFill>
-                  <a:srgbClr val="000000"/>
-                </a:solidFill>
-                <a:miter lim="800000"/>
-                <a:headEnd/>
-                <a:tailEnd/>
-              </a14:hiddenLine>
-            </a:ext>
-          </a:extLst>
-        </p:spPr>
-        <p:txBody>
-          <a:bodyPr/>
-          <a:lstStyle>
-            <a:lvl1pPr eaLnBrk="0" hangingPunct="0">
-              <a:defRPr kumimoji="1" sz="2400">
-                <a:solidFill>
-                  <a:schemeClr val="tx1"/>
-                </a:solidFill>
-                <a:latin typeface="굴림" pitchFamily="-84" charset="-127"/>
-                <a:ea typeface="굴림" pitchFamily="-84" charset="-127"/>
-              </a:defRPr>
-            </a:lvl1pPr>
-            <a:lvl2pPr marL="742950" indent="-285750" eaLnBrk="0" hangingPunct="0">
-              <a:defRPr kumimoji="1" sz="2400">
-                <a:solidFill>
-                  <a:schemeClr val="tx1"/>
-                </a:solidFill>
-                <a:latin typeface="굴림" pitchFamily="-84" charset="-127"/>
-                <a:ea typeface="굴림" pitchFamily="-84" charset="-127"/>
-              </a:defRPr>
-            </a:lvl2pPr>
-            <a:lvl3pPr marL="1143000" indent="-228600" eaLnBrk="0" hangingPunct="0">
-              <a:defRPr kumimoji="1" sz="2400">
-                <a:solidFill>
-                  <a:schemeClr val="tx1"/>
-                </a:solidFill>
-                <a:latin typeface="굴림" pitchFamily="-84" charset="-127"/>
-                <a:ea typeface="굴림" pitchFamily="-84" charset="-127"/>
-              </a:defRPr>
-            </a:lvl3pPr>
-            <a:lvl4pPr marL="1600200" indent="-228600" eaLnBrk="0" hangingPunct="0">
-              <a:defRPr kumimoji="1" sz="2400">
-                <a:solidFill>
-                  <a:schemeClr val="tx1"/>
-                </a:solidFill>
-                <a:latin typeface="굴림" pitchFamily="-84" charset="-127"/>
-                <a:ea typeface="굴림" pitchFamily="-84" charset="-127"/>
-              </a:defRPr>
-            </a:lvl4pPr>
-            <a:lvl5pPr marL="2057400" indent="-228600" eaLnBrk="0" hangingPunct="0">
-              <a:defRPr kumimoji="1" sz="2400">
-                <a:solidFill>
-                  <a:schemeClr val="tx1"/>
-                </a:solidFill>
-                <a:latin typeface="굴림" pitchFamily="-84" charset="-127"/>
-                <a:ea typeface="굴림" pitchFamily="-84" charset="-127"/>
-              </a:defRPr>
-            </a:lvl5pPr>
-            <a:lvl6pPr marL="2514600" indent="-228600" eaLnBrk="0" fontAlgn="base" latinLnBrk="1" hangingPunct="0">
-              <a:spcBef>
-                <a:spcPct val="0"/>
-              </a:spcBef>
-              <a:spcAft>
-                <a:spcPct val="0"/>
-              </a:spcAft>
-              <a:defRPr kumimoji="1" sz="2400">
-                <a:solidFill>
-                  <a:schemeClr val="tx1"/>
-                </a:solidFill>
-                <a:latin typeface="굴림" pitchFamily="-84" charset="-127"/>
-                <a:ea typeface="굴림" pitchFamily="-84" charset="-127"/>
-              </a:defRPr>
-            </a:lvl6pPr>
-            <a:lvl7pPr marL="2971800" indent="-228600" eaLnBrk="0" fontAlgn="base" latinLnBrk="1" hangingPunct="0">
-              <a:spcBef>
-                <a:spcPct val="0"/>
-              </a:spcBef>
-              <a:spcAft>
-                <a:spcPct val="0"/>
-              </a:spcAft>
-              <a:defRPr kumimoji="1" sz="2400">
-                <a:solidFill>
-                  <a:schemeClr val="tx1"/>
-                </a:solidFill>
-                <a:latin typeface="굴림" pitchFamily="-84" charset="-127"/>
-                <a:ea typeface="굴림" pitchFamily="-84" charset="-127"/>
-              </a:defRPr>
-            </a:lvl7pPr>
-            <a:lvl8pPr marL="3429000" indent="-228600" eaLnBrk="0" fontAlgn="base" latinLnBrk="1" hangingPunct="0">
-              <a:spcBef>
-                <a:spcPct val="0"/>
-              </a:spcBef>
-              <a:spcAft>
-                <a:spcPct val="0"/>
-              </a:spcAft>
-              <a:defRPr kumimoji="1" sz="2400">
-                <a:solidFill>
-                  <a:schemeClr val="tx1"/>
-                </a:solidFill>
-                <a:latin typeface="굴림" pitchFamily="-84" charset="-127"/>
-                <a:ea typeface="굴림" pitchFamily="-84" charset="-127"/>
-              </a:defRPr>
-            </a:lvl8pPr>
-            <a:lvl9pPr marL="3886200" indent="-228600" eaLnBrk="0" fontAlgn="base" latinLnBrk="1" hangingPunct="0">
-              <a:spcBef>
-                <a:spcPct val="0"/>
-              </a:spcBef>
-              <a:spcAft>
-                <a:spcPct val="0"/>
-              </a:spcAft>
-              <a:defRPr kumimoji="1" sz="2400">
-                <a:solidFill>
-                  <a:schemeClr val="tx1"/>
-                </a:solidFill>
-                <a:latin typeface="굴림" pitchFamily="-84" charset="-127"/>
-                <a:ea typeface="굴림" pitchFamily="-84" charset="-127"/>
-              </a:defRPr>
-            </a:lvl9pPr>
-          </a:lstStyle>
-          <a:p>
-            <a:pPr eaLnBrk="1" hangingPunct="1"/>
-            <a:fld id="{5FC0A59F-C351-4DBC-BE2C-B0FC9EBE39E6}" type="slidenum">
-              <a:rPr kumimoji="0" lang="ko-KR" altLang="en-US" sz="1200">
-                <a:solidFill>
-                  <a:srgbClr val="898989"/>
-                </a:solidFill>
-                <a:latin typeface="한컴 솔잎 M" pitchFamily="18" charset="-127"/>
-                <a:ea typeface="한컴 솔잎 M" pitchFamily="18" charset="-127"/>
-              </a:rPr>
-              <a:pPr eaLnBrk="1" hangingPunct="1"/>
-              <a:t>2</a:t>
-            </a:fld>
-            <a:endParaRPr kumimoji="0" lang="ko-KR" altLang="en-US" sz="1200">
-              <a:solidFill>
-                <a:srgbClr val="898989"/>
-              </a:solidFill>
-              <a:latin typeface="한컴 솔잎 M" pitchFamily="18" charset="-127"/>
-              <a:ea typeface="한컴 솔잎 M" pitchFamily="18" charset="-127"/>
-            </a:endParaRPr>
-          </a:p>
-        </p:txBody>
-      </p:sp>
-    </p:spTree>
-    <p:extLst>
-      <p:ext uri="{BB962C8B-B14F-4D97-AF65-F5344CB8AC3E}">
-        <p14:creationId xmlns:p14="http://schemas.microsoft.com/office/powerpoint/2010/main" val="1497795616"/>
-      </p:ext>
-    </p:extLst>
-  </p:cSld>
-  <p:clrMapOvr>
-    <a:masterClrMapping/>
-  </p:clrMapOvr>
-</p:sld>
-</file>
-
-<file path=ppt/slides/slide20.xml><?xml version="1.0" encoding="utf-8"?>
+<file path=ppt/slides/slide21.xml><?xml version="1.0" encoding="utf-8"?>
 <p:sld xmlns:a="http://schemas.openxmlformats.org/drawingml/2006/main" xmlns:r="http://schemas.openxmlformats.org/officeDocument/2006/relationships" xmlns:p="http://schemas.openxmlformats.org/presentationml/2006/main">
   <p:cSld>
     <p:spTree>
@@ -10174,7 +10737,7 @@
                 <a:ea typeface="한컴 솔잎 M" pitchFamily="18" charset="-127"/>
               </a:rPr>
               <a:pPr eaLnBrk="1" hangingPunct="1"/>
-              <a:t>20</a:t>
+              <a:t>21</a:t>
             </a:fld>
             <a:endParaRPr kumimoji="0" lang="ko-KR" altLang="en-US" sz="1200">
               <a:solidFill>
@@ -10265,7 +10828,7 @@
 </p:sld>
 </file>
 
-<file path=ppt/slides/slide21.xml><?xml version="1.0" encoding="utf-8"?>
+<file path=ppt/slides/slide22.xml><?xml version="1.0" encoding="utf-8"?>
 <p:sld xmlns:a="http://schemas.openxmlformats.org/drawingml/2006/main" xmlns:r="http://schemas.openxmlformats.org/officeDocument/2006/relationships" xmlns:p="http://schemas.openxmlformats.org/presentationml/2006/main">
   <p:cSld>
     <p:spTree>
@@ -10557,7 +11120,7 @@
                 <a:ea typeface="한컴 솔잎 M" pitchFamily="18" charset="-127"/>
               </a:rPr>
               <a:pPr eaLnBrk="1" hangingPunct="1"/>
-              <a:t>21</a:t>
+              <a:t>22</a:t>
             </a:fld>
             <a:endParaRPr kumimoji="0" lang="ko-KR" altLang="en-US" sz="1200">
               <a:solidFill>
@@ -10582,7 +11145,7 @@
 </p:sld>
 </file>
 
-<file path=ppt/slides/slide22.xml><?xml version="1.0" encoding="utf-8"?>
+<file path=ppt/slides/slide23.xml><?xml version="1.0" encoding="utf-8"?>
 <p:sld xmlns:a="http://schemas.openxmlformats.org/drawingml/2006/main" xmlns:r="http://schemas.openxmlformats.org/officeDocument/2006/relationships" xmlns:p="http://schemas.openxmlformats.org/presentationml/2006/main">
   <p:cSld>
     <p:spTree>
@@ -10782,315 +11345,6 @@
                 <a:ea typeface="한컴 솔잎 M" pitchFamily="18" charset="-127"/>
               </a:rPr>
               <a:pPr eaLnBrk="1" hangingPunct="1"/>
-              <a:t>22</a:t>
-            </a:fld>
-            <a:endParaRPr kumimoji="0" lang="ko-KR" altLang="en-US" sz="1200">
-              <a:solidFill>
-                <a:srgbClr val="898989"/>
-              </a:solidFill>
-              <a:latin typeface="한컴 솔잎 M" pitchFamily="18" charset="-127"/>
-              <a:ea typeface="한컴 솔잎 M" pitchFamily="18" charset="-127"/>
-            </a:endParaRPr>
-          </a:p>
-        </p:txBody>
-      </p:sp>
-    </p:spTree>
-    <p:extLst>
-      <p:ext uri="{BB962C8B-B14F-4D97-AF65-F5344CB8AC3E}">
-        <p14:creationId xmlns:p14="http://schemas.microsoft.com/office/powerpoint/2010/main" val="4202279480"/>
-      </p:ext>
-    </p:extLst>
-  </p:cSld>
-  <p:clrMapOvr>
-    <a:masterClrMapping/>
-  </p:clrMapOvr>
-</p:sld>
-</file>
-
-<file path=ppt/slides/slide23.xml><?xml version="1.0" encoding="utf-8"?>
-<p:sld xmlns:a="http://schemas.openxmlformats.org/drawingml/2006/main" xmlns:r="http://schemas.openxmlformats.org/officeDocument/2006/relationships" xmlns:p="http://schemas.openxmlformats.org/presentationml/2006/main">
-  <p:cSld>
-    <p:spTree>
-      <p:nvGrpSpPr>
-        <p:cNvPr id="1" name=""/>
-        <p:cNvGrpSpPr/>
-        <p:nvPr/>
-      </p:nvGrpSpPr>
-      <p:grpSpPr>
-        <a:xfrm>
-          <a:off x="0" y="0"/>
-          <a:ext cx="0" cy="0"/>
-          <a:chOff x="0" y="0"/>
-          <a:chExt cx="0" cy="0"/>
-        </a:xfrm>
-      </p:grpSpPr>
-      <p:sp>
-        <p:nvSpPr>
-          <p:cNvPr id="2" name="제목 1"/>
-          <p:cNvSpPr>
-            <a:spLocks noGrp="1"/>
-          </p:cNvSpPr>
-          <p:nvPr>
-            <p:ph type="title"/>
-          </p:nvPr>
-        </p:nvSpPr>
-        <p:spPr>
-          <a:xfrm>
-            <a:off x="457200" y="274638"/>
-            <a:ext cx="8229600" cy="561975"/>
-          </a:xfrm>
-        </p:spPr>
-        <p:txBody>
-          <a:bodyPr/>
-          <a:lstStyle/>
-          <a:p>
-            <a:r>
-              <a:rPr lang="en-US" altLang="ko-KR" sz="2900"/>
-              <a:t>Tweepy</a:t>
-            </a:r>
-          </a:p>
-        </p:txBody>
-      </p:sp>
-      <p:sp>
-        <p:nvSpPr>
-          <p:cNvPr id="30722" name="내용 개체 틀 2"/>
-          <p:cNvSpPr>
-            <a:spLocks noGrp="1"/>
-          </p:cNvSpPr>
-          <p:nvPr>
-            <p:ph idx="1"/>
-          </p:nvPr>
-        </p:nvSpPr>
-        <p:spPr>
-          <a:xfrm>
-            <a:off x="457200" y="1052513"/>
-            <a:ext cx="8229600" cy="5073650"/>
-          </a:xfrm>
-        </p:spPr>
-        <p:txBody>
-          <a:bodyPr/>
-          <a:lstStyle/>
-          <a:p>
-            <a:r>
-              <a:rPr lang="en-US" altLang="ko-KR"/>
-              <a:t>Tweepy</a:t>
-            </a:r>
-          </a:p>
-          <a:p>
-            <a:pPr lvl="1"/>
-            <a:r>
-              <a:rPr lang="en-US" altLang="ko-KR"/>
-              <a:t>A Python wrapper around the Twitter API</a:t>
-            </a:r>
-          </a:p>
-          <a:p>
-            <a:pPr lvl="2"/>
-            <a:r>
-              <a:rPr lang="en-US" altLang="ko-KR"/>
-              <a:t>This library provides a pure Python interface for the Twitter API</a:t>
-            </a:r>
-          </a:p>
-          <a:p>
-            <a:pPr lvl="1"/>
-            <a:r>
-              <a:rPr lang="en-US" altLang="ko-KR">
-                <a:hlinkClick r:id="rId2"/>
-              </a:rPr>
-              <a:t>https://github.com/tweepy/tweepy</a:t>
-            </a:r>
-            <a:endParaRPr lang="en-US" altLang="ko-KR"/>
-          </a:p>
-          <a:p>
-            <a:pPr lvl="1"/>
-            <a:r>
-              <a:rPr lang="en-US" altLang="ko-KR"/>
-              <a:t>Install</a:t>
-            </a:r>
-          </a:p>
-          <a:p>
-            <a:pPr lvl="2"/>
-            <a:r>
-              <a:rPr lang="en-US" altLang="ko-KR"/>
-              <a:t>Install tweepy:</a:t>
-            </a:r>
-          </a:p>
-          <a:p>
-            <a:pPr lvl="3"/>
-            <a:r>
-              <a:rPr lang="en-US" altLang="ko-KR" sz="1400"/>
-              <a:t>&gt;&gt;&gt; </a:t>
-            </a:r>
-            <a:r>
-              <a:rPr lang="en-US" altLang="ko-KR" sz="1400">
-                <a:solidFill>
-                  <a:srgbClr val="0070C0"/>
-                </a:solidFill>
-              </a:rPr>
-              <a:t>easy_install tweepy</a:t>
-            </a:r>
-          </a:p>
-          <a:p>
-            <a:pPr lvl="3"/>
-            <a:endParaRPr lang="en-US" altLang="ko-KR">
-              <a:solidFill>
-                <a:srgbClr val="0070C0"/>
-              </a:solidFill>
-            </a:endParaRPr>
-          </a:p>
-        </p:txBody>
-      </p:sp>
-      <p:sp>
-        <p:nvSpPr>
-          <p:cNvPr id="30724" name="슬라이드 번호 개체 틀 4"/>
-          <p:cNvSpPr>
-            <a:spLocks noGrp="1"/>
-          </p:cNvSpPr>
-          <p:nvPr>
-            <p:ph type="sldNum" sz="quarter" idx="12"/>
-          </p:nvPr>
-        </p:nvSpPr>
-        <p:spPr bwMode="auto">
-          <a:noFill/>
-          <a:extLst>
-            <a:ext uri="{909E8E84-426E-40DD-AFC4-6F175D3DCCD1}">
-              <a14:hiddenFill xmlns:a14="http://schemas.microsoft.com/office/drawing/2010/main">
-                <a:solidFill>
-                  <a:srgbClr val="FFFFFF"/>
-                </a:solidFill>
-              </a14:hiddenFill>
-            </a:ext>
-            <a:ext uri="{91240B29-F687-4F45-9708-019B960494DF}">
-              <a14:hiddenLine xmlns:a14="http://schemas.microsoft.com/office/drawing/2010/main" w="9525">
-                <a:solidFill>
-                  <a:srgbClr val="000000"/>
-                </a:solidFill>
-                <a:miter lim="800000"/>
-                <a:headEnd/>
-                <a:tailEnd/>
-              </a14:hiddenLine>
-            </a:ext>
-          </a:extLst>
-        </p:spPr>
-        <p:txBody>
-          <a:bodyPr/>
-          <a:lstStyle>
-            <a:lvl1pPr eaLnBrk="0" hangingPunct="0">
-              <a:defRPr kumimoji="1" sz="2400">
-                <a:solidFill>
-                  <a:schemeClr val="tx1"/>
-                </a:solidFill>
-                <a:latin typeface="굴림" pitchFamily="-84" charset="-127"/>
-                <a:ea typeface="굴림" pitchFamily="-84" charset="-127"/>
-              </a:defRPr>
-            </a:lvl1pPr>
-            <a:lvl2pPr marL="742950" indent="-285750" eaLnBrk="0" hangingPunct="0">
-              <a:defRPr kumimoji="1" sz="2400">
-                <a:solidFill>
-                  <a:schemeClr val="tx1"/>
-                </a:solidFill>
-                <a:latin typeface="굴림" pitchFamily="-84" charset="-127"/>
-                <a:ea typeface="굴림" pitchFamily="-84" charset="-127"/>
-              </a:defRPr>
-            </a:lvl2pPr>
-            <a:lvl3pPr marL="1143000" indent="-228600" eaLnBrk="0" hangingPunct="0">
-              <a:defRPr kumimoji="1" sz="2400">
-                <a:solidFill>
-                  <a:schemeClr val="tx1"/>
-                </a:solidFill>
-                <a:latin typeface="굴림" pitchFamily="-84" charset="-127"/>
-                <a:ea typeface="굴림" pitchFamily="-84" charset="-127"/>
-              </a:defRPr>
-            </a:lvl3pPr>
-            <a:lvl4pPr marL="1600200" indent="-228600" eaLnBrk="0" hangingPunct="0">
-              <a:defRPr kumimoji="1" sz="2400">
-                <a:solidFill>
-                  <a:schemeClr val="tx1"/>
-                </a:solidFill>
-                <a:latin typeface="굴림" pitchFamily="-84" charset="-127"/>
-                <a:ea typeface="굴림" pitchFamily="-84" charset="-127"/>
-              </a:defRPr>
-            </a:lvl4pPr>
-            <a:lvl5pPr marL="2057400" indent="-228600" eaLnBrk="0" hangingPunct="0">
-              <a:defRPr kumimoji="1" sz="2400">
-                <a:solidFill>
-                  <a:schemeClr val="tx1"/>
-                </a:solidFill>
-                <a:latin typeface="굴림" pitchFamily="-84" charset="-127"/>
-                <a:ea typeface="굴림" pitchFamily="-84" charset="-127"/>
-              </a:defRPr>
-            </a:lvl5pPr>
-            <a:lvl6pPr marL="2514600" indent="-228600" eaLnBrk="0" fontAlgn="base" latinLnBrk="1" hangingPunct="0">
-              <a:spcBef>
-                <a:spcPct val="0"/>
-              </a:spcBef>
-              <a:spcAft>
-                <a:spcPct val="0"/>
-              </a:spcAft>
-              <a:defRPr kumimoji="1" sz="2400">
-                <a:solidFill>
-                  <a:schemeClr val="tx1"/>
-                </a:solidFill>
-                <a:latin typeface="굴림" pitchFamily="-84" charset="-127"/>
-                <a:ea typeface="굴림" pitchFamily="-84" charset="-127"/>
-              </a:defRPr>
-            </a:lvl6pPr>
-            <a:lvl7pPr marL="2971800" indent="-228600" eaLnBrk="0" fontAlgn="base" latinLnBrk="1" hangingPunct="0">
-              <a:spcBef>
-                <a:spcPct val="0"/>
-              </a:spcBef>
-              <a:spcAft>
-                <a:spcPct val="0"/>
-              </a:spcAft>
-              <a:defRPr kumimoji="1" sz="2400">
-                <a:solidFill>
-                  <a:schemeClr val="tx1"/>
-                </a:solidFill>
-                <a:latin typeface="굴림" pitchFamily="-84" charset="-127"/>
-                <a:ea typeface="굴림" pitchFamily="-84" charset="-127"/>
-              </a:defRPr>
-            </a:lvl7pPr>
-            <a:lvl8pPr marL="3429000" indent="-228600" eaLnBrk="0" fontAlgn="base" latinLnBrk="1" hangingPunct="0">
-              <a:spcBef>
-                <a:spcPct val="0"/>
-              </a:spcBef>
-              <a:spcAft>
-                <a:spcPct val="0"/>
-              </a:spcAft>
-              <a:defRPr kumimoji="1" sz="2400">
-                <a:solidFill>
-                  <a:schemeClr val="tx1"/>
-                </a:solidFill>
-                <a:latin typeface="굴림" pitchFamily="-84" charset="-127"/>
-                <a:ea typeface="굴림" pitchFamily="-84" charset="-127"/>
-              </a:defRPr>
-            </a:lvl8pPr>
-            <a:lvl9pPr marL="3886200" indent="-228600" eaLnBrk="0" fontAlgn="base" latinLnBrk="1" hangingPunct="0">
-              <a:spcBef>
-                <a:spcPct val="0"/>
-              </a:spcBef>
-              <a:spcAft>
-                <a:spcPct val="0"/>
-              </a:spcAft>
-              <a:defRPr kumimoji="1" sz="2400">
-                <a:solidFill>
-                  <a:schemeClr val="tx1"/>
-                </a:solidFill>
-                <a:latin typeface="굴림" pitchFamily="-84" charset="-127"/>
-                <a:ea typeface="굴림" pitchFamily="-84" charset="-127"/>
-              </a:defRPr>
-            </a:lvl9pPr>
-          </a:lstStyle>
-          <a:p>
-            <a:pPr eaLnBrk="1" hangingPunct="1"/>
-            <a:fld id="{D3255F6C-F9A1-437F-942A-9EEAC4039A43}" type="slidenum">
-              <a:rPr kumimoji="0" lang="ko-KR" altLang="en-US" sz="1200">
-                <a:solidFill>
-                  <a:srgbClr val="898989"/>
-                </a:solidFill>
-                <a:latin typeface="한컴 솔잎 M" pitchFamily="18" charset="-127"/>
-                <a:ea typeface="한컴 솔잎 M" pitchFamily="18" charset="-127"/>
-              </a:rPr>
-              <a:pPr eaLnBrk="1" hangingPunct="1"/>
               <a:t>23</a:t>
             </a:fld>
             <a:endParaRPr kumimoji="0" lang="ko-KR" altLang="en-US" sz="1200">
@@ -11106,7 +11360,7 @@
     </p:spTree>
     <p:extLst>
       <p:ext uri="{BB962C8B-B14F-4D97-AF65-F5344CB8AC3E}">
-        <p14:creationId xmlns:p14="http://schemas.microsoft.com/office/powerpoint/2010/main" val="3063934296"/>
+        <p14:creationId xmlns:p14="http://schemas.microsoft.com/office/powerpoint/2010/main" val="4202279480"/>
       </p:ext>
     </p:extLst>
   </p:cSld>
@@ -11155,6 +11409,315 @@
           <a:p>
             <a:r>
               <a:rPr lang="en-US" altLang="ko-KR" sz="2900"/>
+              <a:t>Tweepy</a:t>
+            </a:r>
+          </a:p>
+        </p:txBody>
+      </p:sp>
+      <p:sp>
+        <p:nvSpPr>
+          <p:cNvPr id="30722" name="내용 개체 틀 2"/>
+          <p:cNvSpPr>
+            <a:spLocks noGrp="1"/>
+          </p:cNvSpPr>
+          <p:nvPr>
+            <p:ph idx="1"/>
+          </p:nvPr>
+        </p:nvSpPr>
+        <p:spPr>
+          <a:xfrm>
+            <a:off x="457200" y="1052513"/>
+            <a:ext cx="8229600" cy="5073650"/>
+          </a:xfrm>
+        </p:spPr>
+        <p:txBody>
+          <a:bodyPr/>
+          <a:lstStyle/>
+          <a:p>
+            <a:r>
+              <a:rPr lang="en-US" altLang="ko-KR"/>
+              <a:t>Tweepy</a:t>
+            </a:r>
+          </a:p>
+          <a:p>
+            <a:pPr lvl="1"/>
+            <a:r>
+              <a:rPr lang="en-US" altLang="ko-KR"/>
+              <a:t>A Python wrapper around the Twitter API</a:t>
+            </a:r>
+          </a:p>
+          <a:p>
+            <a:pPr lvl="2"/>
+            <a:r>
+              <a:rPr lang="en-US" altLang="ko-KR"/>
+              <a:t>This library provides a pure Python interface for the Twitter API</a:t>
+            </a:r>
+          </a:p>
+          <a:p>
+            <a:pPr lvl="1"/>
+            <a:r>
+              <a:rPr lang="en-US" altLang="ko-KR">
+                <a:hlinkClick r:id="rId2"/>
+              </a:rPr>
+              <a:t>https://github.com/tweepy/tweepy</a:t>
+            </a:r>
+            <a:endParaRPr lang="en-US" altLang="ko-KR"/>
+          </a:p>
+          <a:p>
+            <a:pPr lvl="1"/>
+            <a:r>
+              <a:rPr lang="en-US" altLang="ko-KR"/>
+              <a:t>Install</a:t>
+            </a:r>
+          </a:p>
+          <a:p>
+            <a:pPr lvl="2"/>
+            <a:r>
+              <a:rPr lang="en-US" altLang="ko-KR"/>
+              <a:t>Install tweepy:</a:t>
+            </a:r>
+          </a:p>
+          <a:p>
+            <a:pPr lvl="3"/>
+            <a:r>
+              <a:rPr lang="en-US" altLang="ko-KR" sz="1400"/>
+              <a:t>&gt;&gt;&gt; </a:t>
+            </a:r>
+            <a:r>
+              <a:rPr lang="en-US" altLang="ko-KR" sz="1400">
+                <a:solidFill>
+                  <a:srgbClr val="0070C0"/>
+                </a:solidFill>
+              </a:rPr>
+              <a:t>easy_install tweepy</a:t>
+            </a:r>
+          </a:p>
+          <a:p>
+            <a:pPr lvl="3"/>
+            <a:endParaRPr lang="en-US" altLang="ko-KR">
+              <a:solidFill>
+                <a:srgbClr val="0070C0"/>
+              </a:solidFill>
+            </a:endParaRPr>
+          </a:p>
+        </p:txBody>
+      </p:sp>
+      <p:sp>
+        <p:nvSpPr>
+          <p:cNvPr id="30724" name="슬라이드 번호 개체 틀 4"/>
+          <p:cNvSpPr>
+            <a:spLocks noGrp="1"/>
+          </p:cNvSpPr>
+          <p:nvPr>
+            <p:ph type="sldNum" sz="quarter" idx="12"/>
+          </p:nvPr>
+        </p:nvSpPr>
+        <p:spPr bwMode="auto">
+          <a:noFill/>
+          <a:extLst>
+            <a:ext uri="{909E8E84-426E-40DD-AFC4-6F175D3DCCD1}">
+              <a14:hiddenFill xmlns:a14="http://schemas.microsoft.com/office/drawing/2010/main">
+                <a:solidFill>
+                  <a:srgbClr val="FFFFFF"/>
+                </a:solidFill>
+              </a14:hiddenFill>
+            </a:ext>
+            <a:ext uri="{91240B29-F687-4F45-9708-019B960494DF}">
+              <a14:hiddenLine xmlns:a14="http://schemas.microsoft.com/office/drawing/2010/main" w="9525">
+                <a:solidFill>
+                  <a:srgbClr val="000000"/>
+                </a:solidFill>
+                <a:miter lim="800000"/>
+                <a:headEnd/>
+                <a:tailEnd/>
+              </a14:hiddenLine>
+            </a:ext>
+          </a:extLst>
+        </p:spPr>
+        <p:txBody>
+          <a:bodyPr/>
+          <a:lstStyle>
+            <a:lvl1pPr eaLnBrk="0" hangingPunct="0">
+              <a:defRPr kumimoji="1" sz="2400">
+                <a:solidFill>
+                  <a:schemeClr val="tx1"/>
+                </a:solidFill>
+                <a:latin typeface="굴림" pitchFamily="-84" charset="-127"/>
+                <a:ea typeface="굴림" pitchFamily="-84" charset="-127"/>
+              </a:defRPr>
+            </a:lvl1pPr>
+            <a:lvl2pPr marL="742950" indent="-285750" eaLnBrk="0" hangingPunct="0">
+              <a:defRPr kumimoji="1" sz="2400">
+                <a:solidFill>
+                  <a:schemeClr val="tx1"/>
+                </a:solidFill>
+                <a:latin typeface="굴림" pitchFamily="-84" charset="-127"/>
+                <a:ea typeface="굴림" pitchFamily="-84" charset="-127"/>
+              </a:defRPr>
+            </a:lvl2pPr>
+            <a:lvl3pPr marL="1143000" indent="-228600" eaLnBrk="0" hangingPunct="0">
+              <a:defRPr kumimoji="1" sz="2400">
+                <a:solidFill>
+                  <a:schemeClr val="tx1"/>
+                </a:solidFill>
+                <a:latin typeface="굴림" pitchFamily="-84" charset="-127"/>
+                <a:ea typeface="굴림" pitchFamily="-84" charset="-127"/>
+              </a:defRPr>
+            </a:lvl3pPr>
+            <a:lvl4pPr marL="1600200" indent="-228600" eaLnBrk="0" hangingPunct="0">
+              <a:defRPr kumimoji="1" sz="2400">
+                <a:solidFill>
+                  <a:schemeClr val="tx1"/>
+                </a:solidFill>
+                <a:latin typeface="굴림" pitchFamily="-84" charset="-127"/>
+                <a:ea typeface="굴림" pitchFamily="-84" charset="-127"/>
+              </a:defRPr>
+            </a:lvl4pPr>
+            <a:lvl5pPr marL="2057400" indent="-228600" eaLnBrk="0" hangingPunct="0">
+              <a:defRPr kumimoji="1" sz="2400">
+                <a:solidFill>
+                  <a:schemeClr val="tx1"/>
+                </a:solidFill>
+                <a:latin typeface="굴림" pitchFamily="-84" charset="-127"/>
+                <a:ea typeface="굴림" pitchFamily="-84" charset="-127"/>
+              </a:defRPr>
+            </a:lvl5pPr>
+            <a:lvl6pPr marL="2514600" indent="-228600" eaLnBrk="0" fontAlgn="base" latinLnBrk="1" hangingPunct="0">
+              <a:spcBef>
+                <a:spcPct val="0"/>
+              </a:spcBef>
+              <a:spcAft>
+                <a:spcPct val="0"/>
+              </a:spcAft>
+              <a:defRPr kumimoji="1" sz="2400">
+                <a:solidFill>
+                  <a:schemeClr val="tx1"/>
+                </a:solidFill>
+                <a:latin typeface="굴림" pitchFamily="-84" charset="-127"/>
+                <a:ea typeface="굴림" pitchFamily="-84" charset="-127"/>
+              </a:defRPr>
+            </a:lvl6pPr>
+            <a:lvl7pPr marL="2971800" indent="-228600" eaLnBrk="0" fontAlgn="base" latinLnBrk="1" hangingPunct="0">
+              <a:spcBef>
+                <a:spcPct val="0"/>
+              </a:spcBef>
+              <a:spcAft>
+                <a:spcPct val="0"/>
+              </a:spcAft>
+              <a:defRPr kumimoji="1" sz="2400">
+                <a:solidFill>
+                  <a:schemeClr val="tx1"/>
+                </a:solidFill>
+                <a:latin typeface="굴림" pitchFamily="-84" charset="-127"/>
+                <a:ea typeface="굴림" pitchFamily="-84" charset="-127"/>
+              </a:defRPr>
+            </a:lvl7pPr>
+            <a:lvl8pPr marL="3429000" indent="-228600" eaLnBrk="0" fontAlgn="base" latinLnBrk="1" hangingPunct="0">
+              <a:spcBef>
+                <a:spcPct val="0"/>
+              </a:spcBef>
+              <a:spcAft>
+                <a:spcPct val="0"/>
+              </a:spcAft>
+              <a:defRPr kumimoji="1" sz="2400">
+                <a:solidFill>
+                  <a:schemeClr val="tx1"/>
+                </a:solidFill>
+                <a:latin typeface="굴림" pitchFamily="-84" charset="-127"/>
+                <a:ea typeface="굴림" pitchFamily="-84" charset="-127"/>
+              </a:defRPr>
+            </a:lvl8pPr>
+            <a:lvl9pPr marL="3886200" indent="-228600" eaLnBrk="0" fontAlgn="base" latinLnBrk="1" hangingPunct="0">
+              <a:spcBef>
+                <a:spcPct val="0"/>
+              </a:spcBef>
+              <a:spcAft>
+                <a:spcPct val="0"/>
+              </a:spcAft>
+              <a:defRPr kumimoji="1" sz="2400">
+                <a:solidFill>
+                  <a:schemeClr val="tx1"/>
+                </a:solidFill>
+                <a:latin typeface="굴림" pitchFamily="-84" charset="-127"/>
+                <a:ea typeface="굴림" pitchFamily="-84" charset="-127"/>
+              </a:defRPr>
+            </a:lvl9pPr>
+          </a:lstStyle>
+          <a:p>
+            <a:pPr eaLnBrk="1" hangingPunct="1"/>
+            <a:fld id="{D3255F6C-F9A1-437F-942A-9EEAC4039A43}" type="slidenum">
+              <a:rPr kumimoji="0" lang="ko-KR" altLang="en-US" sz="1200">
+                <a:solidFill>
+                  <a:srgbClr val="898989"/>
+                </a:solidFill>
+                <a:latin typeface="한컴 솔잎 M" pitchFamily="18" charset="-127"/>
+                <a:ea typeface="한컴 솔잎 M" pitchFamily="18" charset="-127"/>
+              </a:rPr>
+              <a:pPr eaLnBrk="1" hangingPunct="1"/>
+              <a:t>24</a:t>
+            </a:fld>
+            <a:endParaRPr kumimoji="0" lang="ko-KR" altLang="en-US" sz="1200">
+              <a:solidFill>
+                <a:srgbClr val="898989"/>
+              </a:solidFill>
+              <a:latin typeface="한컴 솔잎 M" pitchFamily="18" charset="-127"/>
+              <a:ea typeface="한컴 솔잎 M" pitchFamily="18" charset="-127"/>
+            </a:endParaRPr>
+          </a:p>
+        </p:txBody>
+      </p:sp>
+    </p:spTree>
+    <p:extLst>
+      <p:ext uri="{BB962C8B-B14F-4D97-AF65-F5344CB8AC3E}">
+        <p14:creationId xmlns:p14="http://schemas.microsoft.com/office/powerpoint/2010/main" val="3063934296"/>
+      </p:ext>
+    </p:extLst>
+  </p:cSld>
+  <p:clrMapOvr>
+    <a:masterClrMapping/>
+  </p:clrMapOvr>
+</p:sld>
+</file>
+
+<file path=ppt/slides/slide25.xml><?xml version="1.0" encoding="utf-8"?>
+<p:sld xmlns:a="http://schemas.openxmlformats.org/drawingml/2006/main" xmlns:r="http://schemas.openxmlformats.org/officeDocument/2006/relationships" xmlns:p="http://schemas.openxmlformats.org/presentationml/2006/main">
+  <p:cSld>
+    <p:spTree>
+      <p:nvGrpSpPr>
+        <p:cNvPr id="1" name=""/>
+        <p:cNvGrpSpPr/>
+        <p:nvPr/>
+      </p:nvGrpSpPr>
+      <p:grpSpPr>
+        <a:xfrm>
+          <a:off x="0" y="0"/>
+          <a:ext cx="0" cy="0"/>
+          <a:chOff x="0" y="0"/>
+          <a:chExt cx="0" cy="0"/>
+        </a:xfrm>
+      </p:grpSpPr>
+      <p:sp>
+        <p:nvSpPr>
+          <p:cNvPr id="2" name="제목 1"/>
+          <p:cNvSpPr>
+            <a:spLocks noGrp="1"/>
+          </p:cNvSpPr>
+          <p:nvPr>
+            <p:ph type="title"/>
+          </p:nvPr>
+        </p:nvSpPr>
+        <p:spPr>
+          <a:xfrm>
+            <a:off x="457200" y="274638"/>
+            <a:ext cx="8229600" cy="561975"/>
+          </a:xfrm>
+        </p:spPr>
+        <p:txBody>
+          <a:bodyPr/>
+          <a:lstStyle/>
+          <a:p>
+            <a:r>
+              <a:rPr lang="en-US" altLang="ko-KR" sz="2900"/>
               <a:t>Twitter Authentication</a:t>
             </a:r>
           </a:p>
@@ -11392,7 +11955,7 @@
                 <a:ea typeface="한컴 솔잎 M" pitchFamily="18" charset="-127"/>
               </a:rPr>
               <a:pPr eaLnBrk="1" hangingPunct="1"/>
-              <a:t>24</a:t>
+              <a:t>25</a:t>
             </a:fld>
             <a:endParaRPr kumimoji="0" lang="ko-KR" altLang="en-US" sz="1200">
               <a:solidFill>
@@ -11615,7 +12178,7 @@
 </p:sld>
 </file>
 
-<file path=ppt/slides/slide25.xml><?xml version="1.0" encoding="utf-8"?>
+<file path=ppt/slides/slide26.xml><?xml version="1.0" encoding="utf-8"?>
 <p:sld xmlns:a="http://schemas.openxmlformats.org/drawingml/2006/main" xmlns:r="http://schemas.openxmlformats.org/officeDocument/2006/relationships" xmlns:p="http://schemas.openxmlformats.org/presentationml/2006/main">
   <p:cSld>
     <p:spTree>
@@ -11845,7 +12408,7 @@
                 <a:ea typeface="한컴 솔잎 M" pitchFamily="18" charset="-127"/>
               </a:rPr>
               <a:pPr eaLnBrk="1" hangingPunct="1"/>
-              <a:t>25</a:t>
+              <a:t>26</a:t>
             </a:fld>
             <a:endParaRPr kumimoji="0" lang="ko-KR" altLang="en-US" sz="1200">
               <a:solidFill>
@@ -11936,7 +12499,7 @@
 </p:sld>
 </file>
 
-<file path=ppt/slides/slide26.xml><?xml version="1.0" encoding="utf-8"?>
+<file path=ppt/slides/slide27.xml><?xml version="1.0" encoding="utf-8"?>
 <p:sld xmlns:a="http://schemas.openxmlformats.org/drawingml/2006/main" xmlns:r="http://schemas.openxmlformats.org/officeDocument/2006/relationships" xmlns:p="http://schemas.openxmlformats.org/presentationml/2006/main">
   <p:cSld>
     <p:spTree>
@@ -12237,7 +12800,7 @@
                 <a:ea typeface="한컴 솔잎 M" pitchFamily="18" charset="-127"/>
               </a:rPr>
               <a:pPr eaLnBrk="1" hangingPunct="1"/>
-              <a:t>26</a:t>
+              <a:t>27</a:t>
             </a:fld>
             <a:endParaRPr kumimoji="0" lang="ko-KR" altLang="en-US" sz="1200">
               <a:solidFill>
@@ -12394,7 +12957,7 @@
 </p:sld>
 </file>
 
-<file path=ppt/slides/slide27.xml><?xml version="1.0" encoding="utf-8"?>
+<file path=ppt/slides/slide28.xml><?xml version="1.0" encoding="utf-8"?>
 <p:sld xmlns:a="http://schemas.openxmlformats.org/drawingml/2006/main" xmlns:r="http://schemas.openxmlformats.org/officeDocument/2006/relationships" xmlns:p="http://schemas.openxmlformats.org/presentationml/2006/main">
   <p:cSld>
     <p:spTree>
@@ -12754,7 +13317,7 @@
                 <a:ea typeface="한컴 솔잎 M" pitchFamily="18" charset="-127"/>
               </a:rPr>
               <a:pPr eaLnBrk="1" hangingPunct="1"/>
-              <a:t>27</a:t>
+              <a:t>28</a:t>
             </a:fld>
             <a:endParaRPr kumimoji="0" lang="ko-KR" altLang="en-US" sz="1200">
               <a:solidFill>
@@ -12779,7 +13342,7 @@
 </p:sld>
 </file>
 
-<file path=ppt/slides/slide28.xml><?xml version="1.0" encoding="utf-8"?>
+<file path=ppt/slides/slide29.xml><?xml version="1.0" encoding="utf-8"?>
 <p:sld xmlns:a="http://schemas.openxmlformats.org/drawingml/2006/main" xmlns:r="http://schemas.openxmlformats.org/officeDocument/2006/relationships" xmlns:p="http://schemas.openxmlformats.org/presentationml/2006/main">
   <p:cSld>
     <p:spTree>
@@ -13013,7 +13576,7 @@
                 <a:ea typeface="한컴 솔잎 M" pitchFamily="18" charset="-127"/>
               </a:rPr>
               <a:pPr eaLnBrk="1" hangingPunct="1"/>
-              <a:t>28</a:t>
+              <a:t>29</a:t>
             </a:fld>
             <a:endParaRPr kumimoji="0" lang="ko-KR" altLang="en-US" sz="1200">
               <a:solidFill>
@@ -13526,6 +14089,261 @@
       </p:grpSpPr>
       <p:sp>
         <p:nvSpPr>
+          <p:cNvPr id="2" name="제목 1"/>
+          <p:cNvSpPr>
+            <a:spLocks noGrp="1"/>
+          </p:cNvSpPr>
+          <p:nvPr>
+            <p:ph type="title"/>
+          </p:nvPr>
+        </p:nvSpPr>
+        <p:spPr>
+          <a:xfrm>
+            <a:off x="457200" y="2852738"/>
+            <a:ext cx="8229600" cy="561975"/>
+          </a:xfrm>
+        </p:spPr>
+        <p:txBody>
+          <a:bodyPr>
+            <a:normAutofit fontScale="90000"/>
+          </a:bodyPr>
+          <a:lstStyle/>
+          <a:p>
+            <a:pPr algn="r"/>
+            <a:r>
+              <a:rPr lang="en-US" altLang="ko-KR" sz="2600" dirty="0">
+                <a:ea typeface="굴림" pitchFamily="-84" charset="-127"/>
+              </a:rPr>
+              <a:t>Graph Analyzing with </a:t>
+            </a:r>
+            <a:r>
+              <a:rPr lang="en-US" altLang="ko-KR" sz="2600" dirty="0" err="1">
+                <a:ea typeface="굴림" pitchFamily="-84" charset="-127"/>
+              </a:rPr>
+              <a:t>NetworkX</a:t>
+            </a:r>
+            <a:r>
+              <a:rPr lang="en-US" altLang="ko-KR" sz="2600" dirty="0">
+                <a:ea typeface="굴림" pitchFamily="-84" charset="-127"/>
+              </a:rPr>
+              <a:t> on python</a:t>
+            </a:r>
+            <a:br>
+              <a:rPr lang="en-US" altLang="ko-KR" sz="2600" dirty="0">
+                <a:ea typeface="굴림" pitchFamily="-84" charset="-127"/>
+              </a:rPr>
+            </a:br>
+            <a:br>
+              <a:rPr lang="en-US" altLang="ko-KR" sz="2600" dirty="0">
+                <a:ea typeface="굴림" pitchFamily="-84" charset="-127"/>
+              </a:rPr>
+            </a:br>
+            <a:r>
+              <a:rPr lang="en-US" altLang="ko-KR" sz="1600" dirty="0">
+                <a:ea typeface="굴림" pitchFamily="-84" charset="-127"/>
+              </a:rPr>
+              <a:t>[reference] http://networkx.github.com/documentation/latest/tutorial/index.html</a:t>
+            </a:r>
+            <a:endParaRPr lang="ko-KR" altLang="en-US" sz="2600" dirty="0"/>
+          </a:p>
+        </p:txBody>
+      </p:sp>
+      <p:sp>
+        <p:nvSpPr>
+          <p:cNvPr id="5123" name="슬라이드 번호 개체 틀 4"/>
+          <p:cNvSpPr>
+            <a:spLocks noGrp="1"/>
+          </p:cNvSpPr>
+          <p:nvPr>
+            <p:ph type="sldNum" sz="quarter" idx="12"/>
+          </p:nvPr>
+        </p:nvSpPr>
+        <p:spPr bwMode="auto">
+          <a:noFill/>
+          <a:extLst>
+            <a:ext uri="{909E8E84-426E-40DD-AFC4-6F175D3DCCD1}">
+              <a14:hiddenFill xmlns:a14="http://schemas.microsoft.com/office/drawing/2010/main">
+                <a:solidFill>
+                  <a:srgbClr val="FFFFFF"/>
+                </a:solidFill>
+              </a14:hiddenFill>
+            </a:ext>
+            <a:ext uri="{91240B29-F687-4F45-9708-019B960494DF}">
+              <a14:hiddenLine xmlns:a14="http://schemas.microsoft.com/office/drawing/2010/main" w="9525">
+                <a:solidFill>
+                  <a:srgbClr val="000000"/>
+                </a:solidFill>
+                <a:miter lim="800000"/>
+                <a:headEnd/>
+                <a:tailEnd/>
+              </a14:hiddenLine>
+            </a:ext>
+          </a:extLst>
+        </p:spPr>
+        <p:txBody>
+          <a:bodyPr/>
+          <a:lstStyle>
+            <a:lvl1pPr eaLnBrk="0" hangingPunct="0">
+              <a:defRPr kumimoji="1" sz="2400">
+                <a:solidFill>
+                  <a:schemeClr val="tx1"/>
+                </a:solidFill>
+                <a:latin typeface="굴림" pitchFamily="-84" charset="-127"/>
+                <a:ea typeface="굴림" pitchFamily="-84" charset="-127"/>
+              </a:defRPr>
+            </a:lvl1pPr>
+            <a:lvl2pPr marL="742950" indent="-285750" eaLnBrk="0" hangingPunct="0">
+              <a:defRPr kumimoji="1" sz="2400">
+                <a:solidFill>
+                  <a:schemeClr val="tx1"/>
+                </a:solidFill>
+                <a:latin typeface="굴림" pitchFamily="-84" charset="-127"/>
+                <a:ea typeface="굴림" pitchFamily="-84" charset="-127"/>
+              </a:defRPr>
+            </a:lvl2pPr>
+            <a:lvl3pPr marL="1143000" indent="-228600" eaLnBrk="0" hangingPunct="0">
+              <a:defRPr kumimoji="1" sz="2400">
+                <a:solidFill>
+                  <a:schemeClr val="tx1"/>
+                </a:solidFill>
+                <a:latin typeface="굴림" pitchFamily="-84" charset="-127"/>
+                <a:ea typeface="굴림" pitchFamily="-84" charset="-127"/>
+              </a:defRPr>
+            </a:lvl3pPr>
+            <a:lvl4pPr marL="1600200" indent="-228600" eaLnBrk="0" hangingPunct="0">
+              <a:defRPr kumimoji="1" sz="2400">
+                <a:solidFill>
+                  <a:schemeClr val="tx1"/>
+                </a:solidFill>
+                <a:latin typeface="굴림" pitchFamily="-84" charset="-127"/>
+                <a:ea typeface="굴림" pitchFamily="-84" charset="-127"/>
+              </a:defRPr>
+            </a:lvl4pPr>
+            <a:lvl5pPr marL="2057400" indent="-228600" eaLnBrk="0" hangingPunct="0">
+              <a:defRPr kumimoji="1" sz="2400">
+                <a:solidFill>
+                  <a:schemeClr val="tx1"/>
+                </a:solidFill>
+                <a:latin typeface="굴림" pitchFamily="-84" charset="-127"/>
+                <a:ea typeface="굴림" pitchFamily="-84" charset="-127"/>
+              </a:defRPr>
+            </a:lvl5pPr>
+            <a:lvl6pPr marL="2514600" indent="-228600" eaLnBrk="0" fontAlgn="base" latinLnBrk="1" hangingPunct="0">
+              <a:spcBef>
+                <a:spcPct val="0"/>
+              </a:spcBef>
+              <a:spcAft>
+                <a:spcPct val="0"/>
+              </a:spcAft>
+              <a:defRPr kumimoji="1" sz="2400">
+                <a:solidFill>
+                  <a:schemeClr val="tx1"/>
+                </a:solidFill>
+                <a:latin typeface="굴림" pitchFamily="-84" charset="-127"/>
+                <a:ea typeface="굴림" pitchFamily="-84" charset="-127"/>
+              </a:defRPr>
+            </a:lvl6pPr>
+            <a:lvl7pPr marL="2971800" indent="-228600" eaLnBrk="0" fontAlgn="base" latinLnBrk="1" hangingPunct="0">
+              <a:spcBef>
+                <a:spcPct val="0"/>
+              </a:spcBef>
+              <a:spcAft>
+                <a:spcPct val="0"/>
+              </a:spcAft>
+              <a:defRPr kumimoji="1" sz="2400">
+                <a:solidFill>
+                  <a:schemeClr val="tx1"/>
+                </a:solidFill>
+                <a:latin typeface="굴림" pitchFamily="-84" charset="-127"/>
+                <a:ea typeface="굴림" pitchFamily="-84" charset="-127"/>
+              </a:defRPr>
+            </a:lvl7pPr>
+            <a:lvl8pPr marL="3429000" indent="-228600" eaLnBrk="0" fontAlgn="base" latinLnBrk="1" hangingPunct="0">
+              <a:spcBef>
+                <a:spcPct val="0"/>
+              </a:spcBef>
+              <a:spcAft>
+                <a:spcPct val="0"/>
+              </a:spcAft>
+              <a:defRPr kumimoji="1" sz="2400">
+                <a:solidFill>
+                  <a:schemeClr val="tx1"/>
+                </a:solidFill>
+                <a:latin typeface="굴림" pitchFamily="-84" charset="-127"/>
+                <a:ea typeface="굴림" pitchFamily="-84" charset="-127"/>
+              </a:defRPr>
+            </a:lvl8pPr>
+            <a:lvl9pPr marL="3886200" indent="-228600" eaLnBrk="0" fontAlgn="base" latinLnBrk="1" hangingPunct="0">
+              <a:spcBef>
+                <a:spcPct val="0"/>
+              </a:spcBef>
+              <a:spcAft>
+                <a:spcPct val="0"/>
+              </a:spcAft>
+              <a:defRPr kumimoji="1" sz="2400">
+                <a:solidFill>
+                  <a:schemeClr val="tx1"/>
+                </a:solidFill>
+                <a:latin typeface="굴림" pitchFamily="-84" charset="-127"/>
+                <a:ea typeface="굴림" pitchFamily="-84" charset="-127"/>
+              </a:defRPr>
+            </a:lvl9pPr>
+          </a:lstStyle>
+          <a:p>
+            <a:pPr eaLnBrk="1" hangingPunct="1"/>
+            <a:fld id="{5FC0A59F-C351-4DBC-BE2C-B0FC9EBE39E6}" type="slidenum">
+              <a:rPr kumimoji="0" lang="ko-KR" altLang="en-US" sz="1200">
+                <a:solidFill>
+                  <a:srgbClr val="898989"/>
+                </a:solidFill>
+                <a:latin typeface="한컴 솔잎 M" pitchFamily="18" charset="-127"/>
+                <a:ea typeface="한컴 솔잎 M" pitchFamily="18" charset="-127"/>
+              </a:rPr>
+              <a:pPr eaLnBrk="1" hangingPunct="1"/>
+              <a:t>3</a:t>
+            </a:fld>
+            <a:endParaRPr kumimoji="0" lang="ko-KR" altLang="en-US" sz="1200">
+              <a:solidFill>
+                <a:srgbClr val="898989"/>
+              </a:solidFill>
+              <a:latin typeface="한컴 솔잎 M" pitchFamily="18" charset="-127"/>
+              <a:ea typeface="한컴 솔잎 M" pitchFamily="18" charset="-127"/>
+            </a:endParaRPr>
+          </a:p>
+        </p:txBody>
+      </p:sp>
+    </p:spTree>
+    <p:extLst>
+      <p:ext uri="{BB962C8B-B14F-4D97-AF65-F5344CB8AC3E}">
+        <p14:creationId xmlns:p14="http://schemas.microsoft.com/office/powerpoint/2010/main" val="1497795616"/>
+      </p:ext>
+    </p:extLst>
+  </p:cSld>
+  <p:clrMapOvr>
+    <a:masterClrMapping/>
+  </p:clrMapOvr>
+</p:sld>
+</file>
+
+<file path=ppt/slides/slide4.xml><?xml version="1.0" encoding="utf-8"?>
+<p:sld xmlns:a="http://schemas.openxmlformats.org/drawingml/2006/main" xmlns:r="http://schemas.openxmlformats.org/officeDocument/2006/relationships" xmlns:p="http://schemas.openxmlformats.org/presentationml/2006/main">
+  <p:cSld>
+    <p:spTree>
+      <p:nvGrpSpPr>
+        <p:cNvPr id="1" name=""/>
+        <p:cNvGrpSpPr/>
+        <p:nvPr/>
+      </p:nvGrpSpPr>
+      <p:grpSpPr>
+        <a:xfrm>
+          <a:off x="0" y="0"/>
+          <a:ext cx="0" cy="0"/>
+          <a:chOff x="0" y="0"/>
+          <a:chExt cx="0" cy="0"/>
+        </a:xfrm>
+      </p:grpSpPr>
+      <p:sp>
+        <p:nvSpPr>
           <p:cNvPr id="6145" name="제목 1"/>
           <p:cNvSpPr>
             <a:spLocks noGrp="1"/>
@@ -13570,7 +14388,7 @@
         </p:spPr>
         <p:txBody>
           <a:bodyPr>
-            <a:normAutofit fontScale="70000" lnSpcReduction="20000"/>
+            <a:normAutofit/>
           </a:bodyPr>
           <a:lstStyle/>
           <a:p>
@@ -13580,61 +14398,9 @@
             </a:r>
           </a:p>
           <a:p>
-            <a:endParaRPr lang="en-US" altLang="ko-KR" dirty="0"/>
-          </a:p>
-          <a:p>
-            <a:endParaRPr lang="en-US" altLang="ko-KR" dirty="0"/>
-          </a:p>
-          <a:p>
-            <a:endParaRPr lang="en-US" altLang="ko-KR" dirty="0"/>
-          </a:p>
-          <a:p>
-            <a:endParaRPr lang="en-US" altLang="ko-KR" dirty="0"/>
-          </a:p>
-          <a:p>
-            <a:endParaRPr lang="en-US" altLang="ko-KR" dirty="0"/>
-          </a:p>
-          <a:p>
-            <a:endParaRPr lang="en-US" altLang="ko-KR" dirty="0"/>
-          </a:p>
-          <a:p>
-            <a:endParaRPr lang="en-US" altLang="ko-KR" dirty="0"/>
-          </a:p>
-          <a:p>
-            <a:endParaRPr lang="en-US" altLang="ko-KR" dirty="0"/>
-          </a:p>
-          <a:p>
-            <a:endParaRPr lang="en-US" altLang="ko-KR" dirty="0"/>
-          </a:p>
-          <a:p>
-            <a:endParaRPr lang="en-US" altLang="ko-KR" dirty="0"/>
-          </a:p>
-          <a:p>
-            <a:endParaRPr lang="en-US" altLang="ko-KR" dirty="0"/>
-          </a:p>
-          <a:p>
-            <a:endParaRPr lang="en-US" altLang="ko-KR" dirty="0"/>
-          </a:p>
-          <a:p>
-            <a:pPr lvl="1"/>
-            <a:r>
-              <a:rPr lang="en-US" altLang="ko-KR" dirty="0" err="1"/>
-              <a:t>ipython</a:t>
-            </a:r>
-            <a:r>
-              <a:rPr lang="en-US" altLang="ko-KR" dirty="0"/>
-              <a:t> </a:t>
-            </a:r>
-          </a:p>
-          <a:p>
-            <a:pPr lvl="1"/>
-            <a:r>
-              <a:rPr lang="en-US" altLang="ko-KR" dirty="0"/>
-              <a:t>&gt;&gt;&gt; %run figure1.1.py</a:t>
-            </a:r>
-          </a:p>
-          <a:p>
-            <a:pPr lvl="1"/>
+            <a:pPr marL="0" indent="0">
+              <a:buNone/>
+            </a:pPr>
             <a:endParaRPr lang="en-US" altLang="ko-KR" dirty="0"/>
           </a:p>
         </p:txBody>
@@ -13791,7 +14557,7 @@
                 <a:ea typeface="한컴 솔잎 M" pitchFamily="18" charset="-127"/>
               </a:rPr>
               <a:pPr eaLnBrk="1" hangingPunct="1"/>
-              <a:t>3</a:t>
+              <a:t>4</a:t>
             </a:fld>
             <a:endParaRPr kumimoji="0" lang="ko-KR" altLang="en-US" sz="1200">
               <a:solidFill>
@@ -13811,7 +14577,7 @@
         </p:nvSpPr>
         <p:spPr>
           <a:xfrm>
-            <a:off x="539552" y="1524000"/>
+            <a:off x="719137" y="1943397"/>
             <a:ext cx="7705725" cy="3978275"/>
           </a:xfrm>
           <a:prstGeom prst="rect">
@@ -14343,173 +15109,6 @@
           </a:p>
         </p:txBody>
       </p:sp>
-      <p:sp>
-        <p:nvSpPr>
-          <p:cNvPr id="6150" name="TextBox 8"/>
-          <p:cNvSpPr txBox="1">
-            <a:spLocks noChangeArrowheads="1"/>
-          </p:cNvSpPr>
-          <p:nvPr/>
-        </p:nvSpPr>
-        <p:spPr bwMode="auto">
-          <a:xfrm>
-            <a:off x="7135813" y="1155700"/>
-            <a:ext cx="1397000" cy="368300"/>
-          </a:xfrm>
-          <a:prstGeom prst="rect">
-            <a:avLst/>
-          </a:prstGeom>
-          <a:noFill/>
-          <a:ln>
-            <a:noFill/>
-          </a:ln>
-          <a:extLst>
-            <a:ext uri="{909E8E84-426E-40DD-AFC4-6F175D3DCCD1}">
-              <a14:hiddenFill xmlns:a14="http://schemas.microsoft.com/office/drawing/2010/main">
-                <a:solidFill>
-                  <a:srgbClr val="FFFFFF"/>
-                </a:solidFill>
-              </a14:hiddenFill>
-            </a:ext>
-            <a:ext uri="{91240B29-F687-4F45-9708-019B960494DF}">
-              <a14:hiddenLine xmlns:a14="http://schemas.microsoft.com/office/drawing/2010/main" w="9525">
-                <a:solidFill>
-                  <a:srgbClr val="000000"/>
-                </a:solidFill>
-                <a:miter lim="800000"/>
-                <a:headEnd/>
-                <a:tailEnd/>
-              </a14:hiddenLine>
-            </a:ext>
-          </a:extLst>
-        </p:spPr>
-        <p:txBody>
-          <a:bodyPr wrap="none">
-            <a:spAutoFit/>
-          </a:bodyPr>
-          <a:lstStyle>
-            <a:lvl1pPr eaLnBrk="0" hangingPunct="0">
-              <a:defRPr kumimoji="1" sz="2400">
-                <a:solidFill>
-                  <a:schemeClr val="tx1"/>
-                </a:solidFill>
-                <a:latin typeface="굴림" pitchFamily="-84" charset="-127"/>
-                <a:ea typeface="굴림" pitchFamily="-84" charset="-127"/>
-              </a:defRPr>
-            </a:lvl1pPr>
-            <a:lvl2pPr marL="742950" indent="-285750" eaLnBrk="0" hangingPunct="0">
-              <a:defRPr kumimoji="1" sz="2400">
-                <a:solidFill>
-                  <a:schemeClr val="tx1"/>
-                </a:solidFill>
-                <a:latin typeface="굴림" pitchFamily="-84" charset="-127"/>
-                <a:ea typeface="굴림" pitchFamily="-84" charset="-127"/>
-              </a:defRPr>
-            </a:lvl2pPr>
-            <a:lvl3pPr marL="1143000" indent="-228600" eaLnBrk="0" hangingPunct="0">
-              <a:defRPr kumimoji="1" sz="2400">
-                <a:solidFill>
-                  <a:schemeClr val="tx1"/>
-                </a:solidFill>
-                <a:latin typeface="굴림" pitchFamily="-84" charset="-127"/>
-                <a:ea typeface="굴림" pitchFamily="-84" charset="-127"/>
-              </a:defRPr>
-            </a:lvl3pPr>
-            <a:lvl4pPr marL="1600200" indent="-228600" eaLnBrk="0" hangingPunct="0">
-              <a:defRPr kumimoji="1" sz="2400">
-                <a:solidFill>
-                  <a:schemeClr val="tx1"/>
-                </a:solidFill>
-                <a:latin typeface="굴림" pitchFamily="-84" charset="-127"/>
-                <a:ea typeface="굴림" pitchFamily="-84" charset="-127"/>
-              </a:defRPr>
-            </a:lvl4pPr>
-            <a:lvl5pPr marL="2057400" indent="-228600" eaLnBrk="0" hangingPunct="0">
-              <a:defRPr kumimoji="1" sz="2400">
-                <a:solidFill>
-                  <a:schemeClr val="tx1"/>
-                </a:solidFill>
-                <a:latin typeface="굴림" pitchFamily="-84" charset="-127"/>
-                <a:ea typeface="굴림" pitchFamily="-84" charset="-127"/>
-              </a:defRPr>
-            </a:lvl5pPr>
-            <a:lvl6pPr marL="2514600" indent="-228600" eaLnBrk="0" fontAlgn="base" latinLnBrk="1" hangingPunct="0">
-              <a:spcBef>
-                <a:spcPct val="0"/>
-              </a:spcBef>
-              <a:spcAft>
-                <a:spcPct val="0"/>
-              </a:spcAft>
-              <a:defRPr kumimoji="1" sz="2400">
-                <a:solidFill>
-                  <a:schemeClr val="tx1"/>
-                </a:solidFill>
-                <a:latin typeface="굴림" pitchFamily="-84" charset="-127"/>
-                <a:ea typeface="굴림" pitchFamily="-84" charset="-127"/>
-              </a:defRPr>
-            </a:lvl6pPr>
-            <a:lvl7pPr marL="2971800" indent="-228600" eaLnBrk="0" fontAlgn="base" latinLnBrk="1" hangingPunct="0">
-              <a:spcBef>
-                <a:spcPct val="0"/>
-              </a:spcBef>
-              <a:spcAft>
-                <a:spcPct val="0"/>
-              </a:spcAft>
-              <a:defRPr kumimoji="1" sz="2400">
-                <a:solidFill>
-                  <a:schemeClr val="tx1"/>
-                </a:solidFill>
-                <a:latin typeface="굴림" pitchFamily="-84" charset="-127"/>
-                <a:ea typeface="굴림" pitchFamily="-84" charset="-127"/>
-              </a:defRPr>
-            </a:lvl7pPr>
-            <a:lvl8pPr marL="3429000" indent="-228600" eaLnBrk="0" fontAlgn="base" latinLnBrk="1" hangingPunct="0">
-              <a:spcBef>
-                <a:spcPct val="0"/>
-              </a:spcBef>
-              <a:spcAft>
-                <a:spcPct val="0"/>
-              </a:spcAft>
-              <a:defRPr kumimoji="1" sz="2400">
-                <a:solidFill>
-                  <a:schemeClr val="tx1"/>
-                </a:solidFill>
-                <a:latin typeface="굴림" pitchFamily="-84" charset="-127"/>
-                <a:ea typeface="굴림" pitchFamily="-84" charset="-127"/>
-              </a:defRPr>
-            </a:lvl8pPr>
-            <a:lvl9pPr marL="3886200" indent="-228600" eaLnBrk="0" fontAlgn="base" latinLnBrk="1" hangingPunct="0">
-              <a:spcBef>
-                <a:spcPct val="0"/>
-              </a:spcBef>
-              <a:spcAft>
-                <a:spcPct val="0"/>
-              </a:spcAft>
-              <a:defRPr kumimoji="1" sz="2400">
-                <a:solidFill>
-                  <a:schemeClr val="tx1"/>
-                </a:solidFill>
-                <a:latin typeface="굴림" pitchFamily="-84" charset="-127"/>
-                <a:ea typeface="굴림" pitchFamily="-84" charset="-127"/>
-              </a:defRPr>
-            </a:lvl9pPr>
-          </a:lstStyle>
-          <a:p>
-            <a:pPr eaLnBrk="1" hangingPunct="1"/>
-            <a:r>
-              <a:rPr lang="en-US" altLang="ko-KR" sz="1800">
-                <a:latin typeface="Malgun Gothic" pitchFamily="34" charset="-127"/>
-                <a:ea typeface="Malgun Gothic" pitchFamily="34" charset="-127"/>
-              </a:rPr>
-              <a:t>figure1.1.py</a:t>
-            </a:r>
-            <a:endParaRPr lang="ko-KR" altLang="en-US" sz="1800">
-              <a:latin typeface="Malgun Gothic" pitchFamily="34" charset="-127"/>
-              <a:ea typeface="Malgun Gothic" pitchFamily="34" charset="-127"/>
-            </a:endParaRPr>
-          </a:p>
-        </p:txBody>
-      </p:sp>
       <p:pic>
         <p:nvPicPr>
           <p:cNvPr id="5128" name="Picture 5"/>
@@ -14533,7 +15132,7 @@
         </p:blipFill>
         <p:spPr bwMode="auto">
           <a:xfrm>
-            <a:off x="4716463" y="1803400"/>
+            <a:off x="4383349" y="2204864"/>
             <a:ext cx="3422650" cy="2674938"/>
           </a:xfrm>
           <a:prstGeom prst="rect">
@@ -14576,6 +15175,173 @@
           </a:extLst>
         </p:spPr>
       </p:pic>
+      <p:sp>
+        <p:nvSpPr>
+          <p:cNvPr id="6150" name="TextBox 8"/>
+          <p:cNvSpPr txBox="1">
+            <a:spLocks noChangeArrowheads="1"/>
+          </p:cNvSpPr>
+          <p:nvPr/>
+        </p:nvSpPr>
+        <p:spPr bwMode="auto">
+          <a:xfrm>
+            <a:off x="5156200" y="4376724"/>
+            <a:ext cx="1397000" cy="368300"/>
+          </a:xfrm>
+          <a:prstGeom prst="rect">
+            <a:avLst/>
+          </a:prstGeom>
+          <a:noFill/>
+          <a:ln>
+            <a:noFill/>
+          </a:ln>
+          <a:extLst>
+            <a:ext uri="{909E8E84-426E-40DD-AFC4-6F175D3DCCD1}">
+              <a14:hiddenFill xmlns:a14="http://schemas.microsoft.com/office/drawing/2010/main">
+                <a:solidFill>
+                  <a:srgbClr val="FFFFFF"/>
+                </a:solidFill>
+              </a14:hiddenFill>
+            </a:ext>
+            <a:ext uri="{91240B29-F687-4F45-9708-019B960494DF}">
+              <a14:hiddenLine xmlns:a14="http://schemas.microsoft.com/office/drawing/2010/main" w="9525">
+                <a:solidFill>
+                  <a:srgbClr val="000000"/>
+                </a:solidFill>
+                <a:miter lim="800000"/>
+                <a:headEnd/>
+                <a:tailEnd/>
+              </a14:hiddenLine>
+            </a:ext>
+          </a:extLst>
+        </p:spPr>
+        <p:txBody>
+          <a:bodyPr wrap="none">
+            <a:spAutoFit/>
+          </a:bodyPr>
+          <a:lstStyle>
+            <a:lvl1pPr eaLnBrk="0" hangingPunct="0">
+              <a:defRPr kumimoji="1" sz="2400">
+                <a:solidFill>
+                  <a:schemeClr val="tx1"/>
+                </a:solidFill>
+                <a:latin typeface="굴림" pitchFamily="-84" charset="-127"/>
+                <a:ea typeface="굴림" pitchFamily="-84" charset="-127"/>
+              </a:defRPr>
+            </a:lvl1pPr>
+            <a:lvl2pPr marL="742950" indent="-285750" eaLnBrk="0" hangingPunct="0">
+              <a:defRPr kumimoji="1" sz="2400">
+                <a:solidFill>
+                  <a:schemeClr val="tx1"/>
+                </a:solidFill>
+                <a:latin typeface="굴림" pitchFamily="-84" charset="-127"/>
+                <a:ea typeface="굴림" pitchFamily="-84" charset="-127"/>
+              </a:defRPr>
+            </a:lvl2pPr>
+            <a:lvl3pPr marL="1143000" indent="-228600" eaLnBrk="0" hangingPunct="0">
+              <a:defRPr kumimoji="1" sz="2400">
+                <a:solidFill>
+                  <a:schemeClr val="tx1"/>
+                </a:solidFill>
+                <a:latin typeface="굴림" pitchFamily="-84" charset="-127"/>
+                <a:ea typeface="굴림" pitchFamily="-84" charset="-127"/>
+              </a:defRPr>
+            </a:lvl3pPr>
+            <a:lvl4pPr marL="1600200" indent="-228600" eaLnBrk="0" hangingPunct="0">
+              <a:defRPr kumimoji="1" sz="2400">
+                <a:solidFill>
+                  <a:schemeClr val="tx1"/>
+                </a:solidFill>
+                <a:latin typeface="굴림" pitchFamily="-84" charset="-127"/>
+                <a:ea typeface="굴림" pitchFamily="-84" charset="-127"/>
+              </a:defRPr>
+            </a:lvl4pPr>
+            <a:lvl5pPr marL="2057400" indent="-228600" eaLnBrk="0" hangingPunct="0">
+              <a:defRPr kumimoji="1" sz="2400">
+                <a:solidFill>
+                  <a:schemeClr val="tx1"/>
+                </a:solidFill>
+                <a:latin typeface="굴림" pitchFamily="-84" charset="-127"/>
+                <a:ea typeface="굴림" pitchFamily="-84" charset="-127"/>
+              </a:defRPr>
+            </a:lvl5pPr>
+            <a:lvl6pPr marL="2514600" indent="-228600" eaLnBrk="0" fontAlgn="base" latinLnBrk="1" hangingPunct="0">
+              <a:spcBef>
+                <a:spcPct val="0"/>
+              </a:spcBef>
+              <a:spcAft>
+                <a:spcPct val="0"/>
+              </a:spcAft>
+              <a:defRPr kumimoji="1" sz="2400">
+                <a:solidFill>
+                  <a:schemeClr val="tx1"/>
+                </a:solidFill>
+                <a:latin typeface="굴림" pitchFamily="-84" charset="-127"/>
+                <a:ea typeface="굴림" pitchFamily="-84" charset="-127"/>
+              </a:defRPr>
+            </a:lvl6pPr>
+            <a:lvl7pPr marL="2971800" indent="-228600" eaLnBrk="0" fontAlgn="base" latinLnBrk="1" hangingPunct="0">
+              <a:spcBef>
+                <a:spcPct val="0"/>
+              </a:spcBef>
+              <a:spcAft>
+                <a:spcPct val="0"/>
+              </a:spcAft>
+              <a:defRPr kumimoji="1" sz="2400">
+                <a:solidFill>
+                  <a:schemeClr val="tx1"/>
+                </a:solidFill>
+                <a:latin typeface="굴림" pitchFamily="-84" charset="-127"/>
+                <a:ea typeface="굴림" pitchFamily="-84" charset="-127"/>
+              </a:defRPr>
+            </a:lvl7pPr>
+            <a:lvl8pPr marL="3429000" indent="-228600" eaLnBrk="0" fontAlgn="base" latinLnBrk="1" hangingPunct="0">
+              <a:spcBef>
+                <a:spcPct val="0"/>
+              </a:spcBef>
+              <a:spcAft>
+                <a:spcPct val="0"/>
+              </a:spcAft>
+              <a:defRPr kumimoji="1" sz="2400">
+                <a:solidFill>
+                  <a:schemeClr val="tx1"/>
+                </a:solidFill>
+                <a:latin typeface="굴림" pitchFamily="-84" charset="-127"/>
+                <a:ea typeface="굴림" pitchFamily="-84" charset="-127"/>
+              </a:defRPr>
+            </a:lvl8pPr>
+            <a:lvl9pPr marL="3886200" indent="-228600" eaLnBrk="0" fontAlgn="base" latinLnBrk="1" hangingPunct="0">
+              <a:spcBef>
+                <a:spcPct val="0"/>
+              </a:spcBef>
+              <a:spcAft>
+                <a:spcPct val="0"/>
+              </a:spcAft>
+              <a:defRPr kumimoji="1" sz="2400">
+                <a:solidFill>
+                  <a:schemeClr val="tx1"/>
+                </a:solidFill>
+                <a:latin typeface="굴림" pitchFamily="-84" charset="-127"/>
+                <a:ea typeface="굴림" pitchFamily="-84" charset="-127"/>
+              </a:defRPr>
+            </a:lvl9pPr>
+          </a:lstStyle>
+          <a:p>
+            <a:pPr eaLnBrk="1" hangingPunct="1"/>
+            <a:r>
+              <a:rPr lang="en-US" altLang="ko-KR" sz="1800" dirty="0">
+                <a:latin typeface="Malgun Gothic" pitchFamily="34" charset="-127"/>
+                <a:ea typeface="Malgun Gothic" pitchFamily="34" charset="-127"/>
+              </a:rPr>
+              <a:t>figure1.1.py</a:t>
+            </a:r>
+            <a:endParaRPr lang="ko-KR" altLang="en-US" sz="1800" dirty="0">
+              <a:latin typeface="Malgun Gothic" pitchFamily="34" charset="-127"/>
+              <a:ea typeface="Malgun Gothic" pitchFamily="34" charset="-127"/>
+            </a:endParaRPr>
+          </a:p>
+        </p:txBody>
+      </p:sp>
     </p:spTree>
     <p:extLst>
       <p:ext uri="{BB962C8B-B14F-4D97-AF65-F5344CB8AC3E}">
@@ -14589,7 +15355,7 @@
 </p:sld>
 </file>
 
-<file path=ppt/slides/slide4.xml><?xml version="1.0" encoding="utf-8"?>
+<file path=ppt/slides/slide5.xml><?xml version="1.0" encoding="utf-8"?>
 <p:sld xmlns:a="http://schemas.openxmlformats.org/drawingml/2006/main" xmlns:r="http://schemas.openxmlformats.org/officeDocument/2006/relationships" xmlns:p="http://schemas.openxmlformats.org/presentationml/2006/main">
   <p:cSld>
     <p:spTree>
@@ -15053,7 +15819,7 @@
                 <a:ea typeface="한컴 솔잎 M" pitchFamily="18" charset="-127"/>
               </a:rPr>
               <a:pPr eaLnBrk="1" hangingPunct="1"/>
-              <a:t>4</a:t>
+              <a:t>5</a:t>
             </a:fld>
             <a:endParaRPr kumimoji="0" lang="ko-KR" altLang="en-US" sz="1200">
               <a:solidFill>
@@ -15432,7 +16198,7 @@
 </p:sld>
 </file>
 
-<file path=ppt/slides/slide5.xml><?xml version="1.0" encoding="utf-8"?>
+<file path=ppt/slides/slide6.xml><?xml version="1.0" encoding="utf-8"?>
 <p:sld xmlns:a="http://schemas.openxmlformats.org/drawingml/2006/main" xmlns:r="http://schemas.openxmlformats.org/officeDocument/2006/relationships" xmlns:p="http://schemas.openxmlformats.org/presentationml/2006/main">
   <p:cSld>
     <p:spTree>
@@ -15838,7 +16604,7 @@
                 <a:ea typeface="한컴 솔잎 M" pitchFamily="18" charset="-127"/>
               </a:rPr>
               <a:pPr eaLnBrk="1" hangingPunct="1"/>
-              <a:t>5</a:t>
+              <a:t>6</a:t>
             </a:fld>
             <a:endParaRPr kumimoji="0" lang="ko-KR" altLang="en-US" sz="1200">
               <a:solidFill>
@@ -16061,7 +16827,7 @@
 </p:sld>
 </file>
 
-<file path=ppt/slides/slide6.xml><?xml version="1.0" encoding="utf-8"?>
+<file path=ppt/slides/slide7.xml><?xml version="1.0" encoding="utf-8"?>
 <p:sld xmlns:a="http://schemas.openxmlformats.org/drawingml/2006/main" xmlns:r="http://schemas.openxmlformats.org/officeDocument/2006/relationships" xmlns:p="http://schemas.openxmlformats.org/presentationml/2006/main">
   <p:cSld>
     <p:spTree>
@@ -16520,7 +17286,7 @@
                 <a:ea typeface="한컴 솔잎 M" pitchFamily="18" charset="-127"/>
               </a:rPr>
               <a:pPr eaLnBrk="1" hangingPunct="1"/>
-              <a:t>6</a:t>
+              <a:t>7</a:t>
             </a:fld>
             <a:endParaRPr kumimoji="0" lang="ko-KR" altLang="en-US" sz="1200">
               <a:solidFill>
@@ -16545,7 +17311,7 @@
 </p:sld>
 </file>
 
-<file path=ppt/slides/slide7.xml><?xml version="1.0" encoding="utf-8"?>
+<file path=ppt/slides/slide8.xml><?xml version="1.0" encoding="utf-8"?>
 <p:sld xmlns:a="http://schemas.openxmlformats.org/drawingml/2006/main" xmlns:r="http://schemas.openxmlformats.org/officeDocument/2006/relationships" xmlns:p="http://schemas.openxmlformats.org/presentationml/2006/main">
   <p:cSld>
     <p:spTree>
@@ -16889,7 +17655,7 @@
                 <a:ea typeface="한컴 솔잎 M" pitchFamily="18" charset="-127"/>
               </a:rPr>
               <a:pPr eaLnBrk="1" hangingPunct="1"/>
-              <a:t>7</a:t>
+              <a:t>8</a:t>
             </a:fld>
             <a:endParaRPr kumimoji="0" lang="ko-KR" altLang="en-US" sz="1200">
               <a:solidFill>
@@ -16914,7 +17680,7 @@
 </p:sld>
 </file>
 
-<file path=ppt/slides/slide8.xml><?xml version="1.0" encoding="utf-8"?>
+<file path=ppt/slides/slide9.xml><?xml version="1.0" encoding="utf-8"?>
 <p:sld xmlns:a="http://schemas.openxmlformats.org/drawingml/2006/main" xmlns:r="http://schemas.openxmlformats.org/officeDocument/2006/relationships" xmlns:p="http://schemas.openxmlformats.org/presentationml/2006/main">
   <p:cSld>
     <p:spTree>
@@ -17285,549 +18051,6 @@
                 <a:ea typeface="한컴 솔잎 M" pitchFamily="18" charset="-127"/>
               </a:rPr>
               <a:pPr eaLnBrk="1" hangingPunct="1"/>
-              <a:t>8</a:t>
-            </a:fld>
-            <a:endParaRPr kumimoji="0" lang="ko-KR" altLang="en-US" sz="1200">
-              <a:solidFill>
-                <a:srgbClr val="898989"/>
-              </a:solidFill>
-              <a:latin typeface="한컴 솔잎 M" pitchFamily="18" charset="-127"/>
-              <a:ea typeface="한컴 솔잎 M" pitchFamily="18" charset="-127"/>
-            </a:endParaRPr>
-          </a:p>
-        </p:txBody>
-      </p:sp>
-    </p:spTree>
-    <p:extLst>
-      <p:ext uri="{BB962C8B-B14F-4D97-AF65-F5344CB8AC3E}">
-        <p14:creationId xmlns:p14="http://schemas.microsoft.com/office/powerpoint/2010/main" val="3758207455"/>
-      </p:ext>
-    </p:extLst>
-  </p:cSld>
-  <p:clrMapOvr>
-    <a:masterClrMapping/>
-  </p:clrMapOvr>
-</p:sld>
-</file>
-
-<file path=ppt/slides/slide9.xml><?xml version="1.0" encoding="utf-8"?>
-<p:sld xmlns:a="http://schemas.openxmlformats.org/drawingml/2006/main" xmlns:r="http://schemas.openxmlformats.org/officeDocument/2006/relationships" xmlns:p="http://schemas.openxmlformats.org/presentationml/2006/main">
-  <p:cSld>
-    <p:spTree>
-      <p:nvGrpSpPr>
-        <p:cNvPr id="1" name=""/>
-        <p:cNvGrpSpPr/>
-        <p:nvPr/>
-      </p:nvGrpSpPr>
-      <p:grpSpPr>
-        <a:xfrm>
-          <a:off x="0" y="0"/>
-          <a:ext cx="0" cy="0"/>
-          <a:chOff x="0" y="0"/>
-          <a:chExt cx="0" cy="0"/>
-        </a:xfrm>
-      </p:grpSpPr>
-      <p:sp>
-        <p:nvSpPr>
-          <p:cNvPr id="12289" name="제목 1"/>
-          <p:cNvSpPr>
-            <a:spLocks noGrp="1"/>
-          </p:cNvSpPr>
-          <p:nvPr>
-            <p:ph type="title"/>
-          </p:nvPr>
-        </p:nvSpPr>
-        <p:spPr>
-          <a:xfrm>
-            <a:off x="457200" y="274638"/>
-            <a:ext cx="8229600" cy="561975"/>
-          </a:xfrm>
-        </p:spPr>
-        <p:txBody>
-          <a:bodyPr/>
-          <a:lstStyle/>
-          <a:p>
-            <a:r>
-              <a:rPr lang="en-US" altLang="ko-KR" sz="2900"/>
-              <a:t>Simple Graph Analysis</a:t>
-            </a:r>
-            <a:endParaRPr lang="ko-KR" altLang="en-US" sz="2900"/>
-          </a:p>
-        </p:txBody>
-      </p:sp>
-      <p:sp>
-        <p:nvSpPr>
-          <p:cNvPr id="12290" name="내용 개체 틀 2"/>
-          <p:cNvSpPr>
-            <a:spLocks noGrp="1"/>
-          </p:cNvSpPr>
-          <p:nvPr>
-            <p:ph idx="1"/>
-          </p:nvPr>
-        </p:nvSpPr>
-        <p:spPr>
-          <a:xfrm>
-            <a:off x="457200" y="1052513"/>
-            <a:ext cx="8229600" cy="5073650"/>
-          </a:xfrm>
-        </p:spPr>
-        <p:txBody>
-          <a:bodyPr>
-            <a:normAutofit fontScale="77500" lnSpcReduction="20000"/>
-          </a:bodyPr>
-          <a:lstStyle/>
-          <a:p>
-            <a:r>
-              <a:rPr lang="en-US" altLang="ko-KR" dirty="0"/>
-              <a:t>Graph</a:t>
-            </a:r>
-            <a:r>
-              <a:rPr lang="ko-KR" altLang="en-US" dirty="0"/>
-              <a:t> </a:t>
-            </a:r>
-            <a:r>
-              <a:rPr lang="en-US" altLang="ko-KR" dirty="0"/>
-              <a:t>Union</a:t>
-            </a:r>
-          </a:p>
-          <a:p>
-            <a:pPr lvl="1"/>
-            <a:r>
-              <a:rPr lang="en-US" altLang="ko-KR" dirty="0"/>
-              <a:t>Compose operation for two graphs, G and H</a:t>
-            </a:r>
-          </a:p>
-          <a:p>
-            <a:pPr lvl="2"/>
-            <a:r>
-              <a:rPr lang="en-US" altLang="ko-KR" dirty="0"/>
-              <a:t>Composition is the simple union of the node sets and edge sets. </a:t>
-            </a:r>
-          </a:p>
-          <a:p>
-            <a:pPr lvl="2"/>
-            <a:r>
-              <a:rPr lang="en-US" altLang="ko-KR" dirty="0"/>
-              <a:t>The node sets of G and H need not be disjoint.</a:t>
-            </a:r>
-          </a:p>
-          <a:p>
-            <a:pPr lvl="2"/>
-            <a:r>
-              <a:rPr lang="en-US" altLang="ko-KR" dirty="0"/>
-              <a:t>Attributes from H take precedent over attributes from G</a:t>
-            </a:r>
-          </a:p>
-          <a:p>
-            <a:pPr lvl="2"/>
-            <a:r>
-              <a:rPr lang="en-US" altLang="ko-KR" dirty="0"/>
-              <a:t>&gt;&gt;&gt; </a:t>
-            </a:r>
-            <a:r>
-              <a:rPr lang="en-US" altLang="ko-KR" dirty="0">
-                <a:solidFill>
-                  <a:srgbClr val="0070C0"/>
-                </a:solidFill>
-              </a:rPr>
-              <a:t>import </a:t>
-            </a:r>
-            <a:r>
-              <a:rPr lang="en-US" altLang="ko-KR" dirty="0" err="1">
-                <a:solidFill>
-                  <a:srgbClr val="0070C0"/>
-                </a:solidFill>
-              </a:rPr>
-              <a:t>networkx</a:t>
-            </a:r>
-            <a:r>
-              <a:rPr lang="en-US" altLang="ko-KR" dirty="0">
-                <a:solidFill>
-                  <a:srgbClr val="0070C0"/>
-                </a:solidFill>
-              </a:rPr>
-              <a:t> as net</a:t>
-            </a:r>
-          </a:p>
-          <a:p>
-            <a:pPr lvl="2"/>
-            <a:r>
-              <a:rPr lang="en-US" altLang="ko-KR" dirty="0"/>
-              <a:t>&gt;&gt;&gt; </a:t>
-            </a:r>
-            <a:r>
-              <a:rPr lang="en-US" altLang="ko-KR" dirty="0">
-                <a:solidFill>
-                  <a:srgbClr val="0070C0"/>
-                </a:solidFill>
-              </a:rPr>
-              <a:t>g1 = </a:t>
-            </a:r>
-            <a:r>
-              <a:rPr lang="en-US" altLang="ko-KR" dirty="0" err="1">
-                <a:solidFill>
-                  <a:srgbClr val="0070C0"/>
-                </a:solidFill>
-              </a:rPr>
-              <a:t>net.Graph</a:t>
-            </a:r>
-            <a:r>
-              <a:rPr lang="en-US" altLang="ko-KR" dirty="0">
-                <a:solidFill>
-                  <a:srgbClr val="0070C0"/>
-                </a:solidFill>
-              </a:rPr>
-              <a:t>()</a:t>
-            </a:r>
-          </a:p>
-          <a:p>
-            <a:pPr lvl="2"/>
-            <a:r>
-              <a:rPr lang="en-US" altLang="ko-KR" dirty="0"/>
-              <a:t>&gt;&gt;&gt; </a:t>
-            </a:r>
-            <a:r>
-              <a:rPr lang="en-US" altLang="ko-KR" dirty="0">
-                <a:solidFill>
-                  <a:srgbClr val="0070C0"/>
-                </a:solidFill>
-              </a:rPr>
-              <a:t>g2 = </a:t>
-            </a:r>
-            <a:r>
-              <a:rPr lang="en-US" altLang="ko-KR" dirty="0" err="1">
-                <a:solidFill>
-                  <a:srgbClr val="0070C0"/>
-                </a:solidFill>
-              </a:rPr>
-              <a:t>net.Graph</a:t>
-            </a:r>
-            <a:r>
-              <a:rPr lang="en-US" altLang="ko-KR" dirty="0">
-                <a:solidFill>
-                  <a:srgbClr val="0070C0"/>
-                </a:solidFill>
-              </a:rPr>
-              <a:t>()</a:t>
-            </a:r>
-          </a:p>
-          <a:p>
-            <a:pPr lvl="2"/>
-            <a:r>
-              <a:rPr lang="en-US" altLang="ko-KR" dirty="0"/>
-              <a:t>&gt;&gt;&gt; </a:t>
-            </a:r>
-            <a:r>
-              <a:rPr lang="en-US" altLang="ko-KR" dirty="0">
-                <a:solidFill>
-                  <a:srgbClr val="0070C0"/>
-                </a:solidFill>
-              </a:rPr>
-              <a:t>g1.add_edge(1,2)</a:t>
-            </a:r>
-          </a:p>
-          <a:p>
-            <a:pPr lvl="2"/>
-            <a:r>
-              <a:rPr lang="en-US" altLang="ko-KR" dirty="0"/>
-              <a:t>&gt;&gt;&gt; </a:t>
-            </a:r>
-            <a:r>
-              <a:rPr lang="en-US" altLang="ko-KR" dirty="0">
-                <a:solidFill>
-                  <a:srgbClr val="0070C0"/>
-                </a:solidFill>
-              </a:rPr>
-              <a:t>g2.add_edge(2,3)</a:t>
-            </a:r>
-          </a:p>
-          <a:p>
-            <a:pPr lvl="2"/>
-            <a:r>
-              <a:rPr lang="en-US" altLang="ko-KR" dirty="0"/>
-              <a:t>&gt;&gt;&gt; </a:t>
-            </a:r>
-            <a:r>
-              <a:rPr lang="en-US" altLang="ko-KR" dirty="0">
-                <a:solidFill>
-                  <a:srgbClr val="0070C0"/>
-                </a:solidFill>
-              </a:rPr>
-              <a:t>g3 = </a:t>
-            </a:r>
-            <a:r>
-              <a:rPr lang="en-US" altLang="ko-KR" dirty="0" err="1">
-                <a:solidFill>
-                  <a:srgbClr val="0070C0"/>
-                </a:solidFill>
-              </a:rPr>
-              <a:t>net.compose</a:t>
-            </a:r>
-            <a:r>
-              <a:rPr lang="en-US" altLang="ko-KR" dirty="0">
-                <a:solidFill>
-                  <a:srgbClr val="0070C0"/>
-                </a:solidFill>
-              </a:rPr>
-              <a:t>(g1, g2)</a:t>
-            </a:r>
-            <a:endParaRPr lang="en-US" altLang="ko-KR" dirty="0"/>
-          </a:p>
-          <a:p>
-            <a:pPr lvl="2"/>
-            <a:r>
-              <a:rPr lang="en-US" altLang="ko-KR" dirty="0"/>
-              <a:t>&gt;&gt;&gt; </a:t>
-            </a:r>
-            <a:r>
-              <a:rPr lang="en-US" altLang="ko-KR" dirty="0" err="1">
-                <a:solidFill>
-                  <a:srgbClr val="0070C0"/>
-                </a:solidFill>
-              </a:rPr>
-              <a:t>net.draw</a:t>
-            </a:r>
-            <a:r>
-              <a:rPr lang="en-US" altLang="ko-KR" dirty="0">
-                <a:solidFill>
-                  <a:srgbClr val="0070C0"/>
-                </a:solidFill>
-              </a:rPr>
-              <a:t>(g3)</a:t>
-            </a:r>
-          </a:p>
-          <a:p>
-            <a:pPr lvl="2"/>
-            <a:r>
-              <a:rPr lang="en-US" altLang="ko-KR" dirty="0"/>
-              <a:t>&gt;&gt;&gt; </a:t>
-            </a:r>
-            <a:r>
-              <a:rPr lang="en-US" altLang="ko-KR" dirty="0" err="1">
-                <a:solidFill>
-                  <a:srgbClr val="0070C0"/>
-                </a:solidFill>
-              </a:rPr>
-              <a:t>plt.show</a:t>
-            </a:r>
-            <a:r>
-              <a:rPr lang="en-US" altLang="ko-KR" dirty="0">
-                <a:solidFill>
-                  <a:srgbClr val="0070C0"/>
-                </a:solidFill>
-              </a:rPr>
-              <a:t>()</a:t>
-            </a:r>
-          </a:p>
-          <a:p>
-            <a:pPr lvl="2"/>
-            <a:endParaRPr lang="en-US" altLang="ko-KR" sz="1400" dirty="0"/>
-          </a:p>
-          <a:p>
-            <a:pPr lvl="2"/>
-            <a:r>
-              <a:rPr lang="en-US" altLang="ko-KR" sz="1400" dirty="0"/>
-              <a:t>See also</a:t>
-            </a:r>
-          </a:p>
-          <a:p>
-            <a:pPr lvl="3"/>
-            <a:r>
-              <a:rPr lang="en-US" altLang="ko-KR" sz="1400" dirty="0" err="1"/>
-              <a:t>net.union</a:t>
-            </a:r>
-            <a:r>
-              <a:rPr lang="en-US" altLang="ko-KR" sz="1400" dirty="0"/>
-              <a:t>(G1,G2)            </a:t>
-            </a:r>
-          </a:p>
-          <a:p>
-            <a:pPr lvl="3"/>
-            <a:r>
-              <a:rPr lang="en-US" altLang="ko-KR" sz="1400" dirty="0" err="1"/>
-              <a:t>net.uniondisjoint_union</a:t>
-            </a:r>
-            <a:r>
-              <a:rPr lang="en-US" altLang="ko-KR" sz="1400" dirty="0"/>
-              <a:t>(G1,G2)    </a:t>
-            </a:r>
-          </a:p>
-          <a:p>
-            <a:pPr lvl="3"/>
-            <a:r>
-              <a:rPr lang="en-US" altLang="ko-KR" sz="1400" dirty="0" err="1"/>
-              <a:t>net.cartesian_product</a:t>
-            </a:r>
-            <a:r>
-              <a:rPr lang="en-US" altLang="ko-KR" sz="1400" dirty="0"/>
-              <a:t>(G1,G2) </a:t>
-            </a:r>
-          </a:p>
-          <a:p>
-            <a:pPr lvl="3"/>
-            <a:r>
-              <a:rPr lang="en-US" altLang="ko-KR" sz="1400" dirty="0" err="1"/>
-              <a:t>net.compose</a:t>
-            </a:r>
-            <a:r>
-              <a:rPr lang="en-US" altLang="ko-KR" sz="1400" dirty="0"/>
-              <a:t>(G1,G2)</a:t>
-            </a:r>
-          </a:p>
-        </p:txBody>
-      </p:sp>
-      <p:sp>
-        <p:nvSpPr>
-          <p:cNvPr id="12292" name="슬라이드 번호 개체 틀 4"/>
-          <p:cNvSpPr>
-            <a:spLocks noGrp="1"/>
-          </p:cNvSpPr>
-          <p:nvPr>
-            <p:ph type="sldNum" sz="quarter" idx="12"/>
-          </p:nvPr>
-        </p:nvSpPr>
-        <p:spPr bwMode="auto">
-          <a:noFill/>
-          <a:extLst>
-            <a:ext uri="{909E8E84-426E-40DD-AFC4-6F175D3DCCD1}">
-              <a14:hiddenFill xmlns:a14="http://schemas.microsoft.com/office/drawing/2010/main">
-                <a:solidFill>
-                  <a:srgbClr val="FFFFFF"/>
-                </a:solidFill>
-              </a14:hiddenFill>
-            </a:ext>
-            <a:ext uri="{91240B29-F687-4F45-9708-019B960494DF}">
-              <a14:hiddenLine xmlns:a14="http://schemas.microsoft.com/office/drawing/2010/main" w="9525">
-                <a:solidFill>
-                  <a:srgbClr val="000000"/>
-                </a:solidFill>
-                <a:miter lim="800000"/>
-                <a:headEnd/>
-                <a:tailEnd/>
-              </a14:hiddenLine>
-            </a:ext>
-          </a:extLst>
-        </p:spPr>
-        <p:txBody>
-          <a:bodyPr/>
-          <a:lstStyle>
-            <a:lvl1pPr eaLnBrk="0" hangingPunct="0">
-              <a:defRPr kumimoji="1" sz="2400">
-                <a:solidFill>
-                  <a:schemeClr val="tx1"/>
-                </a:solidFill>
-                <a:latin typeface="굴림" pitchFamily="-84" charset="-127"/>
-                <a:ea typeface="굴림" pitchFamily="-84" charset="-127"/>
-              </a:defRPr>
-            </a:lvl1pPr>
-            <a:lvl2pPr marL="742950" indent="-285750" eaLnBrk="0" hangingPunct="0">
-              <a:defRPr kumimoji="1" sz="2400">
-                <a:solidFill>
-                  <a:schemeClr val="tx1"/>
-                </a:solidFill>
-                <a:latin typeface="굴림" pitchFamily="-84" charset="-127"/>
-                <a:ea typeface="굴림" pitchFamily="-84" charset="-127"/>
-              </a:defRPr>
-            </a:lvl2pPr>
-            <a:lvl3pPr marL="1143000" indent="-228600" eaLnBrk="0" hangingPunct="0">
-              <a:defRPr kumimoji="1" sz="2400">
-                <a:solidFill>
-                  <a:schemeClr val="tx1"/>
-                </a:solidFill>
-                <a:latin typeface="굴림" pitchFamily="-84" charset="-127"/>
-                <a:ea typeface="굴림" pitchFamily="-84" charset="-127"/>
-              </a:defRPr>
-            </a:lvl3pPr>
-            <a:lvl4pPr marL="1600200" indent="-228600" eaLnBrk="0" hangingPunct="0">
-              <a:defRPr kumimoji="1" sz="2400">
-                <a:solidFill>
-                  <a:schemeClr val="tx1"/>
-                </a:solidFill>
-                <a:latin typeface="굴림" pitchFamily="-84" charset="-127"/>
-                <a:ea typeface="굴림" pitchFamily="-84" charset="-127"/>
-              </a:defRPr>
-            </a:lvl4pPr>
-            <a:lvl5pPr marL="2057400" indent="-228600" eaLnBrk="0" hangingPunct="0">
-              <a:defRPr kumimoji="1" sz="2400">
-                <a:solidFill>
-                  <a:schemeClr val="tx1"/>
-                </a:solidFill>
-                <a:latin typeface="굴림" pitchFamily="-84" charset="-127"/>
-                <a:ea typeface="굴림" pitchFamily="-84" charset="-127"/>
-              </a:defRPr>
-            </a:lvl5pPr>
-            <a:lvl6pPr marL="2514600" indent="-228600" eaLnBrk="0" fontAlgn="base" latinLnBrk="1" hangingPunct="0">
-              <a:spcBef>
-                <a:spcPct val="0"/>
-              </a:spcBef>
-              <a:spcAft>
-                <a:spcPct val="0"/>
-              </a:spcAft>
-              <a:defRPr kumimoji="1" sz="2400">
-                <a:solidFill>
-                  <a:schemeClr val="tx1"/>
-                </a:solidFill>
-                <a:latin typeface="굴림" pitchFamily="-84" charset="-127"/>
-                <a:ea typeface="굴림" pitchFamily="-84" charset="-127"/>
-              </a:defRPr>
-            </a:lvl6pPr>
-            <a:lvl7pPr marL="2971800" indent="-228600" eaLnBrk="0" fontAlgn="base" latinLnBrk="1" hangingPunct="0">
-              <a:spcBef>
-                <a:spcPct val="0"/>
-              </a:spcBef>
-              <a:spcAft>
-                <a:spcPct val="0"/>
-              </a:spcAft>
-              <a:defRPr kumimoji="1" sz="2400">
-                <a:solidFill>
-                  <a:schemeClr val="tx1"/>
-                </a:solidFill>
-                <a:latin typeface="굴림" pitchFamily="-84" charset="-127"/>
-                <a:ea typeface="굴림" pitchFamily="-84" charset="-127"/>
-              </a:defRPr>
-            </a:lvl7pPr>
-            <a:lvl8pPr marL="3429000" indent="-228600" eaLnBrk="0" fontAlgn="base" latinLnBrk="1" hangingPunct="0">
-              <a:spcBef>
-                <a:spcPct val="0"/>
-              </a:spcBef>
-              <a:spcAft>
-                <a:spcPct val="0"/>
-              </a:spcAft>
-              <a:defRPr kumimoji="1" sz="2400">
-                <a:solidFill>
-                  <a:schemeClr val="tx1"/>
-                </a:solidFill>
-                <a:latin typeface="굴림" pitchFamily="-84" charset="-127"/>
-                <a:ea typeface="굴림" pitchFamily="-84" charset="-127"/>
-              </a:defRPr>
-            </a:lvl8pPr>
-            <a:lvl9pPr marL="3886200" indent="-228600" eaLnBrk="0" fontAlgn="base" latinLnBrk="1" hangingPunct="0">
-              <a:spcBef>
-                <a:spcPct val="0"/>
-              </a:spcBef>
-              <a:spcAft>
-                <a:spcPct val="0"/>
-              </a:spcAft>
-              <a:defRPr kumimoji="1" sz="2400">
-                <a:solidFill>
-                  <a:schemeClr val="tx1"/>
-                </a:solidFill>
-                <a:latin typeface="굴림" pitchFamily="-84" charset="-127"/>
-                <a:ea typeface="굴림" pitchFamily="-84" charset="-127"/>
-              </a:defRPr>
-            </a:lvl9pPr>
-          </a:lstStyle>
-          <a:p>
-            <a:pPr eaLnBrk="1" hangingPunct="1"/>
-            <a:fld id="{B564DA8A-116A-443D-9080-D881E8D1D22C}" type="slidenum">
-              <a:rPr kumimoji="0" lang="ko-KR" altLang="en-US" sz="1200">
-                <a:solidFill>
-                  <a:srgbClr val="898989"/>
-                </a:solidFill>
-                <a:latin typeface="한컴 솔잎 M" pitchFamily="18" charset="-127"/>
-                <a:ea typeface="한컴 솔잎 M" pitchFamily="18" charset="-127"/>
-              </a:rPr>
-              <a:pPr eaLnBrk="1" hangingPunct="1"/>
               <a:t>9</a:t>
             </a:fld>
             <a:endParaRPr kumimoji="0" lang="ko-KR" altLang="en-US" sz="1200">
@@ -17840,76 +18063,10 @@
           </a:p>
         </p:txBody>
       </p:sp>
-      <p:pic>
-        <p:nvPicPr>
-          <p:cNvPr id="10246" name="Picture 2"/>
-          <p:cNvPicPr>
-            <a:picLocks noChangeAspect="1" noChangeArrowheads="1"/>
-          </p:cNvPicPr>
-          <p:nvPr/>
-        </p:nvPicPr>
-        <p:blipFill>
-          <a:blip r:embed="rId2">
-            <a:extLst>
-              <a:ext uri="{28A0092B-C50C-407E-A947-70E740481C1C}">
-                <a14:useLocalDpi xmlns:a14="http://schemas.microsoft.com/office/drawing/2010/main" val="0"/>
-              </a:ext>
-            </a:extLst>
-          </a:blip>
-          <a:srcRect/>
-          <a:stretch>
-            <a:fillRect/>
-          </a:stretch>
-        </p:blipFill>
-        <p:spPr bwMode="auto">
-          <a:xfrm>
-            <a:off x="4643438" y="2708275"/>
-            <a:ext cx="4259262" cy="3024188"/>
-          </a:xfrm>
-          <a:prstGeom prst="rect">
-            <a:avLst/>
-          </a:prstGeom>
-          <a:noFill/>
-          <a:ln>
-            <a:noFill/>
-          </a:ln>
-          <a:effectLst/>
-          <a:extLst>
-            <a:ext uri="{909E8E84-426E-40DD-AFC4-6F175D3DCCD1}">
-              <a14:hiddenFill xmlns:a14="http://schemas.microsoft.com/office/drawing/2010/main">
-                <a:solidFill>
-                  <a:schemeClr val="accent1"/>
-                </a:solidFill>
-              </a14:hiddenFill>
-            </a:ext>
-            <a:ext uri="{91240B29-F687-4F45-9708-019B960494DF}">
-              <a14:hiddenLine xmlns:a14="http://schemas.microsoft.com/office/drawing/2010/main" w="9525">
-                <a:solidFill>
-                  <a:schemeClr val="tx1"/>
-                </a:solidFill>
-                <a:miter lim="800000"/>
-                <a:headEnd/>
-                <a:tailEnd/>
-              </a14:hiddenLine>
-            </a:ext>
-            <a:ext uri="{AF507438-7753-43E0-B8FC-AC1667EBCBE1}">
-              <a14:hiddenEffects xmlns:a14="http://schemas.microsoft.com/office/drawing/2010/main">
-                <a:effectLst>
-                  <a:outerShdw blurRad="63500" dist="38099" dir="2700000" algn="ctr" rotWithShape="0">
-                    <a:schemeClr val="bg2">
-                      <a:alpha val="74998"/>
-                    </a:schemeClr>
-                  </a:outerShdw>
-                </a:effectLst>
-              </a14:hiddenEffects>
-            </a:ext>
-          </a:extLst>
-        </p:spPr>
-      </p:pic>
     </p:spTree>
     <p:extLst>
       <p:ext uri="{BB962C8B-B14F-4D97-AF65-F5344CB8AC3E}">
-        <p14:creationId xmlns:p14="http://schemas.microsoft.com/office/powerpoint/2010/main" val="4177061064"/>
+        <p14:creationId xmlns:p14="http://schemas.microsoft.com/office/powerpoint/2010/main" val="3758207455"/>
       </p:ext>
     </p:extLst>
   </p:cSld>
